--- a/topic09/talk-2/Promises.pptx
+++ b/topic09/talk-2/Promises.pptx
@@ -5,7 +5,7 @@
     <p:sldMasterId id="2147483660" r:id="rId1"/>
   </p:sldMasterIdLst>
   <p:notesMasterIdLst>
-    <p:notesMasterId r:id="rId18"/>
+    <p:notesMasterId r:id="rId24"/>
   </p:notesMasterIdLst>
   <p:sldIdLst>
     <p:sldId id="256" r:id="rId2"/>
@@ -23,7 +23,13 @@
     <p:sldId id="290" r:id="rId14"/>
     <p:sldId id="279" r:id="rId15"/>
     <p:sldId id="282" r:id="rId16"/>
-    <p:sldId id="265" r:id="rId17"/>
+    <p:sldId id="298" r:id="rId17"/>
+    <p:sldId id="299" r:id="rId18"/>
+    <p:sldId id="300" r:id="rId19"/>
+    <p:sldId id="297" r:id="rId20"/>
+    <p:sldId id="295" r:id="rId21"/>
+    <p:sldId id="296" r:id="rId22"/>
+    <p:sldId id="265" r:id="rId23"/>
   </p:sldIdLst>
   <p:sldSz cx="12192000" cy="6858000"/>
   <p:notesSz cx="6858000" cy="9144000"/>
@@ -138,6 +144,102 @@
 </p1510:revInfo>
 </file>
 
+<file path=ppt/ink/ink1.xml><?xml version="1.0" encoding="utf-8"?>
+<inkml:ink xmlns:inkml="http://www.w3.org/2003/InkML">
+  <inkml:definitions>
+    <inkml:context xml:id="ctx0">
+      <inkml:inkSource xml:id="inkSrc0">
+        <inkml:traceFormat>
+          <inkml:channel name="X" type="integer" min="-2.14748E9" max="2.14748E9" units="cm"/>
+          <inkml:channel name="Y" type="integer" min="-2.14748E9" max="2.14748E9" units="cm"/>
+          <inkml:channel name="F" type="integer" max="32767" units="dev"/>
+          <inkml:channel name="OA" type="integer" max="360" units="deg"/>
+          <inkml:channel name="OE" type="integer" max="90" units="deg"/>
+        </inkml:traceFormat>
+        <inkml:channelProperties>
+          <inkml:channelProperty channel="X" name="resolution" value="1000" units="1/cm"/>
+          <inkml:channelProperty channel="Y" name="resolution" value="1000" units="1/cm"/>
+          <inkml:channelProperty channel="F" name="resolution" value="0" units="1/dev"/>
+          <inkml:channelProperty channel="OA" name="resolution" value="1000" units="1/deg"/>
+          <inkml:channelProperty channel="OE" name="resolution" value="1000" units="1/deg"/>
+        </inkml:channelProperties>
+      </inkml:inkSource>
+      <inkml:timestamp xml:id="ts0" timeString="2022-03-22T14:10:39.418"/>
+    </inkml:context>
+    <inkml:brush xml:id="br0">
+      <inkml:brushProperty name="width" value="0.025" units="cm"/>
+      <inkml:brushProperty name="height" value="0.025" units="cm"/>
+      <inkml:brushProperty name="color" value="#E71224"/>
+    </inkml:brush>
+  </inkml:definitions>
+  <inkml:trace contextRef="#ctx0" brushRef="#br0">1757 498 5328 0 0,'0'0'758'0'0,"0"-22"244"0"0,-1 20-834 0 0,1 0 0 0 0,-1 0 1 0 0,0 0-1 0 0,0 0 0 0 0,0 0 1 0 0,0 0-1 0 0,0 0 0 0 0,-1 0 1 0 0,1 1-1 0 0,-1-1 0 0 0,1 0 0 0 0,-1 1 1 0 0,1 0-1 0 0,-1-1 0 0 0,0 1 1 0 0,0 0-1 0 0,1 0 0 0 0,-1-1 1 0 0,0 1-1 0 0,0 1 0 0 0,0-1 0 0 0,0 0 1 0 0,0 0-1 0 0,-1 1 0 0 0,-3-1 1 0 0,5 1-143 0 0,1 0 1 0 0,-1 0 0 0 0,1 0 0 0 0,-1 0-1 0 0,1 0 1 0 0,-1 0 0 0 0,1 0 0 0 0,0 0-1 0 0,-1-1 1 0 0,1 1 0 0 0,-1 0 0 0 0,1 0-1 0 0,-1 0 1 0 0,1-1 0 0 0,-1 1 0 0 0,1 0 0 0 0,0-1-1 0 0,-1 1 1 0 0,1 0 0 0 0,0-1 0 0 0,-1 1-1 0 0,1 0 1 0 0,-1-2 0 0 0,0 1 11 0 0,0 0 1 0 0,0 0-1 0 0,0 0 0 0 0,0 0 1 0 0,0 0-1 0 0,-1 0 1 0 0,1 0-1 0 0,0 0 0 0 0,-1 0 1 0 0,1 1-1 0 0,0-1 1 0 0,-3 0-1 0 0,-7-3-56 0 0,1-1-1 0 0,0 0 1 0 0,0 0 0 0 0,0-1-1 0 0,-10-8 1 0 0,-5-3-35 0 0,19 12 82 0 0,0 1 0 0 0,1-1-1 0 0,0 0 1 0 0,-6-8 0 0 0,7 9-4 0 0,1 0 0 0 0,-1-1 1 0 0,0 2-1 0 0,0-1 1 0 0,0 0-1 0 0,-1 1 0 0 0,1 0 1 0 0,-1 0-1 0 0,-8-4 1 0 0,-12-3-15 0 0,19 7-4 0 0,-1 0-1 0 0,0 0 1 0 0,0 1-1 0 0,-1 0 1 0 0,1 0-1 0 0,0 1 1 0 0,-11-2 0 0 0,-10 2 12 0 0,-50-10 0 0 0,4 0 17 0 0,26 3 51 0 0,34 5-73 0 0,-1 1 0 0 0,-21-1-1 0 0,-9-1 45 0 0,33 2-57 0 0,1 1 1 0 0,-1 1 0 0 0,-16 0-1 0 0,8 2 17 0 0,-1 2 0 0 0,-35 9 0 0 0,-28 9-18 0 0,63-19 0 0 0,0 2 0 0 0,1 1 0 0 0,-1 0 0 0 0,1 2 0 0 0,1 0 0 0 0,0 1 0 0 0,-19 12 0 0 0,25-12 0 0 0,-1-2 0 0 0,-1 1 0 0 0,-21 7 0 0 0,16-8 0 0 0,-26 15 0 0 0,10-1-5 0 0,-91 59 612 0 0,108-66-533 0 0,-127 99-157 0 0,115-88 229 0 0,18-14-36 0 0,-23 21 1 0 0,-5 20-70 0 0,15-16-18 0 0,25-35-23 0 0,0 1 0 0 0,0 0 0 0 0,0-1 0 0 0,1 1 0 0 0,-1 0 0 0 0,0 0 0 0 0,1 0 0 0 0,-1 0 0 0 0,1-1 0 0 0,0 1 0 0 0,-1 3 0 0 0,-3 13 0 0 0,2-12 0 0 0,0 0 0 0 0,0 0 0 0 0,1 1 0 0 0,-2 11 0 0 0,-7 33 0 0 0,10-46 0 0 0,0 1 0 0 0,0 0 0 0 0,0-1 0 0 0,1 1 0 0 0,-1-1 0 0 0,1 1 0 0 0,1 0 0 0 0,-1-1 0 0 0,1 0 0 0 0,0 1 0 0 0,3 4 0 0 0,2 11 0 0 0,-7-20-1 0 0,0 0 1 0 0,0 0 0 0 0,0 0 0 0 0,0 0 0 0 0,1 0-1 0 0,-1 0 1 0 0,0 0 0 0 0,0 0 0 0 0,1 0 0 0 0,-1 0-1 0 0,1 0 1 0 0,-1 0 0 0 0,1 0 0 0 0,-1 0 0 0 0,1 0-1 0 0,0 0 1 0 0,0 1 0 0 0,13 15 68 0 0,21 34 49 0 0,-4-15-106 0 0,-11-14 17 0 0,82 82 382 0 0,-85-91-24 0 0,30 18-1 0 0,3 2-10 0 0,-4-4-231 0 0,11 4-144 0 0,-5-5 0 0 0,-39-22 0 0 0,0 1 0 0 0,16 11 0 0 0,-9-3 0 0 0,1-1 0 0 0,0-1 0 0 0,1-1 0 0 0,44 18 0 0 0,30 17 96 0 0,74 9 165 0 0,-139-50-219 0 0,-1-2 0 0 0,1 0 0 0 0,0-3-1 0 0,0 0 1 0 0,0-2 0 0 0,32-5 0 0 0,177-7 203 0 0,-66 12-143 0 0,-14 0-12 0 0,-137-1-86 0 0,41-10-1 0 0,-27 3 44 0 0,-23 6-43 0 0,-1-1 0 0 0,24-11-1 0 0,-24 9-3 0 0,-1 1 0 0 0,1 0 0 0 0,24-5-1 0 0,232-28 1 0 0,-149 24 54 0 0,-66 9-18 0 0,64-15 1 0 0,-55 9 172 0 0,70-19-6 0 0,-36 6-118 0 0,83-19-81 0 0,-82 17-26 0 0,-73 19-37 0 0,0-3 0 0 0,0 0 1 0 0,35-20-1 0 0,-40 19 102 0 0,-2 2 16 0 0,-1-1 1 0 0,0-1-1 0 0,0-1 1 0 0,-1 0-1 0 0,-1-1 1 0 0,0-1-1 0 0,13-16 1 0 0,-23 24 19 0 0,1-1 0 0 0,-2 0 1 0 0,1-1-1 0 0,-1 1 0 0 0,0-1 0 0 0,-1 0 1 0 0,1 0-1 0 0,-2 0 0 0 0,1 0 1 0 0,-1-1-1 0 0,0 1 0 0 0,1-17 0 0 0,-3 2 178 0 0,0 4-52 0 0,0 0 0 0 0,-6-34 0 0 0,-1 14-78 0 0,-2 1 0 0 0,-2 1 0 0 0,-2 0 0 0 0,-23-49 0 0 0,11 39 56 0 0,-1 2 0 0 0,-56-72 0 0 0,52 79-34 0 0,-1 2-1 0 0,-2 2 0 0 0,-1 1 0 0 0,-44-32 1 0 0,4 8-45 0 0,48 35-59 0 0,-2 1 1 0 0,-1 1-1 0 0,-56-28 0 0 0,12 11 30 0 0,49 24-69 0 0,0 1 0 0 0,-1 1 1 0 0,0 1-1 0 0,-53-13 1 0 0,19 16-21 0 0,1 2 1 0 0,-1 3 0 0 0,0 2-1 0 0,-62 9 1 0 0,61-2-119 0 0,1 2 1 0 0,0 2-1 0 0,0 4 0 0 0,-75 28 0 0 0,-40 12 20 0 0,-245 83-337 0 0,399-133 337 0 0,8-1-229 0 0,-1-1 0 0 0,1 2-1 0 0,-20 9 1 0 0,12-5-931 0 0,-1-2-58 0 0</inkml:trace>
+</inkml:ink>
+</file>
+
+<file path=ppt/ink/ink2.xml><?xml version="1.0" encoding="utf-8"?>
+<inkml:ink xmlns:inkml="http://www.w3.org/2003/InkML">
+  <inkml:definitions>
+    <inkml:context xml:id="ctx0">
+      <inkml:inkSource xml:id="inkSrc0">
+        <inkml:traceFormat>
+          <inkml:channel name="X" type="integer" min="-2.14748E9" max="2.14748E9" units="cm"/>
+          <inkml:channel name="Y" type="integer" min="-2.14748E9" max="2.14748E9" units="cm"/>
+          <inkml:channel name="F" type="integer" max="32767" units="dev"/>
+          <inkml:channel name="OA" type="integer" max="360" units="deg"/>
+          <inkml:channel name="OE" type="integer" max="90" units="deg"/>
+        </inkml:traceFormat>
+        <inkml:channelProperties>
+          <inkml:channelProperty channel="X" name="resolution" value="1000" units="1/cm"/>
+          <inkml:channelProperty channel="Y" name="resolution" value="1000" units="1/cm"/>
+          <inkml:channelProperty channel="F" name="resolution" value="0" units="1/dev"/>
+          <inkml:channelProperty channel="OA" name="resolution" value="1000" units="1/deg"/>
+          <inkml:channelProperty channel="OE" name="resolution" value="1000" units="1/deg"/>
+        </inkml:channelProperties>
+      </inkml:inkSource>
+      <inkml:timestamp xml:id="ts0" timeString="2022-03-22T14:10:43.574"/>
+    </inkml:context>
+    <inkml:brush xml:id="br0">
+      <inkml:brushProperty name="width" value="0.025" units="cm"/>
+      <inkml:brushProperty name="height" value="0.025" units="cm"/>
+      <inkml:brushProperty name="color" value="#E71224"/>
+    </inkml:brush>
+  </inkml:definitions>
+  <inkml:trace contextRef="#ctx0" brushRef="#br0">0 1881 1376 0 0,'0'0'7688'0'0,"1"-2"-7439"0"0,2-4-55 0 0,0 1 1 0 0,1-1-1 0 0,0 1 0 0 0,0 0 1 0 0,0 1-1 0 0,8-7 1 0 0,-8 6-37 0 0,0 2-34 0 0,0 0 0 0 0,0 0 0 0 0,0 1 0 0 0,1 0 0 0 0,-1-1 1 0 0,1 2-1 0 0,-1-1 0 0 0,8-2 0 0 0,20-9 533 0 0,17-18 75 0 0,99-44 0 0 0,45-21-119 0 0,-88 41-360 0 0,-46 26-199 0 0,251-120 196 0 0,29-19 430 0 0,-43 20-270 0 0,-251 127-360 0 0,346-144 329 0 0,-302 129-291 0 0,44-14-2 0 0,297-87 127 0 0,-261 80-138 0 0,-45 13-33 0 0,51-20-42 0 0,256-50 128 0 0,-263 73-49 0 0,-43 9-16 0 0,12-2 52 0 0,110-22 183 0 0,-121 29-281 0 0,11-2-21 0 0,-41 13 29 0 0,341-41 238 0 0,-20 22-60 0 0,-341 29-100 0 0,93 4 0 0 0,15 0 39 0 0,60-7 106 0 0,182-1 147 0 0,-356 10-309 0 0,142 6 170 0 0,32 0 102 0 0,-150-2-220 0 0,148 14 1 0 0,-218-16-134 0 0,177 13 62 0 0,-48-3 19 0 0,-52-6 34 0 0,1 4 0 0 0,128 31-1 0 0,-114-12-70 0 0,116 32 108 0 0,-42-13-3 0 0,-25-9-44 0 0,-46-4-29 0 0,265 85 400 0 0,-189-51-369 0 0,88 31 126 0 0,-224-81-236 0 0,369 126 134 0 0,183 116 56 0 0,-539-223-192 0 0,21 10 0 0 0,-39-21 63 0 0,71 46 0 0 0,-42-22-9 0 0,186 93 253 0 0,-123-68-87 0 0,-30-5 245 0 0,-28-16-173 0 0,-4 3-295 0 0,-70-47-7 0 0,3 1 5 0 0,-1 2 1 0 0,23 24 0 0 0,-19-21 17 0 0,23 16-16 0 0,-37-27-480 0 0,0-2-1 0 0,1 1 1 0 0,-1-1-1 0 0,1 0 1 0 0,12 5-1 0 0,-4-4-1607 0 0</inkml:trace>
+</inkml:ink>
+</file>
+
+<file path=ppt/ink/ink3.xml><?xml version="1.0" encoding="utf-8"?>
+<inkml:ink xmlns:inkml="http://www.w3.org/2003/InkML">
+  <inkml:definitions>
+    <inkml:context xml:id="ctx0">
+      <inkml:inkSource xml:id="inkSrc0">
+        <inkml:traceFormat>
+          <inkml:channel name="X" type="integer" min="-2.14748E9" max="2.14748E9" units="cm"/>
+          <inkml:channel name="Y" type="integer" min="-2.14748E9" max="2.14748E9" units="cm"/>
+          <inkml:channel name="F" type="integer" max="32767" units="dev"/>
+          <inkml:channel name="OA" type="integer" max="360" units="deg"/>
+          <inkml:channel name="OE" type="integer" max="90" units="deg"/>
+        </inkml:traceFormat>
+        <inkml:channelProperties>
+          <inkml:channelProperty channel="X" name="resolution" value="1000" units="1/cm"/>
+          <inkml:channelProperty channel="Y" name="resolution" value="1000" units="1/cm"/>
+          <inkml:channelProperty channel="F" name="resolution" value="0" units="1/dev"/>
+          <inkml:channelProperty channel="OA" name="resolution" value="1000" units="1/deg"/>
+          <inkml:channelProperty channel="OE" name="resolution" value="1000" units="1/deg"/>
+        </inkml:channelProperties>
+      </inkml:inkSource>
+      <inkml:timestamp xml:id="ts0" timeString="2022-03-22T14:10:44.358"/>
+    </inkml:context>
+    <inkml:brush xml:id="br0">
+      <inkml:brushProperty name="width" value="0.025" units="cm"/>
+      <inkml:brushProperty name="height" value="0.025" units="cm"/>
+      <inkml:brushProperty name="color" value="#E71224"/>
+    </inkml:brush>
+  </inkml:definitions>
+  <inkml:trace contextRef="#ctx0" brushRef="#br0">1216 27 7832 0 0,'-19'-5'833'0'0,"17"4"-735"0"0,0 0 1 0 0,0-1-1 0 0,0 1 0 0 0,1 0 0 0 0,-1-1 0 0 0,1 1 1 0 0,-1-1-1 0 0,1 0 0 0 0,0 0 0 0 0,-1 1 0 0 0,-1-5 5557 0 0,4 9-5645 0 0,3 15-82 0 0,-3-11 21 0 0,0-1-1 0 0,1 0 1 0 0,0 0-1 0 0,3 8 1 0 0,8 14-9 0 0,-6-12 68 0 0,0 0 0 0 0,1 0-1 0 0,0-1 1 0 0,2 0 0 0 0,0-1 0 0 0,18 21 0 0 0,-1-11 171 0 0,1-2 0 0 0,2 0 0 0 0,0-2 0 0 0,45 23 0 0 0,-36-21 14 0 0,-28-17-160 0 0,-7-2-6 0 0,1-1-1 0 0,-1 1 0 0 0,0 0 1 0 0,0 0-1 0 0,0 0 0 0 0,0 0 1 0 0,-1 1-1 0 0,1-1 0 0 0,4 7 1 0 0,-8-9-17 0 0,1-1 1 0 0,0 1 0 0 0,-1 0-1 0 0,1-1 1 0 0,0 1-1 0 0,-1 0 1 0 0,1 0 0 0 0,-1 0-1 0 0,1 0 1 0 0,-1-1-1 0 0,1 1 1 0 0,-1 0-1 0 0,0 0 1 0 0,0 0 0 0 0,1 0-1 0 0,-1 0 1 0 0,0 0-1 0 0,0 0 1 0 0,0 0 0 0 0,0 0-1 0 0,0 0 1 0 0,0 0-1 0 0,0 0 1 0 0,0 0 0 0 0,0 0-1 0 0,-1 0 1 0 0,1 0-1 0 0,0-1 1 0 0,-1 1 0 0 0,1 0-1 0 0,0 0 1 0 0,-1 0-1 0 0,1 0 1 0 0,-2 1-1 0 0,-1 2 121 0 0,-1 0-1 0 0,0 0 0 0 0,0 0 0 0 0,0 0 0 0 0,0-1 0 0 0,-1 0 1 0 0,1 0-1 0 0,-8 4 0 0 0,-40 16 928 0 0,11-11-599 0 0,-1-1 0 0 0,0-3-1 0 0,0-1 1 0 0,-49 0 0 0 0,0 2-79 0 0,-163 12 298 0 0,142-13-477 0 0,-47 8-93 0 0,-174 41 0 0 0,302-51-439 0 0,-84 20 207 0 0,41-4-5929 0 0,27-8-965 0 0</inkml:trace>
+</inkml:ink>
+</file>
+
 <file path=ppt/notesMasters/notesMaster1.xml><?xml version="1.0" encoding="utf-8"?>
 <p:notesMaster xmlns:a="http://schemas.openxmlformats.org/drawingml/2006/main" xmlns:r="http://schemas.openxmlformats.org/officeDocument/2006/relationships" xmlns:p="http://schemas.openxmlformats.org/presentationml/2006/main">
   <p:cSld>
@@ -220,7 +322,7 @@
           <a:p>
             <a:fld id="{17E5B92F-4F5C-445E-AE40-0B32A189C07A}" type="datetimeFigureOut">
               <a:rPr lang="en-IE" smtClean="0"/>
-              <a:t>20/04/2021</a:t>
+              <a:t>22/03/2022</a:t>
             </a:fld>
             <a:endParaRPr lang="en-IE"/>
           </a:p>
@@ -591,6 +693,371 @@
 </p:notes>
 </file>
 
+<file path=ppt/notesSlides/notesSlide2.xml><?xml version="1.0" encoding="utf-8"?>
+<p:notes xmlns:a="http://schemas.openxmlformats.org/drawingml/2006/main" xmlns:r="http://schemas.openxmlformats.org/officeDocument/2006/relationships" xmlns:p="http://schemas.openxmlformats.org/presentationml/2006/main">
+  <p:cSld>
+    <p:spTree>
+      <p:nvGrpSpPr>
+        <p:cNvPr id="1" name=""/>
+        <p:cNvGrpSpPr/>
+        <p:nvPr/>
+      </p:nvGrpSpPr>
+      <p:grpSpPr>
+        <a:xfrm>
+          <a:off x="0" y="0"/>
+          <a:ext cx="0" cy="0"/>
+          <a:chOff x="0" y="0"/>
+          <a:chExt cx="0" cy="0"/>
+        </a:xfrm>
+      </p:grpSpPr>
+      <p:sp>
+        <p:nvSpPr>
+          <p:cNvPr id="2" name="Slide Image Placeholder 1"/>
+          <p:cNvSpPr>
+            <a:spLocks noGrp="1" noRot="1" noChangeAspect="1"/>
+          </p:cNvSpPr>
+          <p:nvPr>
+            <p:ph type="sldImg"/>
+          </p:nvPr>
+        </p:nvSpPr>
+        <p:spPr/>
+      </p:sp>
+      <p:sp>
+        <p:nvSpPr>
+          <p:cNvPr id="3" name="Notes Placeholder 2"/>
+          <p:cNvSpPr>
+            <a:spLocks noGrp="1"/>
+          </p:cNvSpPr>
+          <p:nvPr>
+            <p:ph type="body" idx="1"/>
+          </p:nvPr>
+        </p:nvSpPr>
+        <p:spPr/>
+        <p:txBody>
+          <a:bodyPr/>
+          <a:lstStyle/>
+          <a:p>
+            <a:r>
+              <a:rPr lang="en-IE" dirty="0"/>
+              <a:t>Layered Architecture:</a:t>
+            </a:r>
+            <a:br>
+              <a:rPr lang="en-IE" dirty="0"/>
+            </a:br>
+            <a:r>
+              <a:rPr lang="en-GB" b="0" i="0" dirty="0">
+                <a:solidFill>
+                  <a:srgbClr val="374151"/>
+                </a:solidFill>
+                <a:effectLst/>
+                <a:latin typeface="Inter var"/>
+              </a:rPr>
+              <a:t>a </a:t>
+            </a:r>
+            <a:r>
+              <a:rPr lang="en-GB" b="1" i="0" dirty="0">
+                <a:solidFill>
+                  <a:srgbClr val="1A202C"/>
+                </a:solidFill>
+                <a:effectLst/>
+                <a:latin typeface="Inter var"/>
+              </a:rPr>
+              <a:t>HTTP layer</a:t>
+            </a:r>
+            <a:r>
+              <a:rPr lang="en-GB" b="0" i="0" dirty="0">
+                <a:solidFill>
+                  <a:srgbClr val="374151"/>
+                </a:solidFill>
+                <a:effectLst/>
+                <a:latin typeface="Inter var"/>
+              </a:rPr>
+              <a:t> --&gt; which is "outside" the </a:t>
+            </a:r>
+            <a:r>
+              <a:rPr lang="en-GB" b="1" i="0" dirty="0">
+                <a:solidFill>
+                  <a:srgbClr val="1A202C"/>
+                </a:solidFill>
+                <a:effectLst/>
+                <a:latin typeface="Inter var"/>
+              </a:rPr>
+              <a:t>service layer</a:t>
+            </a:r>
+            <a:r>
+              <a:rPr lang="en-GB" b="0" i="0" dirty="0">
+                <a:solidFill>
+                  <a:srgbClr val="374151"/>
+                </a:solidFill>
+                <a:effectLst/>
+                <a:latin typeface="Inter var"/>
+              </a:rPr>
+              <a:t> --&gt; which is "outside" the </a:t>
+            </a:r>
+            <a:r>
+              <a:rPr lang="en-GB" b="1" i="0" dirty="0">
+                <a:solidFill>
+                  <a:srgbClr val="1A202C"/>
+                </a:solidFill>
+                <a:effectLst/>
+                <a:latin typeface="Inter var"/>
+              </a:rPr>
+              <a:t>database access layer</a:t>
+            </a:r>
+            <a:r>
+              <a:rPr lang="en-GB" b="0" i="0" dirty="0">
+                <a:solidFill>
+                  <a:srgbClr val="374151"/>
+                </a:solidFill>
+                <a:effectLst/>
+                <a:latin typeface="Inter var"/>
+              </a:rPr>
+              <a:t> --&gt; which is... you get the picture</a:t>
+            </a:r>
+            <a:endParaRPr lang="en-IE" dirty="0"/>
+          </a:p>
+        </p:txBody>
+      </p:sp>
+      <p:sp>
+        <p:nvSpPr>
+          <p:cNvPr id="4" name="Slide Number Placeholder 3"/>
+          <p:cNvSpPr>
+            <a:spLocks noGrp="1"/>
+          </p:cNvSpPr>
+          <p:nvPr>
+            <p:ph type="sldNum" sz="quarter" idx="5"/>
+          </p:nvPr>
+        </p:nvSpPr>
+        <p:spPr/>
+        <p:txBody>
+          <a:bodyPr/>
+          <a:lstStyle/>
+          <a:p>
+            <a:fld id="{AC59861C-F775-4B5F-9B70-510B0352620E}" type="slidenum">
+              <a:rPr lang="en-IE" smtClean="0"/>
+              <a:t>20</a:t>
+            </a:fld>
+            <a:endParaRPr lang="en-IE"/>
+          </a:p>
+        </p:txBody>
+      </p:sp>
+    </p:spTree>
+    <p:extLst>
+      <p:ext uri="{BB962C8B-B14F-4D97-AF65-F5344CB8AC3E}">
+        <p14:creationId xmlns:p14="http://schemas.microsoft.com/office/powerpoint/2010/main" val="3960301553"/>
+      </p:ext>
+    </p:extLst>
+  </p:cSld>
+  <p:clrMapOvr>
+    <a:masterClrMapping/>
+  </p:clrMapOvr>
+</p:notes>
+</file>
+
+<file path=ppt/notesSlides/notesSlide3.xml><?xml version="1.0" encoding="utf-8"?>
+<p:notes xmlns:a="http://schemas.openxmlformats.org/drawingml/2006/main" xmlns:r="http://schemas.openxmlformats.org/officeDocument/2006/relationships" xmlns:p="http://schemas.openxmlformats.org/presentationml/2006/main">
+  <p:cSld>
+    <p:spTree>
+      <p:nvGrpSpPr>
+        <p:cNvPr id="1" name=""/>
+        <p:cNvGrpSpPr/>
+        <p:nvPr/>
+      </p:nvGrpSpPr>
+      <p:grpSpPr>
+        <a:xfrm>
+          <a:off x="0" y="0"/>
+          <a:ext cx="0" cy="0"/>
+          <a:chOff x="0" y="0"/>
+          <a:chExt cx="0" cy="0"/>
+        </a:xfrm>
+      </p:grpSpPr>
+      <p:sp>
+        <p:nvSpPr>
+          <p:cNvPr id="2" name="Slide Image Placeholder 1"/>
+          <p:cNvSpPr>
+            <a:spLocks noGrp="1" noRot="1" noChangeAspect="1"/>
+          </p:cNvSpPr>
+          <p:nvPr>
+            <p:ph type="sldImg"/>
+          </p:nvPr>
+        </p:nvSpPr>
+        <p:spPr/>
+      </p:sp>
+      <p:sp>
+        <p:nvSpPr>
+          <p:cNvPr id="3" name="Notes Placeholder 2"/>
+          <p:cNvSpPr>
+            <a:spLocks noGrp="1"/>
+          </p:cNvSpPr>
+          <p:nvPr>
+            <p:ph type="body" idx="1"/>
+          </p:nvPr>
+        </p:nvSpPr>
+        <p:spPr/>
+        <p:txBody>
+          <a:bodyPr/>
+          <a:lstStyle/>
+          <a:p>
+            <a:r>
+              <a:rPr lang="en-GB" b="0" i="0" dirty="0">
+                <a:solidFill>
+                  <a:srgbClr val="374151"/>
+                </a:solidFill>
+                <a:effectLst/>
+                <a:latin typeface="Inter var"/>
+              </a:rPr>
+              <a:t>I think of </a:t>
+            </a:r>
+            <a:r>
+              <a:rPr lang="en-GB" dirty="0"/>
+              <a:t>controllers</a:t>
+            </a:r>
+            <a:r>
+              <a:rPr lang="en-GB" b="0" i="0" dirty="0">
+                <a:solidFill>
+                  <a:srgbClr val="374151"/>
+                </a:solidFill>
+                <a:effectLst/>
+                <a:latin typeface="Inter var"/>
+              </a:rPr>
+              <a:t> as "orchestrators". They call the </a:t>
+            </a:r>
+            <a:r>
+              <a:rPr lang="en-GB" dirty="0"/>
+              <a:t>services</a:t>
+            </a:r>
+            <a:r>
+              <a:rPr lang="en-GB" b="0" i="0" dirty="0">
+                <a:solidFill>
+                  <a:srgbClr val="374151"/>
+                </a:solidFill>
+                <a:effectLst/>
+                <a:latin typeface="Inter var"/>
+              </a:rPr>
+              <a:t>, which contain more "pure" business logic. But by </a:t>
+            </a:r>
+            <a:r>
+              <a:rPr lang="en-GB" b="0" i="0" dirty="0" err="1">
+                <a:solidFill>
+                  <a:srgbClr val="374151"/>
+                </a:solidFill>
+                <a:effectLst/>
+                <a:latin typeface="Inter var"/>
+              </a:rPr>
+              <a:t>themselves,</a:t>
+            </a:r>
+            <a:r>
+              <a:rPr lang="en-GB" dirty="0" err="1"/>
+              <a:t>controllers</a:t>
+            </a:r>
+            <a:r>
+              <a:rPr lang="en-GB" b="0" i="0" dirty="0">
+                <a:solidFill>
+                  <a:srgbClr val="374151"/>
+                </a:solidFill>
+                <a:effectLst/>
+                <a:latin typeface="Inter var"/>
+              </a:rPr>
+              <a:t> don't really contain any logic other than handling the request and calling </a:t>
+            </a:r>
+            <a:r>
+              <a:rPr lang="en-GB" dirty="0"/>
+              <a:t>services</a:t>
+            </a:r>
+            <a:r>
+              <a:rPr lang="en-GB" b="0" i="0" dirty="0">
+                <a:solidFill>
+                  <a:srgbClr val="374151"/>
+                </a:solidFill>
+                <a:effectLst/>
+                <a:latin typeface="Inter var"/>
+              </a:rPr>
+              <a:t>. The </a:t>
+            </a:r>
+            <a:r>
+              <a:rPr lang="en-GB" dirty="0"/>
+              <a:t>services</a:t>
+            </a:r>
+            <a:r>
+              <a:rPr lang="en-GB" b="0" i="0" dirty="0">
+                <a:solidFill>
+                  <a:srgbClr val="374151"/>
+                </a:solidFill>
+                <a:effectLst/>
+                <a:latin typeface="Inter var"/>
+              </a:rPr>
+              <a:t> do most of the work, while the </a:t>
+            </a:r>
+            <a:r>
+              <a:rPr lang="en-GB" dirty="0"/>
+              <a:t>controllers</a:t>
+            </a:r>
+            <a:r>
+              <a:rPr lang="en-GB" b="0" i="0" dirty="0">
+                <a:solidFill>
+                  <a:srgbClr val="374151"/>
+                </a:solidFill>
+                <a:effectLst/>
+                <a:latin typeface="Inter var"/>
+              </a:rPr>
+              <a:t> orchestrate the service calls and decide what to do with the data returned.</a:t>
+            </a:r>
+          </a:p>
+          <a:p>
+            <a:r>
+              <a:rPr lang="en-GB" dirty="0"/>
+              <a:t>Services</a:t>
+            </a:r>
+            <a:r>
+              <a:rPr lang="en-GB" b="0" i="0" dirty="0">
+                <a:solidFill>
+                  <a:srgbClr val="374151"/>
+                </a:solidFill>
+                <a:effectLst/>
+                <a:latin typeface="Inter var"/>
+              </a:rPr>
+              <a:t> should contain the majority of your business logic: - logic that encapsulates your business requirements, calls your data access layer or models, calls API's external to the Node application. And in general, contains most of your algorithmic code.</a:t>
+            </a:r>
+            <a:endParaRPr lang="en-IE" dirty="0"/>
+          </a:p>
+        </p:txBody>
+      </p:sp>
+      <p:sp>
+        <p:nvSpPr>
+          <p:cNvPr id="4" name="Slide Number Placeholder 3"/>
+          <p:cNvSpPr>
+            <a:spLocks noGrp="1"/>
+          </p:cNvSpPr>
+          <p:nvPr>
+            <p:ph type="sldNum" sz="quarter" idx="5"/>
+          </p:nvPr>
+        </p:nvSpPr>
+        <p:spPr/>
+        <p:txBody>
+          <a:bodyPr/>
+          <a:lstStyle/>
+          <a:p>
+            <a:fld id="{AC59861C-F775-4B5F-9B70-510B0352620E}" type="slidenum">
+              <a:rPr lang="en-IE" smtClean="0"/>
+              <a:t>21</a:t>
+            </a:fld>
+            <a:endParaRPr lang="en-IE"/>
+          </a:p>
+        </p:txBody>
+      </p:sp>
+    </p:spTree>
+    <p:extLst>
+      <p:ext uri="{BB962C8B-B14F-4D97-AF65-F5344CB8AC3E}">
+        <p14:creationId xmlns:p14="http://schemas.microsoft.com/office/powerpoint/2010/main" val="775796895"/>
+      </p:ext>
+    </p:extLst>
+  </p:cSld>
+  <p:clrMapOvr>
+    <a:masterClrMapping/>
+  </p:clrMapOvr>
+</p:notes>
+</file>
+
 <file path=ppt/slideLayouts/slideLayout1.xml><?xml version="1.0" encoding="utf-8"?>
 <p:sldLayout xmlns:a="http://schemas.openxmlformats.org/drawingml/2006/main" xmlns:r="http://schemas.openxmlformats.org/officeDocument/2006/relationships" xmlns:p="http://schemas.openxmlformats.org/presentationml/2006/main" type="title" preserve="1">
   <p:cSld name="Title Slide">
@@ -720,7 +1187,7 @@
           <a:p>
             <a:fld id="{846CE7D5-CF57-46EF-B807-FDD0502418D4}" type="datetimeFigureOut">
               <a:rPr lang="en-US" smtClean="0"/>
-              <a:t>4/20/2021</a:t>
+              <a:t>3/22/2022</a:t>
             </a:fld>
             <a:endParaRPr lang="en-US"/>
           </a:p>
@@ -888,7 +1355,7 @@
           <a:p>
             <a:fld id="{846CE7D5-CF57-46EF-B807-FDD0502418D4}" type="datetimeFigureOut">
               <a:rPr lang="en-US" smtClean="0"/>
-              <a:t>4/20/2021</a:t>
+              <a:t>3/22/2022</a:t>
             </a:fld>
             <a:endParaRPr lang="en-US"/>
           </a:p>
@@ -1066,7 +1533,7 @@
           <a:p>
             <a:fld id="{846CE7D5-CF57-46EF-B807-FDD0502418D4}" type="datetimeFigureOut">
               <a:rPr lang="en-US" smtClean="0"/>
-              <a:t>4/20/2021</a:t>
+              <a:t>3/22/2022</a:t>
             </a:fld>
             <a:endParaRPr lang="en-US"/>
           </a:p>
@@ -1234,7 +1701,7 @@
           <a:p>
             <a:fld id="{846CE7D5-CF57-46EF-B807-FDD0502418D4}" type="datetimeFigureOut">
               <a:rPr lang="en-US" smtClean="0"/>
-              <a:t>4/20/2021</a:t>
+              <a:t>3/22/2022</a:t>
             </a:fld>
             <a:endParaRPr lang="en-US"/>
           </a:p>
@@ -1479,7 +1946,7 @@
           <a:p>
             <a:fld id="{846CE7D5-CF57-46EF-B807-FDD0502418D4}" type="datetimeFigureOut">
               <a:rPr lang="en-US" smtClean="0"/>
-              <a:t>4/20/2021</a:t>
+              <a:t>3/22/2022</a:t>
             </a:fld>
             <a:endParaRPr lang="en-US"/>
           </a:p>
@@ -1708,7 +2175,7 @@
           <a:p>
             <a:fld id="{846CE7D5-CF57-46EF-B807-FDD0502418D4}" type="datetimeFigureOut">
               <a:rPr lang="en-US" smtClean="0"/>
-              <a:t>4/20/2021</a:t>
+              <a:t>3/22/2022</a:t>
             </a:fld>
             <a:endParaRPr lang="en-US"/>
           </a:p>
@@ -2072,7 +2539,7 @@
           <a:p>
             <a:fld id="{846CE7D5-CF57-46EF-B807-FDD0502418D4}" type="datetimeFigureOut">
               <a:rPr lang="en-US" smtClean="0"/>
-              <a:t>4/20/2021</a:t>
+              <a:t>3/22/2022</a:t>
             </a:fld>
             <a:endParaRPr lang="en-US"/>
           </a:p>
@@ -2189,7 +2656,7 @@
           <a:p>
             <a:fld id="{846CE7D5-CF57-46EF-B807-FDD0502418D4}" type="datetimeFigureOut">
               <a:rPr lang="en-US" smtClean="0"/>
-              <a:t>4/20/2021</a:t>
+              <a:t>3/22/2022</a:t>
             </a:fld>
             <a:endParaRPr lang="en-US"/>
           </a:p>
@@ -2284,7 +2751,7 @@
           <a:p>
             <a:fld id="{846CE7D5-CF57-46EF-B807-FDD0502418D4}" type="datetimeFigureOut">
               <a:rPr lang="en-US" smtClean="0"/>
-              <a:t>4/20/2021</a:t>
+              <a:t>3/22/2022</a:t>
             </a:fld>
             <a:endParaRPr lang="en-US"/>
           </a:p>
@@ -2559,7 +3026,7 @@
           <a:p>
             <a:fld id="{846CE7D5-CF57-46EF-B807-FDD0502418D4}" type="datetimeFigureOut">
               <a:rPr lang="en-US" smtClean="0"/>
-              <a:t>4/20/2021</a:t>
+              <a:t>3/22/2022</a:t>
             </a:fld>
             <a:endParaRPr lang="en-US"/>
           </a:p>
@@ -2814,7 +3281,7 @@
           <a:p>
             <a:fld id="{846CE7D5-CF57-46EF-B807-FDD0502418D4}" type="datetimeFigureOut">
               <a:rPr lang="en-US" smtClean="0"/>
-              <a:t>4/20/2021</a:t>
+              <a:t>3/22/2022</a:t>
             </a:fld>
             <a:endParaRPr lang="en-US"/>
           </a:p>
@@ -3025,7 +3492,7 @@
           <a:p>
             <a:fld id="{846CE7D5-CF57-46EF-B807-FDD0502418D4}" type="datetimeFigureOut">
               <a:rPr lang="en-US" smtClean="0"/>
-              <a:t>4/20/2021</a:t>
+              <a:t>3/22/2022</a:t>
             </a:fld>
             <a:endParaRPr lang="en-US"/>
           </a:p>
@@ -5463,7 +5930,7 @@
           <p:cNvPr id="2" name="Title 1">
             <a:extLst>
               <a:ext uri="{FF2B5EF4-FFF2-40B4-BE49-F238E27FC236}">
-                <a16:creationId xmlns:a16="http://schemas.microsoft.com/office/drawing/2014/main" id="{5D08C5FC-A9B8-4F00-950E-81E9EEF39F63}"/>
+                <a16:creationId xmlns:a16="http://schemas.microsoft.com/office/drawing/2014/main" id="{59349BAF-CE7E-473C-AFB7-06E3BB602428}"/>
               </a:ext>
             </a:extLst>
           </p:cNvPr>
@@ -5480,12 +5947,92 @@
           <a:lstStyle/>
           <a:p>
             <a:r>
-              <a:rPr lang="en-US">
-                <a:cs typeface="Calibri Light"/>
-              </a:rPr>
-              <a:t>Sources</a:t>
-            </a:r>
-            <a:endParaRPr lang="en-US"/>
+              <a:rPr lang="en-IE" dirty="0"/>
+              <a:t>ES6 Classes</a:t>
+            </a:r>
+          </a:p>
+        </p:txBody>
+      </p:sp>
+      <p:sp>
+        <p:nvSpPr>
+          <p:cNvPr id="3" name="Text Placeholder 2">
+            <a:extLst>
+              <a:ext uri="{FF2B5EF4-FFF2-40B4-BE49-F238E27FC236}">
+                <a16:creationId xmlns:a16="http://schemas.microsoft.com/office/drawing/2014/main" id="{4BCB3672-63E4-46D8-A083-14CD010D2A3E}"/>
+              </a:ext>
+            </a:extLst>
+          </p:cNvPr>
+          <p:cNvSpPr>
+            <a:spLocks noGrp="1"/>
+          </p:cNvSpPr>
+          <p:nvPr>
+            <p:ph type="body" idx="1"/>
+          </p:nvPr>
+        </p:nvSpPr>
+        <p:spPr/>
+        <p:txBody>
+          <a:bodyPr/>
+          <a:lstStyle/>
+          <a:p>
+            <a:endParaRPr lang="en-IE"/>
+          </a:p>
+        </p:txBody>
+      </p:sp>
+    </p:spTree>
+    <p:extLst>
+      <p:ext uri="{BB962C8B-B14F-4D97-AF65-F5344CB8AC3E}">
+        <p14:creationId xmlns:p14="http://schemas.microsoft.com/office/powerpoint/2010/main" val="2672116004"/>
+      </p:ext>
+    </p:extLst>
+  </p:cSld>
+  <p:clrMapOvr>
+    <a:masterClrMapping/>
+  </p:clrMapOvr>
+</p:sld>
+</file>
+
+<file path=ppt/slides/slide17.xml><?xml version="1.0" encoding="utf-8"?>
+<p:sld xmlns:a="http://schemas.openxmlformats.org/drawingml/2006/main" xmlns:r="http://schemas.openxmlformats.org/officeDocument/2006/relationships" xmlns:p="http://schemas.openxmlformats.org/presentationml/2006/main">
+  <p:cSld>
+    <p:spTree>
+      <p:nvGrpSpPr>
+        <p:cNvPr id="1" name=""/>
+        <p:cNvGrpSpPr/>
+        <p:nvPr/>
+      </p:nvGrpSpPr>
+      <p:grpSpPr>
+        <a:xfrm>
+          <a:off x="0" y="0"/>
+          <a:ext cx="0" cy="0"/>
+          <a:chOff x="0" y="0"/>
+          <a:chExt cx="0" cy="0"/>
+        </a:xfrm>
+      </p:grpSpPr>
+      <p:sp>
+        <p:nvSpPr>
+          <p:cNvPr id="2" name="Title 1">
+            <a:extLst>
+              <a:ext uri="{FF2B5EF4-FFF2-40B4-BE49-F238E27FC236}">
+                <a16:creationId xmlns:a16="http://schemas.microsoft.com/office/drawing/2014/main" id="{14679FB4-375B-4370-852D-55AC6FD6F8A9}"/>
+              </a:ext>
+            </a:extLst>
+          </p:cNvPr>
+          <p:cNvSpPr>
+            <a:spLocks noGrp="1"/>
+          </p:cNvSpPr>
+          <p:nvPr>
+            <p:ph type="title"/>
+          </p:nvPr>
+        </p:nvSpPr>
+        <p:spPr/>
+        <p:txBody>
+          <a:bodyPr/>
+          <a:lstStyle/>
+          <a:p>
+            <a:r>
+              <a:rPr lang="en-IE" dirty="0"/>
+              <a:t>JavaScript Classes</a:t>
+            </a:r>
           </a:p>
         </p:txBody>
       </p:sp>
@@ -5494,7 +6041,7 @@
           <p:cNvPr id="3" name="Content Placeholder 2">
             <a:extLst>
               <a:ext uri="{FF2B5EF4-FFF2-40B4-BE49-F238E27FC236}">
-                <a16:creationId xmlns:a16="http://schemas.microsoft.com/office/drawing/2014/main" id="{A9331B36-4EAC-409A-8951-169E2024B9A4}"/>
+                <a16:creationId xmlns:a16="http://schemas.microsoft.com/office/drawing/2014/main" id="{4C1A38BE-0A42-4906-AC67-AC32E8470A71}"/>
               </a:ext>
             </a:extLst>
           </p:cNvPr>
@@ -5505,55 +6052,619 @@
             <p:ph idx="1"/>
           </p:nvPr>
         </p:nvSpPr>
-        <p:spPr/>
-        <p:txBody>
-          <a:bodyPr vert="horz" lIns="91440" tIns="45720" rIns="91440" bIns="45720" rtlCol="0" anchor="t">
-            <a:normAutofit/>
-          </a:bodyPr>
+        <p:spPr>
+          <a:xfrm>
+            <a:off x="790074" y="1825624"/>
+            <a:ext cx="10515600" cy="4351338"/>
+          </a:xfrm>
+        </p:spPr>
+        <p:txBody>
+          <a:bodyPr/>
           <a:lstStyle/>
           <a:p>
             <a:r>
-              <a:rPr lang="en-US">
-                <a:cs typeface="Calibri"/>
-                <a:hlinkClick r:id="rId2"/>
-              </a:rPr>
-              <a:t>https://developers.google.com/web/fundamentals/primers/promises</a:t>
-            </a:r>
-          </a:p>
-          <a:p>
-            <a:r>
-              <a:rPr lang="en-US">
-                <a:cs typeface="Calibri"/>
-                <a:hlinkClick r:id="rId3"/>
-              </a:rPr>
-              <a:t>https://stackoverflow.com/questions/2069763/difference-between-event-handlers-and-callbacks</a:t>
-            </a:r>
-          </a:p>
-          <a:p>
-            <a:r>
-              <a:rPr lang="en-US">
-                <a:cs typeface="Calibri"/>
-                <a:hlinkClick r:id="rId4"/>
-              </a:rPr>
-              <a:t>https://medium.com/@Abazhenov/using-async-await-in-express-with-node-8-b8af872c0016</a:t>
-            </a:r>
-          </a:p>
-          <a:p>
-            <a:endParaRPr lang="en-US">
-              <a:cs typeface="Calibri"/>
-            </a:endParaRPr>
-          </a:p>
-          <a:p>
-            <a:endParaRPr lang="en-US">
-              <a:cs typeface="Calibri"/>
-            </a:endParaRPr>
-          </a:p>
-        </p:txBody>
-      </p:sp>
+              <a:rPr lang="en-GB" dirty="0"/>
+              <a:t>ECMAScript 2015, also known as ES6, introduced JavaScript Classes.</a:t>
+            </a:r>
+          </a:p>
+          <a:p>
+            <a:r>
+              <a:rPr lang="en-GB" dirty="0"/>
+              <a:t>Classes are special functions that facilitate the creation of constructors and prototype-based inheritance. Just like in functions, you can declare a class or express it:</a:t>
+            </a:r>
+            <a:endParaRPr lang="en-IE" dirty="0"/>
+          </a:p>
+        </p:txBody>
+      </p:sp>
+      <p:pic>
+        <p:nvPicPr>
+          <p:cNvPr id="5" name="Picture 4">
+            <a:extLst>
+              <a:ext uri="{FF2B5EF4-FFF2-40B4-BE49-F238E27FC236}">
+                <a16:creationId xmlns:a16="http://schemas.microsoft.com/office/drawing/2014/main" id="{8406D04D-7212-4610-A652-4FA146238272}"/>
+              </a:ext>
+            </a:extLst>
+          </p:cNvPr>
+          <p:cNvPicPr>
+            <a:picLocks noChangeAspect="1"/>
+          </p:cNvPicPr>
+          <p:nvPr/>
+        </p:nvPicPr>
+        <p:blipFill>
+          <a:blip r:embed="rId2"/>
+          <a:stretch>
+            <a:fillRect/>
+          </a:stretch>
+        </p:blipFill>
+        <p:spPr>
+          <a:xfrm>
+            <a:off x="1996391" y="4001294"/>
+            <a:ext cx="3397425" cy="1187511"/>
+          </a:xfrm>
+          <a:prstGeom prst="rect">
+            <a:avLst/>
+          </a:prstGeom>
+        </p:spPr>
+      </p:pic>
+      <p:pic>
+        <p:nvPicPr>
+          <p:cNvPr id="7" name="Picture 6">
+            <a:extLst>
+              <a:ext uri="{FF2B5EF4-FFF2-40B4-BE49-F238E27FC236}">
+                <a16:creationId xmlns:a16="http://schemas.microsoft.com/office/drawing/2014/main" id="{10EBBB43-E270-4BDB-8E1A-42AEB23E6599}"/>
+              </a:ext>
+            </a:extLst>
+          </p:cNvPr>
+          <p:cNvPicPr>
+            <a:picLocks noChangeAspect="1"/>
+          </p:cNvPicPr>
+          <p:nvPr/>
+        </p:nvPicPr>
+        <p:blipFill>
+          <a:blip r:embed="rId3"/>
+          <a:stretch>
+            <a:fillRect/>
+          </a:stretch>
+        </p:blipFill>
+        <p:spPr>
+          <a:xfrm>
+            <a:off x="3838090" y="6211816"/>
+            <a:ext cx="4007056" cy="292115"/>
+          </a:xfrm>
+          <a:prstGeom prst="rect">
+            <a:avLst/>
+          </a:prstGeom>
+        </p:spPr>
+      </p:pic>
+      <p:pic>
+        <p:nvPicPr>
+          <p:cNvPr id="9" name="Picture 8">
+            <a:extLst>
+              <a:ext uri="{FF2B5EF4-FFF2-40B4-BE49-F238E27FC236}">
+                <a16:creationId xmlns:a16="http://schemas.microsoft.com/office/drawing/2014/main" id="{51A40018-44A3-4FE2-B011-66E32C21F4A7}"/>
+              </a:ext>
+            </a:extLst>
+          </p:cNvPr>
+          <p:cNvPicPr>
+            <a:picLocks noChangeAspect="1"/>
+          </p:cNvPicPr>
+          <p:nvPr/>
+        </p:nvPicPr>
+        <p:blipFill>
+          <a:blip r:embed="rId4"/>
+          <a:stretch>
+            <a:fillRect/>
+          </a:stretch>
+        </p:blipFill>
+        <p:spPr>
+          <a:xfrm>
+            <a:off x="6552007" y="4001293"/>
+            <a:ext cx="4629388" cy="1187511"/>
+          </a:xfrm>
+          <a:prstGeom prst="rect">
+            <a:avLst/>
+          </a:prstGeom>
+        </p:spPr>
+      </p:pic>
+      <p:pic>
+        <p:nvPicPr>
+          <p:cNvPr id="11" name="Picture 10">
+            <a:extLst>
+              <a:ext uri="{FF2B5EF4-FFF2-40B4-BE49-F238E27FC236}">
+                <a16:creationId xmlns:a16="http://schemas.microsoft.com/office/drawing/2014/main" id="{96C21580-A1A6-47CD-B47A-B98FD0205E96}"/>
+              </a:ext>
+            </a:extLst>
+          </p:cNvPr>
+          <p:cNvPicPr>
+            <a:picLocks noChangeAspect="1"/>
+          </p:cNvPicPr>
+          <p:nvPr/>
+        </p:nvPicPr>
+        <p:blipFill>
+          <a:blip r:embed="rId5"/>
+          <a:stretch>
+            <a:fillRect/>
+          </a:stretch>
+        </p:blipFill>
+        <p:spPr>
+          <a:xfrm>
+            <a:off x="4088145" y="6505838"/>
+            <a:ext cx="2349621" cy="228612"/>
+          </a:xfrm>
+          <a:prstGeom prst="rect">
+            <a:avLst/>
+          </a:prstGeom>
+        </p:spPr>
+      </p:pic>
     </p:spTree>
     <p:extLst>
       <p:ext uri="{BB962C8B-B14F-4D97-AF65-F5344CB8AC3E}">
-        <p14:creationId xmlns:p14="http://schemas.microsoft.com/office/powerpoint/2010/main" val="3255514823"/>
+        <p14:creationId xmlns:p14="http://schemas.microsoft.com/office/powerpoint/2010/main" val="682806529"/>
+      </p:ext>
+    </p:extLst>
+  </p:cSld>
+  <p:clrMapOvr>
+    <a:masterClrMapping/>
+  </p:clrMapOvr>
+</p:sld>
+</file>
+
+<file path=ppt/slides/slide18.xml><?xml version="1.0" encoding="utf-8"?>
+<p:sld xmlns:a="http://schemas.openxmlformats.org/drawingml/2006/main" xmlns:r="http://schemas.openxmlformats.org/officeDocument/2006/relationships" xmlns:p="http://schemas.openxmlformats.org/presentationml/2006/main">
+  <p:cSld>
+    <p:spTree>
+      <p:nvGrpSpPr>
+        <p:cNvPr id="1" name=""/>
+        <p:cNvGrpSpPr/>
+        <p:nvPr/>
+      </p:nvGrpSpPr>
+      <p:grpSpPr>
+        <a:xfrm>
+          <a:off x="0" y="0"/>
+          <a:ext cx="0" cy="0"/>
+          <a:chOff x="0" y="0"/>
+          <a:chExt cx="0" cy="0"/>
+        </a:xfrm>
+      </p:grpSpPr>
+      <p:sp>
+        <p:nvSpPr>
+          <p:cNvPr id="2" name="Title 1">
+            <a:extLst>
+              <a:ext uri="{FF2B5EF4-FFF2-40B4-BE49-F238E27FC236}">
+                <a16:creationId xmlns:a16="http://schemas.microsoft.com/office/drawing/2014/main" id="{27F6665F-3698-4D11-A222-9EC02E17F4F4}"/>
+              </a:ext>
+            </a:extLst>
+          </p:cNvPr>
+          <p:cNvSpPr>
+            <a:spLocks noGrp="1"/>
+          </p:cNvSpPr>
+          <p:nvPr>
+            <p:ph type="title"/>
+          </p:nvPr>
+        </p:nvSpPr>
+        <p:spPr/>
+        <p:txBody>
+          <a:bodyPr/>
+          <a:lstStyle/>
+          <a:p>
+            <a:r>
+              <a:rPr lang="en-IE" dirty="0" err="1"/>
+              <a:t>Javascript</a:t>
+            </a:r>
+            <a:r>
+              <a:rPr lang="en-IE" dirty="0"/>
+              <a:t> Classes - inheritance</a:t>
+            </a:r>
+          </a:p>
+        </p:txBody>
+      </p:sp>
+      <p:sp>
+        <p:nvSpPr>
+          <p:cNvPr id="3" name="Content Placeholder 2">
+            <a:extLst>
+              <a:ext uri="{FF2B5EF4-FFF2-40B4-BE49-F238E27FC236}">
+                <a16:creationId xmlns:a16="http://schemas.microsoft.com/office/drawing/2014/main" id="{A0DC2A23-F9FA-4DF0-BF82-409684612066}"/>
+              </a:ext>
+            </a:extLst>
+          </p:cNvPr>
+          <p:cNvSpPr>
+            <a:spLocks noGrp="1"/>
+          </p:cNvSpPr>
+          <p:nvPr>
+            <p:ph idx="1"/>
+          </p:nvPr>
+        </p:nvSpPr>
+        <p:spPr/>
+        <p:txBody>
+          <a:bodyPr/>
+          <a:lstStyle/>
+          <a:p>
+            <a:r>
+              <a:rPr lang="en-GB" dirty="0"/>
+              <a:t>To create a class inheritance, use the </a:t>
+            </a:r>
+            <a:r>
+              <a:rPr lang="en-GB" b="1" dirty="0"/>
+              <a:t>extends</a:t>
+            </a:r>
+            <a:r>
+              <a:rPr lang="en-GB" dirty="0"/>
+              <a:t> keyword.</a:t>
+            </a:r>
+          </a:p>
+          <a:p>
+            <a:r>
+              <a:rPr lang="en-GB" dirty="0"/>
+              <a:t>A class created with a class inheritance inherits all the methods from another class:</a:t>
+            </a:r>
+            <a:endParaRPr lang="en-IE" dirty="0"/>
+          </a:p>
+        </p:txBody>
+      </p:sp>
+      <p:pic>
+        <p:nvPicPr>
+          <p:cNvPr id="6" name="Picture 5">
+            <a:extLst>
+              <a:ext uri="{FF2B5EF4-FFF2-40B4-BE49-F238E27FC236}">
+                <a16:creationId xmlns:a16="http://schemas.microsoft.com/office/drawing/2014/main" id="{66B0BE70-0429-4611-8B84-E27251584680}"/>
+              </a:ext>
+            </a:extLst>
+          </p:cNvPr>
+          <p:cNvPicPr>
+            <a:picLocks noChangeAspect="1"/>
+          </p:cNvPicPr>
+          <p:nvPr/>
+        </p:nvPicPr>
+        <p:blipFill>
+          <a:blip r:embed="rId2"/>
+          <a:stretch>
+            <a:fillRect/>
+          </a:stretch>
+        </p:blipFill>
+        <p:spPr>
+          <a:xfrm>
+            <a:off x="1519528" y="3429000"/>
+            <a:ext cx="2710695" cy="3194165"/>
+          </a:xfrm>
+          <a:prstGeom prst="rect">
+            <a:avLst/>
+          </a:prstGeom>
+        </p:spPr>
+      </p:pic>
+      <p:pic>
+        <p:nvPicPr>
+          <p:cNvPr id="8" name="Picture 7">
+            <a:extLst>
+              <a:ext uri="{FF2B5EF4-FFF2-40B4-BE49-F238E27FC236}">
+                <a16:creationId xmlns:a16="http://schemas.microsoft.com/office/drawing/2014/main" id="{8183B5C0-566A-4219-ADF4-D96B68F6B1B5}"/>
+              </a:ext>
+            </a:extLst>
+          </p:cNvPr>
+          <p:cNvPicPr>
+            <a:picLocks noChangeAspect="1"/>
+          </p:cNvPicPr>
+          <p:nvPr/>
+        </p:nvPicPr>
+        <p:blipFill>
+          <a:blip r:embed="rId3"/>
+          <a:stretch>
+            <a:fillRect/>
+          </a:stretch>
+        </p:blipFill>
+        <p:spPr>
+          <a:xfrm>
+            <a:off x="6236684" y="3429000"/>
+            <a:ext cx="3110655" cy="3312370"/>
+          </a:xfrm>
+          <a:prstGeom prst="rect">
+            <a:avLst/>
+          </a:prstGeom>
+        </p:spPr>
+      </p:pic>
+      <p:sp>
+        <p:nvSpPr>
+          <p:cNvPr id="9" name="TextBox 8">
+            <a:extLst>
+              <a:ext uri="{FF2B5EF4-FFF2-40B4-BE49-F238E27FC236}">
+                <a16:creationId xmlns:a16="http://schemas.microsoft.com/office/drawing/2014/main" id="{A29E10FF-B162-4C55-99D3-27762846042C}"/>
+              </a:ext>
+            </a:extLst>
+          </p:cNvPr>
+          <p:cNvSpPr txBox="1"/>
+          <p:nvPr/>
+        </p:nvSpPr>
+        <p:spPr>
+          <a:xfrm>
+            <a:off x="1848255" y="3104693"/>
+            <a:ext cx="1376211" cy="369332"/>
+          </a:xfrm>
+          <a:prstGeom prst="rect">
+            <a:avLst/>
+          </a:prstGeom>
+          <a:noFill/>
+        </p:spPr>
+        <p:txBody>
+          <a:bodyPr wrap="none" rtlCol="0">
+            <a:spAutoFit/>
+          </a:bodyPr>
+          <a:lstStyle/>
+          <a:p>
+            <a:r>
+              <a:rPr lang="en-IE" dirty="0"/>
+              <a:t>Repository.js</a:t>
+            </a:r>
+          </a:p>
+        </p:txBody>
+      </p:sp>
+      <mc:AlternateContent xmlns:mc="http://schemas.openxmlformats.org/markup-compatibility/2006">
+        <mc:Choice xmlns:p14="http://schemas.microsoft.com/office/powerpoint/2010/main" Requires="p14">
+          <p:contentPart p14:bwMode="auto" r:id="rId4">
+            <p14:nvContentPartPr>
+              <p14:cNvPr id="10" name="Ink 9">
+                <a:extLst>
+                  <a:ext uri="{FF2B5EF4-FFF2-40B4-BE49-F238E27FC236}">
+                    <a16:creationId xmlns:a16="http://schemas.microsoft.com/office/drawing/2014/main" id="{A1511FC3-EE90-40B7-86C0-D1DAFC95D762}"/>
+                  </a:ext>
+                </a:extLst>
+              </p14:cNvPr>
+              <p14:cNvContentPartPr/>
+              <p14:nvPr/>
+            </p14:nvContentPartPr>
+            <p14:xfrm>
+              <a:off x="7522098" y="3401561"/>
+              <a:ext cx="1272240" cy="595800"/>
+            </p14:xfrm>
+          </p:contentPart>
+        </mc:Choice>
+        <mc:Fallback>
+          <p:pic>
+            <p:nvPicPr>
+              <p:cNvPr id="10" name="Ink 9">
+                <a:extLst>
+                  <a:ext uri="{FF2B5EF4-FFF2-40B4-BE49-F238E27FC236}">
+                    <a16:creationId xmlns:a16="http://schemas.microsoft.com/office/drawing/2014/main" id="{A1511FC3-EE90-40B7-86C0-D1DAFC95D762}"/>
+                  </a:ext>
+                </a:extLst>
+              </p:cNvPr>
+              <p:cNvPicPr/>
+              <p:nvPr/>
+            </p:nvPicPr>
+            <p:blipFill>
+              <a:blip r:embed="rId5"/>
+              <a:stretch>
+                <a:fillRect/>
+              </a:stretch>
+            </p:blipFill>
+            <p:spPr>
+              <a:xfrm>
+                <a:off x="7517778" y="3397241"/>
+                <a:ext cx="1280880" cy="604440"/>
+              </a:xfrm>
+              <a:prstGeom prst="rect">
+                <a:avLst/>
+              </a:prstGeom>
+            </p:spPr>
+          </p:pic>
+        </mc:Fallback>
+      </mc:AlternateContent>
+      <p:grpSp>
+        <p:nvGrpSpPr>
+          <p:cNvPr id="13" name="Group 12">
+            <a:extLst>
+              <a:ext uri="{FF2B5EF4-FFF2-40B4-BE49-F238E27FC236}">
+                <a16:creationId xmlns:a16="http://schemas.microsoft.com/office/drawing/2014/main" id="{1A7A3818-03C2-41EA-8A50-2C1BD1947F7F}"/>
+              </a:ext>
+            </a:extLst>
+          </p:cNvPr>
+          <p:cNvGrpSpPr/>
+          <p:nvPr/>
+        </p:nvGrpSpPr>
+        <p:grpSpPr>
+          <a:xfrm>
+            <a:off x="3748938" y="2717921"/>
+            <a:ext cx="4533120" cy="677160"/>
+            <a:chOff x="3748938" y="2717921"/>
+            <a:chExt cx="4533120" cy="677160"/>
+          </a:xfrm>
+        </p:grpSpPr>
+        <mc:AlternateContent xmlns:mc="http://schemas.openxmlformats.org/markup-compatibility/2006">
+          <mc:Choice xmlns:p14="http://schemas.microsoft.com/office/powerpoint/2010/main" Requires="p14">
+            <p:contentPart p14:bwMode="auto" r:id="rId6">
+              <p14:nvContentPartPr>
+                <p14:cNvPr id="11" name="Ink 10">
+                  <a:extLst>
+                    <a:ext uri="{FF2B5EF4-FFF2-40B4-BE49-F238E27FC236}">
+                      <a16:creationId xmlns:a16="http://schemas.microsoft.com/office/drawing/2014/main" id="{88AE7CAE-2315-4EA8-A9F1-61278BE316B7}"/>
+                    </a:ext>
+                  </a:extLst>
+                </p14:cNvPr>
+                <p14:cNvContentPartPr/>
+                <p14:nvPr/>
+              </p14:nvContentPartPr>
+              <p14:xfrm>
+                <a:off x="3748938" y="2717921"/>
+                <a:ext cx="4461120" cy="677160"/>
+              </p14:xfrm>
+            </p:contentPart>
+          </mc:Choice>
+          <mc:Fallback>
+            <p:pic>
+              <p:nvPicPr>
+                <p:cNvPr id="11" name="Ink 10">
+                  <a:extLst>
+                    <a:ext uri="{FF2B5EF4-FFF2-40B4-BE49-F238E27FC236}">
+                      <a16:creationId xmlns:a16="http://schemas.microsoft.com/office/drawing/2014/main" id="{88AE7CAE-2315-4EA8-A9F1-61278BE316B7}"/>
+                    </a:ext>
+                  </a:extLst>
+                </p:cNvPr>
+                <p:cNvPicPr/>
+                <p:nvPr/>
+              </p:nvPicPr>
+              <p:blipFill>
+                <a:blip r:embed="rId7"/>
+                <a:stretch>
+                  <a:fillRect/>
+                </a:stretch>
+              </p:blipFill>
+              <p:spPr>
+                <a:xfrm>
+                  <a:off x="3744618" y="2713601"/>
+                  <a:ext cx="4469760" cy="685800"/>
+                </a:xfrm>
+                <a:prstGeom prst="rect">
+                  <a:avLst/>
+                </a:prstGeom>
+              </p:spPr>
+            </p:pic>
+          </mc:Fallback>
+        </mc:AlternateContent>
+        <mc:AlternateContent xmlns:mc="http://schemas.openxmlformats.org/markup-compatibility/2006">
+          <mc:Choice xmlns:p14="http://schemas.microsoft.com/office/powerpoint/2010/main" Requires="p14">
+            <p:contentPart p14:bwMode="auto" r:id="rId8">
+              <p14:nvContentPartPr>
+                <p14:cNvPr id="12" name="Ink 11">
+                  <a:extLst>
+                    <a:ext uri="{FF2B5EF4-FFF2-40B4-BE49-F238E27FC236}">
+                      <a16:creationId xmlns:a16="http://schemas.microsoft.com/office/drawing/2014/main" id="{4A5B090C-E069-4C86-B176-A8ADEA3713BF}"/>
+                    </a:ext>
+                  </a:extLst>
+                </p14:cNvPr>
+                <p14:cNvContentPartPr/>
+                <p14:nvPr/>
+              </p14:nvContentPartPr>
+              <p14:xfrm>
+                <a:off x="7714698" y="3112841"/>
+                <a:ext cx="567360" cy="261360"/>
+              </p14:xfrm>
+            </p:contentPart>
+          </mc:Choice>
+          <mc:Fallback>
+            <p:pic>
+              <p:nvPicPr>
+                <p:cNvPr id="12" name="Ink 11">
+                  <a:extLst>
+                    <a:ext uri="{FF2B5EF4-FFF2-40B4-BE49-F238E27FC236}">
+                      <a16:creationId xmlns:a16="http://schemas.microsoft.com/office/drawing/2014/main" id="{4A5B090C-E069-4C86-B176-A8ADEA3713BF}"/>
+                    </a:ext>
+                  </a:extLst>
+                </p:cNvPr>
+                <p:cNvPicPr/>
+                <p:nvPr/>
+              </p:nvPicPr>
+              <p:blipFill>
+                <a:blip r:embed="rId9"/>
+                <a:stretch>
+                  <a:fillRect/>
+                </a:stretch>
+              </p:blipFill>
+              <p:spPr>
+                <a:xfrm>
+                  <a:off x="7710378" y="3108521"/>
+                  <a:ext cx="576000" cy="270000"/>
+                </a:xfrm>
+                <a:prstGeom prst="rect">
+                  <a:avLst/>
+                </a:prstGeom>
+              </p:spPr>
+            </p:pic>
+          </mc:Fallback>
+        </mc:AlternateContent>
+      </p:grpSp>
+    </p:spTree>
+    <p:extLst>
+      <p:ext uri="{BB962C8B-B14F-4D97-AF65-F5344CB8AC3E}">
+        <p14:creationId xmlns:p14="http://schemas.microsoft.com/office/powerpoint/2010/main" val="3752703423"/>
+      </p:ext>
+    </p:extLst>
+  </p:cSld>
+  <p:clrMapOvr>
+    <a:masterClrMapping/>
+  </p:clrMapOvr>
+</p:sld>
+</file>
+
+<file path=ppt/slides/slide19.xml><?xml version="1.0" encoding="utf-8"?>
+<p:sld xmlns:a="http://schemas.openxmlformats.org/drawingml/2006/main" xmlns:r="http://schemas.openxmlformats.org/officeDocument/2006/relationships" xmlns:p="http://schemas.openxmlformats.org/presentationml/2006/main">
+  <p:cSld>
+    <p:spTree>
+      <p:nvGrpSpPr>
+        <p:cNvPr id="1" name=""/>
+        <p:cNvGrpSpPr/>
+        <p:nvPr/>
+      </p:nvGrpSpPr>
+      <p:grpSpPr>
+        <a:xfrm>
+          <a:off x="0" y="0"/>
+          <a:ext cx="0" cy="0"/>
+          <a:chOff x="0" y="0"/>
+          <a:chExt cx="0" cy="0"/>
+        </a:xfrm>
+      </p:grpSpPr>
+      <p:sp>
+        <p:nvSpPr>
+          <p:cNvPr id="2" name="Title 1">
+            <a:extLst>
+              <a:ext uri="{FF2B5EF4-FFF2-40B4-BE49-F238E27FC236}">
+                <a16:creationId xmlns:a16="http://schemas.microsoft.com/office/drawing/2014/main" id="{20D119D3-B3C2-4794-9D9B-D21D4DD1B406}"/>
+              </a:ext>
+            </a:extLst>
+          </p:cNvPr>
+          <p:cNvSpPr>
+            <a:spLocks noGrp="1"/>
+          </p:cNvSpPr>
+          <p:nvPr>
+            <p:ph type="title"/>
+          </p:nvPr>
+        </p:nvSpPr>
+        <p:spPr/>
+        <p:txBody>
+          <a:bodyPr/>
+          <a:lstStyle/>
+          <a:p>
+            <a:r>
+              <a:rPr lang="en-IE" dirty="0"/>
+              <a:t>Express Project </a:t>
+            </a:r>
+            <a:r>
+              <a:rPr lang="en-IE" dirty="0" err="1"/>
+              <a:t>Strucure</a:t>
+            </a:r>
+            <a:r>
+              <a:rPr lang="en-IE" dirty="0"/>
+              <a:t>/Architecture</a:t>
+            </a:r>
+          </a:p>
+        </p:txBody>
+      </p:sp>
+      <p:sp>
+        <p:nvSpPr>
+          <p:cNvPr id="3" name="Text Placeholder 2">
+            <a:extLst>
+              <a:ext uri="{FF2B5EF4-FFF2-40B4-BE49-F238E27FC236}">
+                <a16:creationId xmlns:a16="http://schemas.microsoft.com/office/drawing/2014/main" id="{EB705025-F629-43F7-99CC-621E85529C6F}"/>
+              </a:ext>
+            </a:extLst>
+          </p:cNvPr>
+          <p:cNvSpPr>
+            <a:spLocks noGrp="1"/>
+          </p:cNvSpPr>
+          <p:nvPr>
+            <p:ph type="body" idx="1"/>
+          </p:nvPr>
+        </p:nvSpPr>
+        <p:spPr/>
+        <p:txBody>
+          <a:bodyPr/>
+          <a:lstStyle/>
+          <a:p>
+            <a:endParaRPr lang="en-IE" dirty="0"/>
+          </a:p>
+        </p:txBody>
+      </p:sp>
+    </p:spTree>
+    <p:extLst>
+      <p:ext uri="{BB962C8B-B14F-4D97-AF65-F5344CB8AC3E}">
+        <p14:creationId xmlns:p14="http://schemas.microsoft.com/office/powerpoint/2010/main" val="1502972771"/>
       </p:ext>
     </p:extLst>
   </p:cSld>
@@ -6109,6 +7220,472 @@
       </p:par>
     </p:tnLst>
   </p:timing>
+</p:sld>
+</file>
+
+<file path=ppt/slides/slide20.xml><?xml version="1.0" encoding="utf-8"?>
+<p:sld xmlns:a="http://schemas.openxmlformats.org/drawingml/2006/main" xmlns:r="http://schemas.openxmlformats.org/officeDocument/2006/relationships" xmlns:p="http://schemas.openxmlformats.org/presentationml/2006/main">
+  <p:cSld>
+    <p:spTree>
+      <p:nvGrpSpPr>
+        <p:cNvPr id="1" name=""/>
+        <p:cNvGrpSpPr/>
+        <p:nvPr/>
+      </p:nvGrpSpPr>
+      <p:grpSpPr>
+        <a:xfrm>
+          <a:off x="0" y="0"/>
+          <a:ext cx="0" cy="0"/>
+          <a:chOff x="0" y="0"/>
+          <a:chExt cx="0" cy="0"/>
+        </a:xfrm>
+      </p:grpSpPr>
+      <p:sp>
+        <p:nvSpPr>
+          <p:cNvPr id="2" name="Title 1">
+            <a:extLst>
+              <a:ext uri="{FF2B5EF4-FFF2-40B4-BE49-F238E27FC236}">
+                <a16:creationId xmlns:a16="http://schemas.microsoft.com/office/drawing/2014/main" id="{EB39335A-8197-46ED-BEE6-F64EF206EA86}"/>
+              </a:ext>
+            </a:extLst>
+          </p:cNvPr>
+          <p:cNvSpPr>
+            <a:spLocks noGrp="1"/>
+          </p:cNvSpPr>
+          <p:nvPr>
+            <p:ph type="title"/>
+          </p:nvPr>
+        </p:nvSpPr>
+        <p:spPr/>
+        <p:txBody>
+          <a:bodyPr/>
+          <a:lstStyle/>
+          <a:p>
+            <a:r>
+              <a:rPr lang="en-IE" dirty="0"/>
+              <a:t>Express Project Structure</a:t>
+            </a:r>
+          </a:p>
+        </p:txBody>
+      </p:sp>
+      <p:sp>
+        <p:nvSpPr>
+          <p:cNvPr id="3" name="Content Placeholder 2">
+            <a:extLst>
+              <a:ext uri="{FF2B5EF4-FFF2-40B4-BE49-F238E27FC236}">
+                <a16:creationId xmlns:a16="http://schemas.microsoft.com/office/drawing/2014/main" id="{05A5E786-3611-4199-8015-408A4350E951}"/>
+              </a:ext>
+            </a:extLst>
+          </p:cNvPr>
+          <p:cNvSpPr>
+            <a:spLocks noGrp="1"/>
+          </p:cNvSpPr>
+          <p:nvPr>
+            <p:ph idx="1"/>
+          </p:nvPr>
+        </p:nvSpPr>
+        <p:spPr>
+          <a:xfrm>
+            <a:off x="1173457" y="1690688"/>
+            <a:ext cx="10515600" cy="4351338"/>
+          </a:xfrm>
+        </p:spPr>
+        <p:txBody>
+          <a:bodyPr/>
+          <a:lstStyle/>
+          <a:p>
+            <a:r>
+              <a:rPr lang="en-IE" dirty="0"/>
+              <a:t>Lots of different architectures/project Structures</a:t>
+            </a:r>
+          </a:p>
+          <a:p>
+            <a:pPr lvl="1"/>
+            <a:r>
+              <a:rPr lang="en-IE" dirty="0"/>
+              <a:t>Clean, Model/View/Controller, Domain Driven Dev.</a:t>
+            </a:r>
+          </a:p>
+          <a:p>
+            <a:r>
+              <a:rPr lang="en-IE" dirty="0"/>
+              <a:t>Our Rest API will follow this Layered </a:t>
+            </a:r>
+            <a:r>
+              <a:rPr lang="en-IE" dirty="0" err="1"/>
+              <a:t>Arcgitecure</a:t>
+            </a:r>
+            <a:endParaRPr lang="en-IE" dirty="0"/>
+          </a:p>
+        </p:txBody>
+      </p:sp>
+      <p:pic>
+        <p:nvPicPr>
+          <p:cNvPr id="1026" name="Picture 2">
+            <a:extLst>
+              <a:ext uri="{FF2B5EF4-FFF2-40B4-BE49-F238E27FC236}">
+                <a16:creationId xmlns:a16="http://schemas.microsoft.com/office/drawing/2014/main" id="{15804A96-AB39-4E82-91FE-1428D8143B65}"/>
+              </a:ext>
+            </a:extLst>
+          </p:cNvPr>
+          <p:cNvPicPr>
+            <a:picLocks noChangeAspect="1" noChangeArrowheads="1"/>
+          </p:cNvPicPr>
+          <p:nvPr/>
+        </p:nvPicPr>
+        <p:blipFill>
+          <a:blip r:embed="rId3">
+            <a:extLst>
+              <a:ext uri="{28A0092B-C50C-407E-A947-70E740481C1C}">
+                <a14:useLocalDpi xmlns:a14="http://schemas.microsoft.com/office/drawing/2010/main" val="0"/>
+              </a:ext>
+            </a:extLst>
+          </a:blip>
+          <a:srcRect/>
+          <a:stretch>
+            <a:fillRect/>
+          </a:stretch>
+        </p:blipFill>
+        <p:spPr bwMode="auto">
+          <a:xfrm>
+            <a:off x="2182398" y="3143626"/>
+            <a:ext cx="7058025" cy="3448050"/>
+          </a:xfrm>
+          <a:prstGeom prst="rect">
+            <a:avLst/>
+          </a:prstGeom>
+          <a:noFill/>
+          <a:extLst>
+            <a:ext uri="{909E8E84-426E-40DD-AFC4-6F175D3DCCD1}">
+              <a14:hiddenFill xmlns:a14="http://schemas.microsoft.com/office/drawing/2010/main">
+                <a:solidFill>
+                  <a:srgbClr val="FFFFFF"/>
+                </a:solidFill>
+              </a14:hiddenFill>
+            </a:ext>
+          </a:extLst>
+        </p:spPr>
+      </p:pic>
+    </p:spTree>
+    <p:extLst>
+      <p:ext uri="{BB962C8B-B14F-4D97-AF65-F5344CB8AC3E}">
+        <p14:creationId xmlns:p14="http://schemas.microsoft.com/office/powerpoint/2010/main" val="3216833401"/>
+      </p:ext>
+    </p:extLst>
+  </p:cSld>
+  <p:clrMapOvr>
+    <a:masterClrMapping/>
+  </p:clrMapOvr>
+</p:sld>
+</file>
+
+<file path=ppt/slides/slide21.xml><?xml version="1.0" encoding="utf-8"?>
+<p:sld xmlns:a="http://schemas.openxmlformats.org/drawingml/2006/main" xmlns:r="http://schemas.openxmlformats.org/officeDocument/2006/relationships" xmlns:p="http://schemas.openxmlformats.org/presentationml/2006/main">
+  <p:cSld>
+    <p:spTree>
+      <p:nvGrpSpPr>
+        <p:cNvPr id="1" name=""/>
+        <p:cNvGrpSpPr/>
+        <p:nvPr/>
+      </p:nvGrpSpPr>
+      <p:grpSpPr>
+        <a:xfrm>
+          <a:off x="0" y="0"/>
+          <a:ext cx="0" cy="0"/>
+          <a:chOff x="0" y="0"/>
+          <a:chExt cx="0" cy="0"/>
+        </a:xfrm>
+      </p:grpSpPr>
+      <p:sp>
+        <p:nvSpPr>
+          <p:cNvPr id="2" name="Title 1">
+            <a:extLst>
+              <a:ext uri="{FF2B5EF4-FFF2-40B4-BE49-F238E27FC236}">
+                <a16:creationId xmlns:a16="http://schemas.microsoft.com/office/drawing/2014/main" id="{C9D06E09-D2AC-4D5C-8D43-A2A7681CFAFA}"/>
+              </a:ext>
+            </a:extLst>
+          </p:cNvPr>
+          <p:cNvSpPr>
+            <a:spLocks noGrp="1"/>
+          </p:cNvSpPr>
+          <p:nvPr>
+            <p:ph type="title"/>
+          </p:nvPr>
+        </p:nvSpPr>
+        <p:spPr/>
+        <p:txBody>
+          <a:bodyPr/>
+          <a:lstStyle/>
+          <a:p>
+            <a:r>
+              <a:rPr lang="en-IE" dirty="0"/>
+              <a:t>Simple Layered Approach</a:t>
+            </a:r>
+          </a:p>
+        </p:txBody>
+      </p:sp>
+      <p:sp>
+        <p:nvSpPr>
+          <p:cNvPr id="3" name="Content Placeholder 2">
+            <a:extLst>
+              <a:ext uri="{FF2B5EF4-FFF2-40B4-BE49-F238E27FC236}">
+                <a16:creationId xmlns:a16="http://schemas.microsoft.com/office/drawing/2014/main" id="{B671D15F-08F1-4721-B02A-1F2BA7E5FBBF}"/>
+              </a:ext>
+            </a:extLst>
+          </p:cNvPr>
+          <p:cNvSpPr>
+            <a:spLocks noGrp="1"/>
+          </p:cNvSpPr>
+          <p:nvPr>
+            <p:ph idx="1"/>
+          </p:nvPr>
+        </p:nvSpPr>
+        <p:spPr/>
+        <p:txBody>
+          <a:bodyPr/>
+          <a:lstStyle/>
+          <a:p>
+            <a:r>
+              <a:rPr lang="en-IE" b="0" i="0" dirty="0">
+                <a:solidFill>
+                  <a:srgbClr val="374151"/>
+                </a:solidFill>
+                <a:effectLst/>
+                <a:latin typeface="Inter var"/>
+              </a:rPr>
+              <a:t>HTTP logic layer</a:t>
+            </a:r>
+          </a:p>
+          <a:p>
+            <a:pPr lvl="1"/>
+            <a:r>
+              <a:rPr lang="en-IE" dirty="0">
+                <a:solidFill>
+                  <a:srgbClr val="374151"/>
+                </a:solidFill>
+                <a:latin typeface="Inter var"/>
+              </a:rPr>
+              <a:t>Routers:</a:t>
+            </a:r>
+          </a:p>
+          <a:p>
+            <a:pPr lvl="2"/>
+            <a:r>
+              <a:rPr lang="en-GB" b="0" i="0" dirty="0">
+                <a:solidFill>
+                  <a:srgbClr val="374151"/>
+                </a:solidFill>
+                <a:effectLst/>
+                <a:latin typeface="Inter var"/>
+              </a:rPr>
+              <a:t>handle the HTTP requests that hits the API and route them to appropriate controller</a:t>
+            </a:r>
+          </a:p>
+          <a:p>
+            <a:pPr lvl="1"/>
+            <a:r>
+              <a:rPr lang="en-IE" b="0" i="0" dirty="0">
+                <a:solidFill>
+                  <a:srgbClr val="374151"/>
+                </a:solidFill>
+                <a:effectLst/>
+                <a:latin typeface="Inter var"/>
+              </a:rPr>
+              <a:t>Controllers: </a:t>
+            </a:r>
+          </a:p>
+          <a:p>
+            <a:pPr lvl="2"/>
+            <a:r>
+              <a:rPr lang="en-GB" b="0" i="0" dirty="0">
+                <a:solidFill>
+                  <a:srgbClr val="374151"/>
+                </a:solidFill>
+                <a:effectLst/>
+                <a:latin typeface="Inter var"/>
+              </a:rPr>
+              <a:t>Processes request object, pull out data from request, validate, then send to service(s)</a:t>
+            </a:r>
+          </a:p>
+          <a:p>
+            <a:r>
+              <a:rPr lang="en-GB" dirty="0">
+                <a:solidFill>
+                  <a:srgbClr val="374151"/>
+                </a:solidFill>
+                <a:latin typeface="Inter var"/>
+              </a:rPr>
+              <a:t>Business logic Layer</a:t>
+            </a:r>
+          </a:p>
+          <a:p>
+            <a:pPr lvl="1"/>
+            <a:r>
+              <a:rPr lang="en-GB" dirty="0">
+                <a:solidFill>
+                  <a:srgbClr val="374151"/>
+                </a:solidFill>
+                <a:latin typeface="Inter var"/>
+              </a:rPr>
+              <a:t>Services: derived from use cases/business  requirements</a:t>
+            </a:r>
+          </a:p>
+          <a:p>
+            <a:pPr lvl="1"/>
+            <a:r>
+              <a:rPr lang="en-GB" dirty="0">
+                <a:solidFill>
+                  <a:srgbClr val="374151"/>
+                </a:solidFill>
+                <a:latin typeface="Inter var"/>
+              </a:rPr>
+              <a:t>Data Access: Repository/data store access</a:t>
+            </a:r>
+            <a:endParaRPr lang="en-IE" dirty="0">
+              <a:solidFill>
+                <a:srgbClr val="374151"/>
+              </a:solidFill>
+              <a:latin typeface="Inter var"/>
+            </a:endParaRPr>
+          </a:p>
+          <a:p>
+            <a:pPr lvl="2"/>
+            <a:endParaRPr lang="en-IE" dirty="0"/>
+          </a:p>
+        </p:txBody>
+      </p:sp>
+    </p:spTree>
+    <p:extLst>
+      <p:ext uri="{BB962C8B-B14F-4D97-AF65-F5344CB8AC3E}">
+        <p14:creationId xmlns:p14="http://schemas.microsoft.com/office/powerpoint/2010/main" val="2205828418"/>
+      </p:ext>
+    </p:extLst>
+  </p:cSld>
+  <p:clrMapOvr>
+    <a:masterClrMapping/>
+  </p:clrMapOvr>
+</p:sld>
+</file>
+
+<file path=ppt/slides/slide22.xml><?xml version="1.0" encoding="utf-8"?>
+<p:sld xmlns:a="http://schemas.openxmlformats.org/drawingml/2006/main" xmlns:r="http://schemas.openxmlformats.org/officeDocument/2006/relationships" xmlns:p="http://schemas.openxmlformats.org/presentationml/2006/main">
+  <p:cSld>
+    <p:spTree>
+      <p:nvGrpSpPr>
+        <p:cNvPr id="1" name=""/>
+        <p:cNvGrpSpPr/>
+        <p:nvPr/>
+      </p:nvGrpSpPr>
+      <p:grpSpPr>
+        <a:xfrm>
+          <a:off x="0" y="0"/>
+          <a:ext cx="0" cy="0"/>
+          <a:chOff x="0" y="0"/>
+          <a:chExt cx="0" cy="0"/>
+        </a:xfrm>
+      </p:grpSpPr>
+      <p:sp>
+        <p:nvSpPr>
+          <p:cNvPr id="2" name="Title 1">
+            <a:extLst>
+              <a:ext uri="{FF2B5EF4-FFF2-40B4-BE49-F238E27FC236}">
+                <a16:creationId xmlns:a16="http://schemas.microsoft.com/office/drawing/2014/main" id="{5D08C5FC-A9B8-4F00-950E-81E9EEF39F63}"/>
+              </a:ext>
+            </a:extLst>
+          </p:cNvPr>
+          <p:cNvSpPr>
+            <a:spLocks noGrp="1"/>
+          </p:cNvSpPr>
+          <p:nvPr>
+            <p:ph type="title"/>
+          </p:nvPr>
+        </p:nvSpPr>
+        <p:spPr/>
+        <p:txBody>
+          <a:bodyPr/>
+          <a:lstStyle/>
+          <a:p>
+            <a:r>
+              <a:rPr lang="en-US">
+                <a:cs typeface="Calibri Light"/>
+              </a:rPr>
+              <a:t>Sources</a:t>
+            </a:r>
+            <a:endParaRPr lang="en-US"/>
+          </a:p>
+        </p:txBody>
+      </p:sp>
+      <p:sp>
+        <p:nvSpPr>
+          <p:cNvPr id="3" name="Content Placeholder 2">
+            <a:extLst>
+              <a:ext uri="{FF2B5EF4-FFF2-40B4-BE49-F238E27FC236}">
+                <a16:creationId xmlns:a16="http://schemas.microsoft.com/office/drawing/2014/main" id="{A9331B36-4EAC-409A-8951-169E2024B9A4}"/>
+              </a:ext>
+            </a:extLst>
+          </p:cNvPr>
+          <p:cNvSpPr>
+            <a:spLocks noGrp="1"/>
+          </p:cNvSpPr>
+          <p:nvPr>
+            <p:ph idx="1"/>
+          </p:nvPr>
+        </p:nvSpPr>
+        <p:spPr/>
+        <p:txBody>
+          <a:bodyPr vert="horz" lIns="91440" tIns="45720" rIns="91440" bIns="45720" rtlCol="0" anchor="t">
+            <a:normAutofit/>
+          </a:bodyPr>
+          <a:lstStyle/>
+          <a:p>
+            <a:r>
+              <a:rPr lang="en-US">
+                <a:cs typeface="Calibri"/>
+                <a:hlinkClick r:id="rId2"/>
+              </a:rPr>
+              <a:t>https://developers.google.com/web/fundamentals/primers/promises</a:t>
+            </a:r>
+          </a:p>
+          <a:p>
+            <a:r>
+              <a:rPr lang="en-US">
+                <a:cs typeface="Calibri"/>
+                <a:hlinkClick r:id="rId3"/>
+              </a:rPr>
+              <a:t>https://stackoverflow.com/questions/2069763/difference-between-event-handlers-and-callbacks</a:t>
+            </a:r>
+          </a:p>
+          <a:p>
+            <a:r>
+              <a:rPr lang="en-US">
+                <a:cs typeface="Calibri"/>
+                <a:hlinkClick r:id="rId4"/>
+              </a:rPr>
+              <a:t>https://medium.com/@Abazhenov/using-async-await-in-express-with-node-8-b8af872c0016</a:t>
+            </a:r>
+          </a:p>
+          <a:p>
+            <a:endParaRPr lang="en-US">
+              <a:cs typeface="Calibri"/>
+            </a:endParaRPr>
+          </a:p>
+          <a:p>
+            <a:endParaRPr lang="en-US">
+              <a:cs typeface="Calibri"/>
+            </a:endParaRPr>
+          </a:p>
+        </p:txBody>
+      </p:sp>
+    </p:spTree>
+    <p:extLst>
+      <p:ext uri="{BB962C8B-B14F-4D97-AF65-F5344CB8AC3E}">
+        <p14:creationId xmlns:p14="http://schemas.microsoft.com/office/powerpoint/2010/main" val="3255514823"/>
+      </p:ext>
+    </p:extLst>
+  </p:cSld>
+  <p:clrMapOvr>
+    <a:masterClrMapping/>
+  </p:clrMapOvr>
 </p:sld>
 </file>
 

--- a/topic09/talk-2/Promises.pptx
+++ b/topic09/talk-2/Promises.pptx
@@ -5,7 +5,7 @@
     <p:sldMasterId id="2147483660" r:id="rId1"/>
   </p:sldMasterIdLst>
   <p:notesMasterIdLst>
-    <p:notesMasterId r:id="rId24"/>
+    <p:notesMasterId r:id="rId18"/>
   </p:notesMasterIdLst>
   <p:sldIdLst>
     <p:sldId id="256" r:id="rId2"/>
@@ -20,16 +20,10 @@
     <p:sldId id="294" r:id="rId11"/>
     <p:sldId id="289" r:id="rId12"/>
     <p:sldId id="286" r:id="rId13"/>
-    <p:sldId id="290" r:id="rId14"/>
-    <p:sldId id="279" r:id="rId15"/>
-    <p:sldId id="282" r:id="rId16"/>
-    <p:sldId id="298" r:id="rId17"/>
-    <p:sldId id="299" r:id="rId18"/>
-    <p:sldId id="300" r:id="rId19"/>
-    <p:sldId id="297" r:id="rId20"/>
-    <p:sldId id="295" r:id="rId21"/>
-    <p:sldId id="296" r:id="rId22"/>
-    <p:sldId id="265" r:id="rId23"/>
+    <p:sldId id="298" r:id="rId14"/>
+    <p:sldId id="299" r:id="rId15"/>
+    <p:sldId id="300" r:id="rId16"/>
+    <p:sldId id="265" r:id="rId17"/>
   </p:sldIdLst>
   <p:sldSz cx="12192000" cy="6858000"/>
   <p:notesSz cx="6858000" cy="9144000"/>
@@ -164,6 +158,102 @@
           <inkml:channelProperty channel="OE" name="resolution" value="1000" units="1/deg"/>
         </inkml:channelProperties>
       </inkml:inkSource>
+      <inkml:timestamp xml:id="ts0" timeString="2023-03-21T11:30:43.412"/>
+    </inkml:context>
+    <inkml:brush xml:id="br0">
+      <inkml:brushProperty name="width" value="0.1" units="cm"/>
+      <inkml:brushProperty name="height" value="0.1" units="cm"/>
+      <inkml:brushProperty name="color" value="#E71224"/>
+    </inkml:brush>
+  </inkml:definitions>
+  <inkml:trace contextRef="#ctx0" brushRef="#br0">0 1971 5064 0 0,'0'0'389'0'0,"21"-23"2084"0"0,-3 8-1716 0 0,0 1-1 0 0,1 1 0 0 0,35-19 1 0 0,40-22-925 0 0,85-24-136 0 0,-106 46 366 0 0,60-24-44 0 0,290-103 414 0 0,-135 43 492 0 0,-7 2 209 0 0,-77 31-572 0 0,202-114-1 0 0,-385 186-538 0 0,435-239 1274 0 0,-165 98-320 0 0,-32 18-241 0 0,-105 29-496 0 0,-86 55-144 0 0,-48 35-55 0 0,29-31 0 0 0,-36 33 16 0 0,1 0 1 0 0,0 1-1 0 0,0 1 1 0 0,26-16-1 0 0,-6 3 12 0 0,-28 19-66 0 0,0 0 0 0 0,1 0 1 0 0,0 1-1 0 0,10-6 0 0 0,92-42 291 0 0,-82 37-244 0 0,-23 12-39 0 0,1 0 0 0 0,-1 0 0 0 0,1 1 0 0 0,-1 0 0 0 0,1 0 0 0 0,0 0 0 0 0,0 1 0 0 0,0 0-1 0 0,5-1 1 0 0,-1 0-215 0 0,-6 1-74 0 0,-1 1 1 0 0,1-1-1 0 0,0 1 0 0 0,0 0 0 0 0,0 0 0 0 0,0 0 0 0 0,0 0 1 0 0,0 0-1 0 0,0 0 0 0 0,-1 1 0 0 0,1-1 0 0 0,0 1 1 0 0,0 0-1 0 0,0 0 0 0 0,-1 0 0 0 0,6 3 0 0 0,-4-3-1351 0 0,8 2-2786 0 0</inkml:trace>
+</inkml:ink>
+</file>
+
+<file path=ppt/ink/ink2.xml><?xml version="1.0" encoding="utf-8"?>
+<inkml:ink xmlns:inkml="http://www.w3.org/2003/InkML">
+  <inkml:definitions>
+    <inkml:context xml:id="ctx0">
+      <inkml:inkSource xml:id="inkSrc0">
+        <inkml:traceFormat>
+          <inkml:channel name="X" type="integer" min="-2.14748E9" max="2.14748E9" units="cm"/>
+          <inkml:channel name="Y" type="integer" min="-2.14748E9" max="2.14748E9" units="cm"/>
+          <inkml:channel name="F" type="integer" max="32767" units="dev"/>
+          <inkml:channel name="OA" type="integer" max="360" units="deg"/>
+          <inkml:channel name="OE" type="integer" max="90" units="deg"/>
+        </inkml:traceFormat>
+        <inkml:channelProperties>
+          <inkml:channelProperty channel="X" name="resolution" value="1000" units="1/cm"/>
+          <inkml:channelProperty channel="Y" name="resolution" value="1000" units="1/cm"/>
+          <inkml:channelProperty channel="F" name="resolution" value="0" units="1/dev"/>
+          <inkml:channelProperty channel="OA" name="resolution" value="1000" units="1/deg"/>
+          <inkml:channelProperty channel="OE" name="resolution" value="1000" units="1/deg"/>
+        </inkml:channelProperties>
+      </inkml:inkSource>
+      <inkml:timestamp xml:id="ts0" timeString="2023-03-21T11:30:44.390"/>
+    </inkml:context>
+    <inkml:brush xml:id="br0">
+      <inkml:brushProperty name="width" value="0.1" units="cm"/>
+      <inkml:brushProperty name="height" value="0.1" units="cm"/>
+      <inkml:brushProperty name="color" value="#E71224"/>
+    </inkml:brush>
+  </inkml:definitions>
+  <inkml:trace contextRef="#ctx0" brushRef="#br0">653 296 10336 0 0,'0'0'934'0'0,"-11"-5"70"0"0,-25-20 120 0 0,-24-14-538 0 0,57 38-534 0 0,1-1 1 0 0,-1 0 0 0 0,1 0 0 0 0,0 0-1 0 0,0 0 1 0 0,0 0 0 0 0,0 0-1 0 0,-3-6 1 0 0,3 6 12 0 0,0 0 0 0 0,1-1 0 0 0,-1 1 0 0 0,0 0 0 0 0,-1 0 0 0 0,1 0-1 0 0,0 0 1 0 0,-4-3 0 0 0,-40-19 1333 0 0,-9-7-505 0 0,-2 4 0 0 0,-78-29 0 0 0,103 46-941 0 0,13 3-14 0 0,0 0 1 0 0,-1 2 0 0 0,0 0 0 0 0,0 2 0 0 0,-29-3-1 0 0,46 6 64 0 0,-11 3-14 0 0,13-2-22 0 0,0 0-1 0 0,0 0 1 0 0,0-1 0 0 0,1 1 0 0 0,-1 0 0 0 0,0 0-1 0 0,0 0 1 0 0,1-1 0 0 0,-1 1 0 0 0,1 0 0 0 0,-1 0-1 0 0,1 0 1 0 0,-1 0 0 0 0,1 0 0 0 0,0 0 0 0 0,-1 1-1 0 0,1-1 1 0 0,0 0 0 0 0,0 0 0 0 0,0 0 0 0 0,0 0-1 0 0,0 0 1 0 0,0 0 0 0 0,0 0 0 0 0,0 0 0 0 0,0 0 0 0 0,1 0-1 0 0,-1 0 1 0 0,0 1 0 0 0,1-1 0 0 0,-1 0 0 0 0,1 0-1 0 0,-1 0 1 0 0,2 1 0 0 0,17 34-1424 0 0,-7-22 700 0 0,0 0 0 0 0,2 0 0 0 0,0-1-1 0 0,0-1 1 0 0,1-1 0 0 0,1 0 0 0 0,18 10 0 0 0,-1 1-647 0 0,-19-14 953 0 0,2 0 0 0 0,-1-1 0 0 0,0-1 0 0 0,27 7 0 0 0,4 2-24 0 0,-27-9 707 0 0,1-1 1 0 0,0-1-1 0 0,1-1 1 0 0,-1-1 0 0 0,26 0-1 0 0,-44-2 105 0 0,-1 1 0 0 0,0-1 0 0 0,1 0 0 0 0,-1 1 0 0 0,1-1 0 0 0,-1 1 0 0 0,0-1 0 0 0,1 1 0 0 0,-1 0 0 0 0,0 0 0 0 0,0-1 0 0 0,1 1 0 0 0,-1 0 0 0 0,0 0 0 0 0,0 0 0 0 0,0 0 0 0 0,0 1 0 0 0,0-1 0 0 0,-1 0 0 0 0,1 0 0 0 0,0 0 0 0 0,0 1 0 0 0,-1-1 0 0 0,2 3 0 0 0,1 2-1037 0 0,-3-4 791 0 0,0 0 0 0 0,-1 0 0 0 0,1 0 0 0 0,-1 0 0 0 0,1 0 0 0 0,-1 0 0 0 0,1 0 0 0 0,-1 0 1 0 0,0 0-1 0 0,-2 2 0 0 0,1 1 5 0 0,-1 1-58 0 0,-1 1-1 0 0,0-1 1 0 0,0 0-1 0 0,-1 0 1 0 0,1 0-1 0 0,-1-1 1 0 0,0 0-1 0 0,-10 8 1 0 0,7-6 1 0 0,0 1 0 0 0,0 0 0 0 0,-6 10 0 0 0,10-12-202 0 0,0-1 0 0 0,1 1 0 0 0,0-1-1 0 0,1 1 1 0 0,-1 0 0 0 0,1 0 0 0 0,0 1-1 0 0,1-1 1 0 0,-1 0 0 0 0,1 1 0 0 0,0-1-1 0 0,1 1 1 0 0,0-1 0 0 0,0 1 0 0 0,0-1-1 0 0,1 0 1 0 0,0 1 0 0 0,0-1 0 0 0,2 9-1 0 0,1-3-4685 0 0</inkml:trace>
+</inkml:ink>
+</file>
+
+<file path=ppt/ink/ink3.xml><?xml version="1.0" encoding="utf-8"?>
+<inkml:ink xmlns:inkml="http://www.w3.org/2003/InkML">
+  <inkml:definitions>
+    <inkml:context xml:id="ctx0">
+      <inkml:inkSource xml:id="inkSrc0">
+        <inkml:traceFormat>
+          <inkml:channel name="X" type="integer" min="-2.14748E9" max="2.14748E9" units="cm"/>
+          <inkml:channel name="Y" type="integer" min="-2.14748E9" max="2.14748E9" units="cm"/>
+          <inkml:channel name="F" type="integer" max="32767" units="dev"/>
+          <inkml:channel name="OA" type="integer" max="360" units="deg"/>
+          <inkml:channel name="OE" type="integer" max="90" units="deg"/>
+        </inkml:traceFormat>
+        <inkml:channelProperties>
+          <inkml:channelProperty channel="X" name="resolution" value="1000" units="1/cm"/>
+          <inkml:channelProperty channel="Y" name="resolution" value="1000" units="1/cm"/>
+          <inkml:channelProperty channel="F" name="resolution" value="0" units="1/dev"/>
+          <inkml:channelProperty channel="OA" name="resolution" value="1000" units="1/deg"/>
+          <inkml:channelProperty channel="OE" name="resolution" value="1000" units="1/deg"/>
+        </inkml:channelProperties>
+      </inkml:inkSource>
+      <inkml:timestamp xml:id="ts0" timeString="2023-03-21T11:30:53.073"/>
+    </inkml:context>
+    <inkml:brush xml:id="br0">
+      <inkml:brushProperty name="width" value="0.1" units="cm"/>
+      <inkml:brushProperty name="height" value="0.1" units="cm"/>
+      <inkml:brushProperty name="color" value="#E71224"/>
+    </inkml:brush>
+  </inkml:definitions>
+  <inkml:trace contextRef="#ctx0" brushRef="#br0">509 1084 1376 0 0,'0'0'6824'0'0,"42"-4"-4863"0"0,71 4-162 0 0,-53 0-1230 0 0,64 0 782 0 0,-95 0-1351 0 0,-6 0 16 0 0,-21 0 62 0 0,0 0 12 0 0,10 0-17 0 0,2 0-58 0 0,-2 0-15 0 0,3 0 0 0 0,-1 0 0 0 0,19 2 181 0 0,4-5 155 0 0,-8-4-171 0 0,0 5-111 0 0,-24 3-55 0 0,31-6 132 0 0,57-11 331 0 0,46-6-73 0 0,-114 18-290 0 0,0 0 1 0 0,49 2 0 0 0,-13-2-42 0 0,-47 2-36 0 0,0 0 0 0 0,0 1 1 0 0,0 1-1 0 0,0 1 0 0 0,0 0 0 0 0,0 1 0 0 0,0 0 0 0 0,0 1 0 0 0,19 6 0 0 0,-5-3-22 0 0,21 0 75 0 0,-26-2-23 0 0,-8-2 91 0 0,1 0-1 0 0,25 0 1 0 0,-24-2-116 0 0,-7-1-1 0 0,-1 1 0 0 0,1 1 0 0 0,-1-1 0 0 0,16 4 0 0 0,-17-1-18 0 0,2-2-1 0 0,-1 1 0 0 0,0-1 0 0 0,0-1 0 0 0,16 0 0 0 0,12 1 14 0 0,-10 1 109 0 0,0-1 0 0 0,44-3-1 0 0,-42 0 37 0 0,53 3-1 0 0,-54 1-165 0 0,50-4 0 0 0,-11-1 0 0 0,-63 3 1 0 0,24 0 41 0 0,0 0 1 0 0,44 8-1 0 0,-67-7-35 0 0,0-1 0 0 0,0 0 0 0 0,0 0 0 0 0,0 0 0 0 0,9-2 0 0 0,14-1 15 0 0,37 7 95 0 0,-44-2-37 0 0,1-1 1 0 0,38-2-1 0 0,18-5 54 0 0,-46 5-20 0 0,56-10 0 0 0,-76 9-77 0 0,-1 1 0 0 0,0 0 0 0 0,15 2-1 0 0,33-4 136 0 0,75-8 501 0 0,-61 10-537 0 0,12-4-72 0 0,-51 2 2 0 0,0-1 0 0 0,0-2 0 0 0,42-12 0 0 0,-61 14-55 0 0,98-14 248 0 0,-28 6-147 0 0,-79 11-93 0 0,0 0 0 0 0,0 1 1 0 0,0 0-1 0 0,0 0 0 0 0,8 1 1 0 0,-3 0 5 0 0,0 0 0 0 0,-1-1 1 0 0,1 0-1 0 0,15-3 0 0 0,-16 1-11 0 0,31 1 47 0 0,16 1 3 0 0,-12 0 43 0 0,-32-1-97 0 0,1-2-10 0 0,3-1 0 0 0,25 7 0 0 0,51-3 419 0 0,88-8 162 0 0,-106 0-506 0 0,-18 7 52 0 0,-8 5-49 0 0,-24-4-78 0 0,-8-1 0 0 0,-1 1 0 0 0,0 0 0 0 0,30 6 0 0 0,-20-3 0 0 0,-17-3 0 0 0,-1 0 0 0 0,0 1 0 0 0,0 0 0 0 0,1 1 0 0 0,14 4 0 0 0,25 6 0 0 0,-15-5 0 0 0,1-1 0 0 0,47 0 0 0 0,-47-4 0 0 0,54 9 0 0 0,-55-5 0 0 0,58 1 0 0 0,40 6 0 0 0,-113-12 0 0 0,0 1 0 0 0,-1 0 0 0 0,31 10 0 0 0,15 1 0 0 0,-43-10 0 0 0,0-1 0 0 0,32-2 0 0 0,-24 0 0 0 0,259-4 128 0 0,-14 8 0 0 0,-223 1-128 0 0,5-9 0 0 0,-9 0 80 0 0,-29 3-60 0 0,1 0-1 0 0,30-6 1 0 0,5-3 225 0 0,-49 8-245 0 0,0 1 0 0 0,0-1 0 0 0,-1 1 0 0 0,1 0 0 0 0,0 0 0 0 0,0 0 0 0 0,0 1 0 0 0,5-1 0 0 0,6-1 0 0 0,23-5 0 0 0,-1 2 0 0 0,1 1 0 0 0,0 2 0 0 0,59 4 0 0 0,-19 0 0 0 0,-36-2 0 0 0,70 8 0 0 0,-83-5 0 0 0,51-1 0 0 0,-55-2 0 0 0,37-3 0 0 0,93-15 0 0 0,-10 3 0 0 0,-121 10 0 0 0,-18 3 0 0 0,0 1 0 0 0,1-1 0 0 0,-1 1 0 0 0,0 1 0 0 0,1-1 0 0 0,6 1 0 0 0,26-4 0 0 0,-19 1 0 0 0,1 1 0 0 0,41 1 0 0 0,9 2 0 0 0,72 12 0 0 0,-116-11 0 0 0,-17 0 0 0 0,0-1 0 0 0,0-1 0 0 0,0 0 0 0 0,0 0 0 0 0,0-1 0 0 0,14-2 0 0 0,-3 1 0 0 0,16 3 0 0 0,61-5 0 0 0,-36-1 0 0 0,3 1 0 0 0,-32 4 0 0 0,26 0 0 0 0,3 0 0 0 0,-56 1 0 0 0,21-3 0 0 0,-11 0 0 0 0,-9 1 0 0 0,1 0 0 0 0,0 0 0 0 0,-1 1 0 0 0,1 0 0 0 0,0 0 0 0 0,8 1 0 0 0,6-3 0 0 0,55 5 0 0 0,59-3 192 0 0,30 0-333 0 0,31 4 138 0 0,109 9 3 0 0,-253-17 84 0 0,0-1 0 0 0,0-3 0 0 0,95-28 0 0 0,-87 24-84 0 0,-39 9 0 0 0,-1-1 0 0 0,24-8 0 0 0,20-1-320 0 0,-17-8 326 0 0,-28 11 175 0 0,-11 6-54 0 0,-1 0-1 0 0,0-1 0 0 0,0 0 0 0 0,-1 0 0 0 0,14-12 0 0 0,-17 12-126 0 0,0 0 0 0 0,-1 0 0 0 0,1-1 0 0 0,-1 0 0 0 0,0 0 0 0 0,0 0 0 0 0,-1 0 0 0 0,1 0 0 0 0,-2 0 0 0 0,3-8 0 0 0,10-73 160 0 0,-14 79-126 0 0,1-4-2 0 0,-1-1-1 0 0,0 0 1 0 0,-1 0-1 0 0,-1 0 0 0 0,0 1 1 0 0,-1-1-1 0 0,-4-12 1 0 0,-19-42 114 0 0,16 39-147 0 0,9 23 12 0 0,-1 0 0 0 0,0 0 0 0 0,0 0-1 0 0,0 0 1 0 0,0 0 0 0 0,-7-8 0 0 0,-25-36 350 0 0,25 35-352 0 0,0 1-1 0 0,-1-1 1 0 0,-1 2 0 0 0,0 0 0 0 0,-17-15-1 0 0,-6-2-179 0 0,23 19 173 0 0,1 2 1 0 0,-1-1-1 0 0,-1 1 0 0 0,-20-11 0 0 0,-24-7-37 0 0,29 12-2 0 0,0 1 0 0 0,-1 1 0 0 0,-1 2 1 0 0,0 1-1 0 0,-52-10 0 0 0,21 7-25 0 0,44 8 33 0 0,-1 1 1 0 0,0 0 0 0 0,-22 0-1 0 0,11 2 16 0 0,-39-8 0 0 0,47 6 4 0 0,-1 0-1 0 0,1 1 1 0 0,-40 2-1 0 0,28 3-29 0 0,-45-4 0 0 0,49-1 18 0 0,1 2 1 0 0,-38 5-1 0 0,-80 8-207 0 0,8 0 228 0 0,36-5 0 0 0,56-5 0 0 0,-83-7 0 0 0,29 0 0 0 0,-254-3 0 0 0,165-2 0 0 0,70 0 0 0 0,-10 2 0 0 0,91 4 0 0 0,-77-3 0 0 0,-79-9 0 0 0,61 11 0 0 0,105 4 0 0 0,-256 4 0 0 0,80 1 0 0 0,84 3 0 0 0,-1 1 0 0 0,-18 3 0 0 0,-70-2 0 0 0,-28-1 0 0 0,76-6 0 0 0,1 3 0 0 0,-159 15 0 0 0,233-19 0 0 0,60-2 0 0 0,-1 0 0 0 0,-45 8 0 0 0,-55 8 0 0 0,72-11 0 0 0,-103 0 0 0 0,7-1 0 0 0,53 0 0 0 0,63-4 0 0 0,-67 10 0 0 0,45-3 0 0 0,0-2 0 0 0,-95-5 0 0 0,-24 1 0 0 0,116 5-20 0 0,-45 1-24 0 0,25-5-44 0 0,40 0 180 0 0,-75-5 0 0 0,58 1 6 0 0,43 3-74 0 0,1-1-1 0 0,-1-1 1 0 0,-18-2-1 0 0,12 0-23 0 0,0 1 0 0 0,0 2 0 0 0,0-1 0 0 0,-22 4 0 0 0,-20 0 0 0 0,-60-8-91 0 0,65 1 9 0 0,-69 4-1 0 0,100 3 83 0 0,14-2 0 0 0,0 0 0 0 0,0 0 0 0 0,-21-3 0 0 0,4 0 72 0 0,-49 1-1 0 0,-9 0 34 0 0,-257-29-65 0 0,187 26-38 0 0,101 5 29 0 0,-63-8 0 0 0,-226-20 249 0 0,232 23-280 0 0,-30 2 0 0 0,2 0 0 0 0,85-2 34 0 0,20 2 40 0 0,-58-10 1 0 0,61 6-82 0 0,-62-1 0 0 0,37 3 6 0 0,22 3 36 0 0,-38 3 0 0 0,46 0-37 0 0,-1-2 0 0 0,-46-4 0 0 0,65 3 2 0 0,1 1 0 0 0,-1 0 0 0 0,1 0 0 0 0,-12 3 0 0 0,-17 0 0 0 0,-26 6-64 0 0,57-9 64 0 0,-11 5 0 0 0,9-1 0 0 0,-26 5 0 0 0,29-9 0 0 0,0 1 0 0 0,0 0 0 0 0,1 0 0 0 0,-1 1 0 0 0,1 0 0 0 0,-9 4 0 0 0,-2-1-6 0 0,-5 3-62 0 0,16-5 62 0 0,0-1 1 0 0,0 1 0 0 0,0-1 0 0 0,-1 0-1 0 0,0-1 1 0 0,-6 3 0 0 0,-25 11-12 0 0,11-3-54 0 0,20-10 50 0 0,1 0-1 0 0,0 0 1 0 0,-1 0-1 0 0,1 1 1 0 0,0-1-1 0 0,-6 6 1 0 0,-2-2 9 0 0,9-5 12 0 0,-1 1 0 0 0,1 0 0 0 0,-1-1 0 0 0,1 1 0 0 0,-1 0 1 0 0,1 1-1 0 0,0-1 0 0 0,0 1 0 0 0,0-1 0 0 0,0 1 0 0 0,1 0 0 0 0,-5 6 0 0 0,-25 26-192 0 0,28-26 192 0 0,3-7-12 0 0,1 0-1 0 0,-1-1 1 0 0,0 1-1 0 0,0 0 1 0 0,0 0-1 0 0,-1-1 1 0 0,1 1 0 0 0,0-1-1 0 0,0 1 1 0 0,-1-1-1 0 0,-2 2 1 0 0,3-2-1 0 0,0 1 0 0 0,-1-1 0 0 0,1 0 0 0 0,0 1 0 0 0,0-1 0 0 0,0 0-1 0 0,0 1 1 0 0,0 0 0 0 0,0-1 0 0 0,0 1 0 0 0,0 0 0 0 0,1-1 0 0 0,-2 3 0 0 0,-21 48-79 0 0,20-39 81 0 0,1-7-11 0 0,1 0 0 0 0,0 0 0 0 0,0 0 0 0 0,0 1-1 0 0,0 5 1 0 0,2 4-68 0 0,0 1 0 0 0,2-1 0 0 0,7 29 0 0 0,4 9 90 0 0,16 29-312 0 0,-17-43 312 0 0,-12-35 0 0 0,0 0 0 0 0,1 0 0 0 0,-1-1 0 0 0,1 1 0 0 0,1-1 0 0 0,-1 1 0 0 0,0-1 0 0 0,6 7 0 0 0,5 8-9 0 0,1 0 0 0 0,0-2 0 0 0,1 1 0 0 0,1-2 0 0 0,0 0-1 0 0,28 20 1 0 0,-3 0-57 0 0,-11-6 68 0 0,39 41-2 0 0,-52-58 0 0 0,34 21 0 0 0,-34-23 0 0 0,-6-3-7 0 0,2-1 0 0 0,-1 0 0 0 0,1-1 0 0 0,0-1 0 0 0,1 0 0 0 0,-1 0 0 0 0,1-1-1 0 0,16 2 1 0 0,34 4 25 0 0,-40-6-3 0 0,0-1 1 0 0,27 1-1 0 0,19-4-581 0 0,-41 0-5558 0 0</inkml:trace>
+</inkml:ink>
+</file>
+
+<file path=ppt/ink/ink4.xml><?xml version="1.0" encoding="utf-8"?>
+<inkml:ink xmlns:inkml="http://www.w3.org/2003/InkML">
+  <inkml:definitions>
+    <inkml:context xml:id="ctx0">
+      <inkml:inkSource xml:id="inkSrc0">
+        <inkml:traceFormat>
+          <inkml:channel name="X" type="integer" min="-2.14748E9" max="2.14748E9" units="cm"/>
+          <inkml:channel name="Y" type="integer" min="-2.14748E9" max="2.14748E9" units="cm"/>
+          <inkml:channel name="F" type="integer" max="32767" units="dev"/>
+          <inkml:channel name="OA" type="integer" max="360" units="deg"/>
+          <inkml:channel name="OE" type="integer" max="90" units="deg"/>
+        </inkml:traceFormat>
+        <inkml:channelProperties>
+          <inkml:channelProperty channel="X" name="resolution" value="1000" units="1/cm"/>
+          <inkml:channelProperty channel="Y" name="resolution" value="1000" units="1/cm"/>
+          <inkml:channelProperty channel="F" name="resolution" value="0" units="1/dev"/>
+          <inkml:channelProperty channel="OA" name="resolution" value="1000" units="1/deg"/>
+          <inkml:channelProperty channel="OE" name="resolution" value="1000" units="1/deg"/>
+        </inkml:channelProperties>
+      </inkml:inkSource>
       <inkml:timestamp xml:id="ts0" timeString="2022-03-22T14:10:39.418"/>
     </inkml:context>
     <inkml:brush xml:id="br0">
@@ -176,7 +266,7 @@
 </inkml:ink>
 </file>
 
-<file path=ppt/ink/ink2.xml><?xml version="1.0" encoding="utf-8"?>
+<file path=ppt/ink/ink5.xml><?xml version="1.0" encoding="utf-8"?>
 <inkml:ink xmlns:inkml="http://www.w3.org/2003/InkML">
   <inkml:definitions>
     <inkml:context xml:id="ctx0">
@@ -208,7 +298,7 @@
 </inkml:ink>
 </file>
 
-<file path=ppt/ink/ink3.xml><?xml version="1.0" encoding="utf-8"?>
+<file path=ppt/ink/ink6.xml><?xml version="1.0" encoding="utf-8"?>
 <inkml:ink xmlns:inkml="http://www.w3.org/2003/InkML">
   <inkml:definitions>
     <inkml:context xml:id="ctx0">
@@ -322,7 +412,7 @@
           <a:p>
             <a:fld id="{17E5B92F-4F5C-445E-AE40-0B32A189C07A}" type="datetimeFigureOut">
               <a:rPr lang="en-IE" smtClean="0"/>
-              <a:t>22/03/2022</a:t>
+              <a:t>21/03/2023</a:t>
             </a:fld>
             <a:endParaRPr lang="en-IE"/>
           </a:p>
@@ -693,371 +783,6 @@
 </p:notes>
 </file>
 
-<file path=ppt/notesSlides/notesSlide2.xml><?xml version="1.0" encoding="utf-8"?>
-<p:notes xmlns:a="http://schemas.openxmlformats.org/drawingml/2006/main" xmlns:r="http://schemas.openxmlformats.org/officeDocument/2006/relationships" xmlns:p="http://schemas.openxmlformats.org/presentationml/2006/main">
-  <p:cSld>
-    <p:spTree>
-      <p:nvGrpSpPr>
-        <p:cNvPr id="1" name=""/>
-        <p:cNvGrpSpPr/>
-        <p:nvPr/>
-      </p:nvGrpSpPr>
-      <p:grpSpPr>
-        <a:xfrm>
-          <a:off x="0" y="0"/>
-          <a:ext cx="0" cy="0"/>
-          <a:chOff x="0" y="0"/>
-          <a:chExt cx="0" cy="0"/>
-        </a:xfrm>
-      </p:grpSpPr>
-      <p:sp>
-        <p:nvSpPr>
-          <p:cNvPr id="2" name="Slide Image Placeholder 1"/>
-          <p:cNvSpPr>
-            <a:spLocks noGrp="1" noRot="1" noChangeAspect="1"/>
-          </p:cNvSpPr>
-          <p:nvPr>
-            <p:ph type="sldImg"/>
-          </p:nvPr>
-        </p:nvSpPr>
-        <p:spPr/>
-      </p:sp>
-      <p:sp>
-        <p:nvSpPr>
-          <p:cNvPr id="3" name="Notes Placeholder 2"/>
-          <p:cNvSpPr>
-            <a:spLocks noGrp="1"/>
-          </p:cNvSpPr>
-          <p:nvPr>
-            <p:ph type="body" idx="1"/>
-          </p:nvPr>
-        </p:nvSpPr>
-        <p:spPr/>
-        <p:txBody>
-          <a:bodyPr/>
-          <a:lstStyle/>
-          <a:p>
-            <a:r>
-              <a:rPr lang="en-IE" dirty="0"/>
-              <a:t>Layered Architecture:</a:t>
-            </a:r>
-            <a:br>
-              <a:rPr lang="en-IE" dirty="0"/>
-            </a:br>
-            <a:r>
-              <a:rPr lang="en-GB" b="0" i="0" dirty="0">
-                <a:solidFill>
-                  <a:srgbClr val="374151"/>
-                </a:solidFill>
-                <a:effectLst/>
-                <a:latin typeface="Inter var"/>
-              </a:rPr>
-              <a:t>a </a:t>
-            </a:r>
-            <a:r>
-              <a:rPr lang="en-GB" b="1" i="0" dirty="0">
-                <a:solidFill>
-                  <a:srgbClr val="1A202C"/>
-                </a:solidFill>
-                <a:effectLst/>
-                <a:latin typeface="Inter var"/>
-              </a:rPr>
-              <a:t>HTTP layer</a:t>
-            </a:r>
-            <a:r>
-              <a:rPr lang="en-GB" b="0" i="0" dirty="0">
-                <a:solidFill>
-                  <a:srgbClr val="374151"/>
-                </a:solidFill>
-                <a:effectLst/>
-                <a:latin typeface="Inter var"/>
-              </a:rPr>
-              <a:t> --&gt; which is "outside" the </a:t>
-            </a:r>
-            <a:r>
-              <a:rPr lang="en-GB" b="1" i="0" dirty="0">
-                <a:solidFill>
-                  <a:srgbClr val="1A202C"/>
-                </a:solidFill>
-                <a:effectLst/>
-                <a:latin typeface="Inter var"/>
-              </a:rPr>
-              <a:t>service layer</a:t>
-            </a:r>
-            <a:r>
-              <a:rPr lang="en-GB" b="0" i="0" dirty="0">
-                <a:solidFill>
-                  <a:srgbClr val="374151"/>
-                </a:solidFill>
-                <a:effectLst/>
-                <a:latin typeface="Inter var"/>
-              </a:rPr>
-              <a:t> --&gt; which is "outside" the </a:t>
-            </a:r>
-            <a:r>
-              <a:rPr lang="en-GB" b="1" i="0" dirty="0">
-                <a:solidFill>
-                  <a:srgbClr val="1A202C"/>
-                </a:solidFill>
-                <a:effectLst/>
-                <a:latin typeface="Inter var"/>
-              </a:rPr>
-              <a:t>database access layer</a:t>
-            </a:r>
-            <a:r>
-              <a:rPr lang="en-GB" b="0" i="0" dirty="0">
-                <a:solidFill>
-                  <a:srgbClr val="374151"/>
-                </a:solidFill>
-                <a:effectLst/>
-                <a:latin typeface="Inter var"/>
-              </a:rPr>
-              <a:t> --&gt; which is... you get the picture</a:t>
-            </a:r>
-            <a:endParaRPr lang="en-IE" dirty="0"/>
-          </a:p>
-        </p:txBody>
-      </p:sp>
-      <p:sp>
-        <p:nvSpPr>
-          <p:cNvPr id="4" name="Slide Number Placeholder 3"/>
-          <p:cNvSpPr>
-            <a:spLocks noGrp="1"/>
-          </p:cNvSpPr>
-          <p:nvPr>
-            <p:ph type="sldNum" sz="quarter" idx="5"/>
-          </p:nvPr>
-        </p:nvSpPr>
-        <p:spPr/>
-        <p:txBody>
-          <a:bodyPr/>
-          <a:lstStyle/>
-          <a:p>
-            <a:fld id="{AC59861C-F775-4B5F-9B70-510B0352620E}" type="slidenum">
-              <a:rPr lang="en-IE" smtClean="0"/>
-              <a:t>20</a:t>
-            </a:fld>
-            <a:endParaRPr lang="en-IE"/>
-          </a:p>
-        </p:txBody>
-      </p:sp>
-    </p:spTree>
-    <p:extLst>
-      <p:ext uri="{BB962C8B-B14F-4D97-AF65-F5344CB8AC3E}">
-        <p14:creationId xmlns:p14="http://schemas.microsoft.com/office/powerpoint/2010/main" val="3960301553"/>
-      </p:ext>
-    </p:extLst>
-  </p:cSld>
-  <p:clrMapOvr>
-    <a:masterClrMapping/>
-  </p:clrMapOvr>
-</p:notes>
-</file>
-
-<file path=ppt/notesSlides/notesSlide3.xml><?xml version="1.0" encoding="utf-8"?>
-<p:notes xmlns:a="http://schemas.openxmlformats.org/drawingml/2006/main" xmlns:r="http://schemas.openxmlformats.org/officeDocument/2006/relationships" xmlns:p="http://schemas.openxmlformats.org/presentationml/2006/main">
-  <p:cSld>
-    <p:spTree>
-      <p:nvGrpSpPr>
-        <p:cNvPr id="1" name=""/>
-        <p:cNvGrpSpPr/>
-        <p:nvPr/>
-      </p:nvGrpSpPr>
-      <p:grpSpPr>
-        <a:xfrm>
-          <a:off x="0" y="0"/>
-          <a:ext cx="0" cy="0"/>
-          <a:chOff x="0" y="0"/>
-          <a:chExt cx="0" cy="0"/>
-        </a:xfrm>
-      </p:grpSpPr>
-      <p:sp>
-        <p:nvSpPr>
-          <p:cNvPr id="2" name="Slide Image Placeholder 1"/>
-          <p:cNvSpPr>
-            <a:spLocks noGrp="1" noRot="1" noChangeAspect="1"/>
-          </p:cNvSpPr>
-          <p:nvPr>
-            <p:ph type="sldImg"/>
-          </p:nvPr>
-        </p:nvSpPr>
-        <p:spPr/>
-      </p:sp>
-      <p:sp>
-        <p:nvSpPr>
-          <p:cNvPr id="3" name="Notes Placeholder 2"/>
-          <p:cNvSpPr>
-            <a:spLocks noGrp="1"/>
-          </p:cNvSpPr>
-          <p:nvPr>
-            <p:ph type="body" idx="1"/>
-          </p:nvPr>
-        </p:nvSpPr>
-        <p:spPr/>
-        <p:txBody>
-          <a:bodyPr/>
-          <a:lstStyle/>
-          <a:p>
-            <a:r>
-              <a:rPr lang="en-GB" b="0" i="0" dirty="0">
-                <a:solidFill>
-                  <a:srgbClr val="374151"/>
-                </a:solidFill>
-                <a:effectLst/>
-                <a:latin typeface="Inter var"/>
-              </a:rPr>
-              <a:t>I think of </a:t>
-            </a:r>
-            <a:r>
-              <a:rPr lang="en-GB" dirty="0"/>
-              <a:t>controllers</a:t>
-            </a:r>
-            <a:r>
-              <a:rPr lang="en-GB" b="0" i="0" dirty="0">
-                <a:solidFill>
-                  <a:srgbClr val="374151"/>
-                </a:solidFill>
-                <a:effectLst/>
-                <a:latin typeface="Inter var"/>
-              </a:rPr>
-              <a:t> as "orchestrators". They call the </a:t>
-            </a:r>
-            <a:r>
-              <a:rPr lang="en-GB" dirty="0"/>
-              <a:t>services</a:t>
-            </a:r>
-            <a:r>
-              <a:rPr lang="en-GB" b="0" i="0" dirty="0">
-                <a:solidFill>
-                  <a:srgbClr val="374151"/>
-                </a:solidFill>
-                <a:effectLst/>
-                <a:latin typeface="Inter var"/>
-              </a:rPr>
-              <a:t>, which contain more "pure" business logic. But by </a:t>
-            </a:r>
-            <a:r>
-              <a:rPr lang="en-GB" b="0" i="0" dirty="0" err="1">
-                <a:solidFill>
-                  <a:srgbClr val="374151"/>
-                </a:solidFill>
-                <a:effectLst/>
-                <a:latin typeface="Inter var"/>
-              </a:rPr>
-              <a:t>themselves,</a:t>
-            </a:r>
-            <a:r>
-              <a:rPr lang="en-GB" dirty="0" err="1"/>
-              <a:t>controllers</a:t>
-            </a:r>
-            <a:r>
-              <a:rPr lang="en-GB" b="0" i="0" dirty="0">
-                <a:solidFill>
-                  <a:srgbClr val="374151"/>
-                </a:solidFill>
-                <a:effectLst/>
-                <a:latin typeface="Inter var"/>
-              </a:rPr>
-              <a:t> don't really contain any logic other than handling the request and calling </a:t>
-            </a:r>
-            <a:r>
-              <a:rPr lang="en-GB" dirty="0"/>
-              <a:t>services</a:t>
-            </a:r>
-            <a:r>
-              <a:rPr lang="en-GB" b="0" i="0" dirty="0">
-                <a:solidFill>
-                  <a:srgbClr val="374151"/>
-                </a:solidFill>
-                <a:effectLst/>
-                <a:latin typeface="Inter var"/>
-              </a:rPr>
-              <a:t>. The </a:t>
-            </a:r>
-            <a:r>
-              <a:rPr lang="en-GB" dirty="0"/>
-              <a:t>services</a:t>
-            </a:r>
-            <a:r>
-              <a:rPr lang="en-GB" b="0" i="0" dirty="0">
-                <a:solidFill>
-                  <a:srgbClr val="374151"/>
-                </a:solidFill>
-                <a:effectLst/>
-                <a:latin typeface="Inter var"/>
-              </a:rPr>
-              <a:t> do most of the work, while the </a:t>
-            </a:r>
-            <a:r>
-              <a:rPr lang="en-GB" dirty="0"/>
-              <a:t>controllers</a:t>
-            </a:r>
-            <a:r>
-              <a:rPr lang="en-GB" b="0" i="0" dirty="0">
-                <a:solidFill>
-                  <a:srgbClr val="374151"/>
-                </a:solidFill>
-                <a:effectLst/>
-                <a:latin typeface="Inter var"/>
-              </a:rPr>
-              <a:t> orchestrate the service calls and decide what to do with the data returned.</a:t>
-            </a:r>
-          </a:p>
-          <a:p>
-            <a:r>
-              <a:rPr lang="en-GB" dirty="0"/>
-              <a:t>Services</a:t>
-            </a:r>
-            <a:r>
-              <a:rPr lang="en-GB" b="0" i="0" dirty="0">
-                <a:solidFill>
-                  <a:srgbClr val="374151"/>
-                </a:solidFill>
-                <a:effectLst/>
-                <a:latin typeface="Inter var"/>
-              </a:rPr>
-              <a:t> should contain the majority of your business logic: - logic that encapsulates your business requirements, calls your data access layer or models, calls API's external to the Node application. And in general, contains most of your algorithmic code.</a:t>
-            </a:r>
-            <a:endParaRPr lang="en-IE" dirty="0"/>
-          </a:p>
-        </p:txBody>
-      </p:sp>
-      <p:sp>
-        <p:nvSpPr>
-          <p:cNvPr id="4" name="Slide Number Placeholder 3"/>
-          <p:cNvSpPr>
-            <a:spLocks noGrp="1"/>
-          </p:cNvSpPr>
-          <p:nvPr>
-            <p:ph type="sldNum" sz="quarter" idx="5"/>
-          </p:nvPr>
-        </p:nvSpPr>
-        <p:spPr/>
-        <p:txBody>
-          <a:bodyPr/>
-          <a:lstStyle/>
-          <a:p>
-            <a:fld id="{AC59861C-F775-4B5F-9B70-510B0352620E}" type="slidenum">
-              <a:rPr lang="en-IE" smtClean="0"/>
-              <a:t>21</a:t>
-            </a:fld>
-            <a:endParaRPr lang="en-IE"/>
-          </a:p>
-        </p:txBody>
-      </p:sp>
-    </p:spTree>
-    <p:extLst>
-      <p:ext uri="{BB962C8B-B14F-4D97-AF65-F5344CB8AC3E}">
-        <p14:creationId xmlns:p14="http://schemas.microsoft.com/office/powerpoint/2010/main" val="775796895"/>
-      </p:ext>
-    </p:extLst>
-  </p:cSld>
-  <p:clrMapOvr>
-    <a:masterClrMapping/>
-  </p:clrMapOvr>
-</p:notes>
-</file>
-
 <file path=ppt/slideLayouts/slideLayout1.xml><?xml version="1.0" encoding="utf-8"?>
 <p:sldLayout xmlns:a="http://schemas.openxmlformats.org/drawingml/2006/main" xmlns:r="http://schemas.openxmlformats.org/officeDocument/2006/relationships" xmlns:p="http://schemas.openxmlformats.org/presentationml/2006/main" type="title" preserve="1">
   <p:cSld name="Title Slide">
@@ -1187,7 +912,7 @@
           <a:p>
             <a:fld id="{846CE7D5-CF57-46EF-B807-FDD0502418D4}" type="datetimeFigureOut">
               <a:rPr lang="en-US" smtClean="0"/>
-              <a:t>3/22/2022</a:t>
+              <a:t>3/21/2023</a:t>
             </a:fld>
             <a:endParaRPr lang="en-US"/>
           </a:p>
@@ -1355,7 +1080,7 @@
           <a:p>
             <a:fld id="{846CE7D5-CF57-46EF-B807-FDD0502418D4}" type="datetimeFigureOut">
               <a:rPr lang="en-US" smtClean="0"/>
-              <a:t>3/22/2022</a:t>
+              <a:t>3/21/2023</a:t>
             </a:fld>
             <a:endParaRPr lang="en-US"/>
           </a:p>
@@ -1533,7 +1258,7 @@
           <a:p>
             <a:fld id="{846CE7D5-CF57-46EF-B807-FDD0502418D4}" type="datetimeFigureOut">
               <a:rPr lang="en-US" smtClean="0"/>
-              <a:t>3/22/2022</a:t>
+              <a:t>3/21/2023</a:t>
             </a:fld>
             <a:endParaRPr lang="en-US"/>
           </a:p>
@@ -1701,7 +1426,7 @@
           <a:p>
             <a:fld id="{846CE7D5-CF57-46EF-B807-FDD0502418D4}" type="datetimeFigureOut">
               <a:rPr lang="en-US" smtClean="0"/>
-              <a:t>3/22/2022</a:t>
+              <a:t>3/21/2023</a:t>
             </a:fld>
             <a:endParaRPr lang="en-US"/>
           </a:p>
@@ -1946,7 +1671,7 @@
           <a:p>
             <a:fld id="{846CE7D5-CF57-46EF-B807-FDD0502418D4}" type="datetimeFigureOut">
               <a:rPr lang="en-US" smtClean="0"/>
-              <a:t>3/22/2022</a:t>
+              <a:t>3/21/2023</a:t>
             </a:fld>
             <a:endParaRPr lang="en-US"/>
           </a:p>
@@ -2175,7 +1900,7 @@
           <a:p>
             <a:fld id="{846CE7D5-CF57-46EF-B807-FDD0502418D4}" type="datetimeFigureOut">
               <a:rPr lang="en-US" smtClean="0"/>
-              <a:t>3/22/2022</a:t>
+              <a:t>3/21/2023</a:t>
             </a:fld>
             <a:endParaRPr lang="en-US"/>
           </a:p>
@@ -2539,7 +2264,7 @@
           <a:p>
             <a:fld id="{846CE7D5-CF57-46EF-B807-FDD0502418D4}" type="datetimeFigureOut">
               <a:rPr lang="en-US" smtClean="0"/>
-              <a:t>3/22/2022</a:t>
+              <a:t>3/21/2023</a:t>
             </a:fld>
             <a:endParaRPr lang="en-US"/>
           </a:p>
@@ -2656,7 +2381,7 @@
           <a:p>
             <a:fld id="{846CE7D5-CF57-46EF-B807-FDD0502418D4}" type="datetimeFigureOut">
               <a:rPr lang="en-US" smtClean="0"/>
-              <a:t>3/22/2022</a:t>
+              <a:t>3/21/2023</a:t>
             </a:fld>
             <a:endParaRPr lang="en-US"/>
           </a:p>
@@ -2751,7 +2476,7 @@
           <a:p>
             <a:fld id="{846CE7D5-CF57-46EF-B807-FDD0502418D4}" type="datetimeFigureOut">
               <a:rPr lang="en-US" smtClean="0"/>
-              <a:t>3/22/2022</a:t>
+              <a:t>3/21/2023</a:t>
             </a:fld>
             <a:endParaRPr lang="en-US"/>
           </a:p>
@@ -3026,7 +2751,7 @@
           <a:p>
             <a:fld id="{846CE7D5-CF57-46EF-B807-FDD0502418D4}" type="datetimeFigureOut">
               <a:rPr lang="en-US" smtClean="0"/>
-              <a:t>3/22/2022</a:t>
+              <a:t>3/21/2023</a:t>
             </a:fld>
             <a:endParaRPr lang="en-US"/>
           </a:p>
@@ -3281,7 +3006,7 @@
           <a:p>
             <a:fld id="{846CE7D5-CF57-46EF-B807-FDD0502418D4}" type="datetimeFigureOut">
               <a:rPr lang="en-US" smtClean="0"/>
-              <a:t>3/22/2022</a:t>
+              <a:t>3/21/2023</a:t>
             </a:fld>
             <a:endParaRPr lang="en-US"/>
           </a:p>
@@ -3492,7 +3217,7 @@
           <a:p>
             <a:fld id="{846CE7D5-CF57-46EF-B807-FDD0502418D4}" type="datetimeFigureOut">
               <a:rPr lang="en-US" smtClean="0"/>
-              <a:t>3/22/2022</a:t>
+              <a:t>3/21/2023</a:t>
             </a:fld>
             <a:endParaRPr lang="en-US"/>
           </a:p>
@@ -4072,7 +3797,7 @@
         </p:spPr>
         <p:txBody>
           <a:bodyPr>
-            <a:normAutofit/>
+            <a:normAutofit fontScale="90000"/>
           </a:bodyPr>
           <a:lstStyle/>
           <a:p>
@@ -4085,6 +3810,40 @@
               </a:rPr>
               <a:t>JavaScript Asynchronous Patterns</a:t>
             </a:r>
+            <a:br>
+              <a:rPr lang="en-US" sz="4800" dirty="0">
+                <a:solidFill>
+                  <a:schemeClr val="bg1"/>
+                </a:solidFill>
+                <a:cs typeface="Calibri Light"/>
+              </a:rPr>
+            </a:br>
+            <a:r>
+              <a:rPr lang="en-US" sz="4800" dirty="0">
+                <a:solidFill>
+                  <a:schemeClr val="bg1"/>
+                </a:solidFill>
+                <a:cs typeface="Calibri Light"/>
+              </a:rPr>
+              <a:t>&amp;</a:t>
+            </a:r>
+            <a:br>
+              <a:rPr lang="en-US" sz="4800" dirty="0">
+                <a:solidFill>
+                  <a:schemeClr val="bg1"/>
+                </a:solidFill>
+                <a:cs typeface="Calibri Light"/>
+              </a:rPr>
+            </a:br>
+            <a:r>
+              <a:rPr lang="en-US" sz="4800" dirty="0">
+                <a:solidFill>
+                  <a:schemeClr val="bg1"/>
+                </a:solidFill>
+                <a:cs typeface="Calibri Light"/>
+              </a:rPr>
+              <a:t>Other Features</a:t>
+            </a:r>
             <a:endParaRPr lang="en-US" sz="4800" dirty="0">
               <a:solidFill>
                 <a:schemeClr val="bg1"/>
@@ -4111,7 +3870,7 @@
         </p:spPr>
         <p:txBody>
           <a:bodyPr vert="horz" lIns="91440" tIns="45720" rIns="91440" bIns="45720" rtlCol="0">
-            <a:normAutofit/>
+            <a:normAutofit fontScale="85000" lnSpcReduction="20000"/>
           </a:bodyPr>
           <a:lstStyle/>
           <a:p>
@@ -4123,6 +3882,50 @@
                 <a:cs typeface="Calibri"/>
               </a:rPr>
               <a:t>Async Await</a:t>
+            </a:r>
+          </a:p>
+          <a:p>
+            <a:r>
+              <a:rPr lang="en-US" sz="2000" dirty="0">
+                <a:solidFill>
+                  <a:schemeClr val="bg2"/>
+                </a:solidFill>
+                <a:cs typeface="Calibri"/>
+              </a:rPr>
+              <a:t>Classes</a:t>
+            </a:r>
+          </a:p>
+          <a:p>
+            <a:r>
+              <a:rPr lang="en-US" sz="2000" dirty="0">
+                <a:solidFill>
+                  <a:schemeClr val="bg2"/>
+                </a:solidFill>
+                <a:cs typeface="Calibri"/>
+              </a:rPr>
+              <a:t>Objects</a:t>
+            </a:r>
+          </a:p>
+          <a:p>
+            <a:r>
+              <a:rPr lang="en-US" sz="2000" dirty="0">
+                <a:solidFill>
+                  <a:schemeClr val="bg2"/>
+                </a:solidFill>
+                <a:cs typeface="Calibri"/>
+              </a:rPr>
+              <a:t>Dependency Injection</a:t>
+            </a:r>
+          </a:p>
+          <a:p>
+            <a:r>
+              <a:rPr lang="en-US" sz="2000" dirty="0">
+                <a:solidFill>
+                  <a:schemeClr val="bg2"/>
+                </a:solidFill>
+                <a:cs typeface="Calibri"/>
+              </a:rPr>
+              <a:t>Inversion of Control</a:t>
             </a:r>
             <a:endParaRPr lang="en-US" sz="2000" dirty="0">
               <a:solidFill>
@@ -4584,7 +4387,7 @@
           <p:cNvPr id="2" name="Title 1">
             <a:extLst>
               <a:ext uri="{FF2B5EF4-FFF2-40B4-BE49-F238E27FC236}">
-                <a16:creationId xmlns:a16="http://schemas.microsoft.com/office/drawing/2014/main" id="{57A9C045-3BAC-4F40-AFFD-1D272FDBCCFE}"/>
+                <a16:creationId xmlns:a16="http://schemas.microsoft.com/office/drawing/2014/main" id="{59349BAF-CE7E-473C-AFB7-06E3BB602428}"/>
               </a:ext>
             </a:extLst>
           </p:cNvPr>
@@ -4602,7 +4405,7 @@
           <a:p>
             <a:r>
               <a:rPr lang="en-IE" dirty="0"/>
-              <a:t>Further Asynchronous features…</a:t>
+              <a:t>ES6 Classes</a:t>
             </a:r>
           </a:p>
         </p:txBody>
@@ -4612,7 +4415,7 @@
           <p:cNvPr id="3" name="Text Placeholder 2">
             <a:extLst>
               <a:ext uri="{FF2B5EF4-FFF2-40B4-BE49-F238E27FC236}">
-                <a16:creationId xmlns:a16="http://schemas.microsoft.com/office/drawing/2014/main" id="{8FA012FE-0EE9-48EC-98A5-0E31FF927935}"/>
+                <a16:creationId xmlns:a16="http://schemas.microsoft.com/office/drawing/2014/main" id="{4BCB3672-63E4-46D8-A083-14CD010D2A3E}"/>
               </a:ext>
             </a:extLst>
           </p:cNvPr>
@@ -4635,7 +4438,7 @@
     </p:spTree>
     <p:extLst>
       <p:ext uri="{BB962C8B-B14F-4D97-AF65-F5344CB8AC3E}">
-        <p14:creationId xmlns:p14="http://schemas.microsoft.com/office/powerpoint/2010/main" val="3742225279"/>
+        <p14:creationId xmlns:p14="http://schemas.microsoft.com/office/powerpoint/2010/main" val="2672116004"/>
       </p:ext>
     </p:extLst>
   </p:cSld>
@@ -4667,7 +4470,7 @@
           <p:cNvPr id="2" name="Title 1">
             <a:extLst>
               <a:ext uri="{FF2B5EF4-FFF2-40B4-BE49-F238E27FC236}">
-                <a16:creationId xmlns:a16="http://schemas.microsoft.com/office/drawing/2014/main" id="{B89F1999-59F1-47FC-AF8F-D8CA66216D9B}"/>
+                <a16:creationId xmlns:a16="http://schemas.microsoft.com/office/drawing/2014/main" id="{14679FB4-375B-4370-852D-55AC6FD6F8A9}"/>
               </a:ext>
             </a:extLst>
           </p:cNvPr>
@@ -4684,12 +4487,9 @@
           <a:lstStyle/>
           <a:p>
             <a:r>
-              <a:rPr lang="en-US" dirty="0">
-                <a:cs typeface="Calibri Light"/>
-              </a:rPr>
-              <a:t>Wrapper Function for Error handling</a:t>
-            </a:r>
-            <a:endParaRPr lang="en-US" dirty="0"/>
+              <a:rPr lang="en-IE" dirty="0"/>
+              <a:t>JavaScript Classes</a:t>
+            </a:r>
           </a:p>
         </p:txBody>
       </p:sp>
@@ -4698,7 +4498,7 @@
           <p:cNvPr id="3" name="Content Placeholder 2">
             <a:extLst>
               <a:ext uri="{FF2B5EF4-FFF2-40B4-BE49-F238E27FC236}">
-                <a16:creationId xmlns:a16="http://schemas.microsoft.com/office/drawing/2014/main" id="{58903885-5A6B-4EE9-B68B-CBF71CB80DFA}"/>
+                <a16:creationId xmlns:a16="http://schemas.microsoft.com/office/drawing/2014/main" id="{4C1A38BE-0A42-4906-AC67-AC32E8470A71}"/>
               </a:ext>
             </a:extLst>
           </p:cNvPr>
@@ -4711,760 +4511,266 @@
         </p:nvSpPr>
         <p:spPr>
           <a:xfrm>
-            <a:off x="838200" y="1825625"/>
-            <a:ext cx="4625975" cy="3959708"/>
+            <a:off x="790074" y="1825624"/>
+            <a:ext cx="10515600" cy="4351338"/>
           </a:xfrm>
         </p:spPr>
         <p:txBody>
-          <a:bodyPr vert="horz" lIns="91440" tIns="45720" rIns="91440" bIns="45720" rtlCol="0" anchor="t">
-            <a:normAutofit fontScale="92500"/>
-          </a:bodyPr>
+          <a:bodyPr/>
           <a:lstStyle/>
           <a:p>
             <a:r>
-              <a:rPr lang="en-US" dirty="0">
-                <a:cs typeface="Calibri"/>
-              </a:rPr>
-              <a:t>Express can’t handle promise errors/rejections</a:t>
-            </a:r>
-          </a:p>
-          <a:p>
-            <a:r>
-              <a:rPr lang="en-US" dirty="0">
-                <a:cs typeface="Calibri"/>
-              </a:rPr>
-              <a:t>An Async function always returns a Promise.</a:t>
-            </a:r>
-            <a:endParaRPr lang="en-US" dirty="0"/>
-          </a:p>
-          <a:p>
-            <a:pPr lvl="1"/>
-            <a:r>
-              <a:rPr lang="en-US" dirty="0">
-                <a:cs typeface="Calibri"/>
-              </a:rPr>
-              <a:t>can </a:t>
-            </a:r>
-            <a:r>
-              <a:rPr lang="en-US" i="1" dirty="0">
-                <a:cs typeface="Calibri"/>
-              </a:rPr>
-              <a:t>wrap </a:t>
-            </a:r>
-            <a:r>
-              <a:rPr lang="en-US" dirty="0">
-                <a:cs typeface="Calibri"/>
-              </a:rPr>
-              <a:t>the async function to catch errors in Express Apps</a:t>
-            </a:r>
-          </a:p>
-          <a:p>
-            <a:pPr lvl="1"/>
-            <a:r>
-              <a:rPr lang="en-US" dirty="0">
-                <a:cs typeface="Calibri"/>
-              </a:rPr>
-              <a:t>Can drop try/catch in every async function </a:t>
-            </a:r>
-          </a:p>
-          <a:p>
-            <a:r>
-              <a:rPr lang="en-US" dirty="0">
-                <a:cs typeface="Calibri"/>
-              </a:rPr>
-              <a:t>Makes code more readable</a:t>
-            </a:r>
-            <a:r>
-              <a:rPr lang="en-US" dirty="0">
-                <a:latin typeface="Calibri"/>
-                <a:cs typeface="Calibri"/>
-              </a:rPr>
-              <a:t>?</a:t>
-            </a:r>
-            <a:br>
-              <a:rPr lang="en-US" dirty="0">
-                <a:latin typeface="+mn-ea"/>
-                <a:cs typeface="+mn-ea"/>
-              </a:rPr>
-            </a:br>
-            <a:endParaRPr lang="en-US" dirty="0">
-              <a:latin typeface="Courier New"/>
-              <a:cs typeface="Courier New"/>
-            </a:endParaRPr>
-          </a:p>
-          <a:p>
-            <a:pPr marL="0" indent="0">
-              <a:buNone/>
-            </a:pPr>
-            <a:endParaRPr lang="en-US" dirty="0">
-              <a:cs typeface="Calibri"/>
-            </a:endParaRPr>
-          </a:p>
-        </p:txBody>
-      </p:sp>
-      <p:sp>
-        <p:nvSpPr>
-          <p:cNvPr id="4" name="TextBox 3">
+              <a:rPr lang="en-GB" dirty="0"/>
+              <a:t>ECMAScript 2015, also known as ES6, introduced JavaScript Classes.</a:t>
+            </a:r>
+          </a:p>
+          <a:p>
+            <a:r>
+              <a:rPr lang="en-GB" dirty="0"/>
+              <a:t>Classes are special functions that facilitate the creation of constructors and prototype-based inheritance. </a:t>
+            </a:r>
+            <a:endParaRPr lang="en-IE" dirty="0"/>
+          </a:p>
+        </p:txBody>
+      </p:sp>
+      <p:pic>
+        <p:nvPicPr>
+          <p:cNvPr id="6" name="Picture 5">
             <a:extLst>
               <a:ext uri="{FF2B5EF4-FFF2-40B4-BE49-F238E27FC236}">
-                <a16:creationId xmlns:a16="http://schemas.microsoft.com/office/drawing/2014/main" id="{9AA8114B-BDD1-43E4-B496-EC1F5123C86E}"/>
+                <a16:creationId xmlns:a16="http://schemas.microsoft.com/office/drawing/2014/main" id="{9AC584BD-A8BD-3D58-0222-4913D331FB2D}"/>
               </a:ext>
             </a:extLst>
           </p:cNvPr>
-          <p:cNvSpPr txBox="1"/>
+          <p:cNvPicPr>
+            <a:picLocks noChangeAspect="1"/>
+          </p:cNvPicPr>
           <p:nvPr/>
-        </p:nvSpPr>
+        </p:nvPicPr>
+        <p:blipFill>
+          <a:blip r:embed="rId2"/>
+          <a:stretch>
+            <a:fillRect/>
+          </a:stretch>
+        </p:blipFill>
         <p:spPr>
           <a:xfrm>
-            <a:off x="6015718" y="2047049"/>
-            <a:ext cx="5706303" cy="3516860"/>
+            <a:off x="980953" y="4001293"/>
+            <a:ext cx="2872989" cy="1371719"/>
           </a:xfrm>
           <a:prstGeom prst="rect">
             <a:avLst/>
           </a:prstGeom>
-          <a:solidFill>
-            <a:schemeClr val="tx1">
-              <a:lumMod val="95000"/>
-              <a:lumOff val="5000"/>
-            </a:schemeClr>
-          </a:solidFill>
         </p:spPr>
-        <p:txBody>
-          <a:bodyPr rot="0" spcFirstLastPara="0" vertOverflow="overflow" horzOverflow="overflow" vert="horz" wrap="square" lIns="91440" tIns="45720" rIns="91440" bIns="45720" numCol="1" spcCol="0" rtlCol="0" fromWordArt="0" anchor="t" anchorCtr="0" forceAA="0" compatLnSpc="1">
-            <a:prstTxWarp prst="textNoShape">
-              <a:avLst/>
-            </a:prstTxWarp>
-            <a:spAutoFit/>
-          </a:bodyPr>
-          <a:lstStyle/>
-          <a:p>
-            <a:r>
-              <a:rPr lang="en-IE" b="0" dirty="0">
-                <a:solidFill>
-                  <a:srgbClr val="C586C0"/>
-                </a:solidFill>
-                <a:effectLst/>
-                <a:latin typeface="Consolas" panose="020B0609020204030204" pitchFamily="49" charset="0"/>
-              </a:rPr>
-              <a:t>import</a:t>
-            </a:r>
-            <a:r>
-              <a:rPr lang="en-IE" b="0" dirty="0">
-                <a:solidFill>
-                  <a:srgbClr val="D4D4D4"/>
-                </a:solidFill>
-                <a:effectLst/>
-                <a:latin typeface="Consolas" panose="020B0609020204030204" pitchFamily="49" charset="0"/>
-              </a:rPr>
-              <a:t> </a:t>
-            </a:r>
-            <a:r>
-              <a:rPr lang="en-IE" b="0" dirty="0" err="1">
-                <a:solidFill>
-                  <a:srgbClr val="9CDCFE"/>
-                </a:solidFill>
-                <a:effectLst/>
-                <a:latin typeface="Consolas" panose="020B0609020204030204" pitchFamily="49" charset="0"/>
-              </a:rPr>
-              <a:t>asyncHandler</a:t>
-            </a:r>
-            <a:r>
-              <a:rPr lang="en-IE" b="0" dirty="0">
-                <a:solidFill>
-                  <a:srgbClr val="D4D4D4"/>
-                </a:solidFill>
-                <a:effectLst/>
-                <a:latin typeface="Consolas" panose="020B0609020204030204" pitchFamily="49" charset="0"/>
-              </a:rPr>
-              <a:t> </a:t>
-            </a:r>
-            <a:r>
-              <a:rPr lang="en-IE" b="0" dirty="0">
-                <a:solidFill>
-                  <a:srgbClr val="C586C0"/>
-                </a:solidFill>
-                <a:effectLst/>
-                <a:latin typeface="Consolas" panose="020B0609020204030204" pitchFamily="49" charset="0"/>
-              </a:rPr>
-              <a:t>from</a:t>
-            </a:r>
-            <a:r>
-              <a:rPr lang="en-IE" b="0" dirty="0">
-                <a:solidFill>
-                  <a:srgbClr val="D4D4D4"/>
-                </a:solidFill>
-                <a:effectLst/>
-                <a:latin typeface="Consolas" panose="020B0609020204030204" pitchFamily="49" charset="0"/>
-              </a:rPr>
-              <a:t> </a:t>
-            </a:r>
-            <a:r>
-              <a:rPr lang="en-IE" b="0" dirty="0">
-                <a:solidFill>
-                  <a:srgbClr val="CE9178"/>
-                </a:solidFill>
-                <a:effectLst/>
-                <a:latin typeface="Consolas" panose="020B0609020204030204" pitchFamily="49" charset="0"/>
-              </a:rPr>
-              <a:t>'express-async-handler'</a:t>
-            </a:r>
-            <a:r>
-              <a:rPr lang="en-IE" b="0" dirty="0">
-                <a:solidFill>
-                  <a:srgbClr val="D4D4D4"/>
-                </a:solidFill>
-                <a:effectLst/>
-                <a:latin typeface="Consolas" panose="020B0609020204030204" pitchFamily="49" charset="0"/>
-              </a:rPr>
-              <a:t>;</a:t>
-            </a:r>
-          </a:p>
-          <a:p>
-            <a:br>
-              <a:rPr lang="en-IE" b="0" dirty="0">
-                <a:solidFill>
-                  <a:srgbClr val="D4D4D4"/>
-                </a:solidFill>
-                <a:effectLst/>
-                <a:latin typeface="Consolas" panose="020B0609020204030204" pitchFamily="49" charset="0"/>
-              </a:rPr>
-            </a:br>
-            <a:r>
-              <a:rPr lang="en-IE" b="0" dirty="0" err="1">
-                <a:solidFill>
-                  <a:srgbClr val="569CD6"/>
-                </a:solidFill>
-                <a:effectLst/>
-                <a:latin typeface="Consolas" panose="020B0609020204030204" pitchFamily="49" charset="0"/>
-              </a:rPr>
-              <a:t>const</a:t>
-            </a:r>
-            <a:r>
-              <a:rPr lang="en-IE" b="0" dirty="0">
-                <a:solidFill>
-                  <a:srgbClr val="D4D4D4"/>
-                </a:solidFill>
-                <a:effectLst/>
-                <a:latin typeface="Consolas" panose="020B0609020204030204" pitchFamily="49" charset="0"/>
-              </a:rPr>
-              <a:t> </a:t>
-            </a:r>
-            <a:r>
-              <a:rPr lang="en-IE" b="0" dirty="0">
-                <a:solidFill>
-                  <a:srgbClr val="4FC1FF"/>
-                </a:solidFill>
-                <a:effectLst/>
-                <a:latin typeface="Consolas" panose="020B0609020204030204" pitchFamily="49" charset="0"/>
-              </a:rPr>
-              <a:t>router</a:t>
-            </a:r>
-            <a:r>
-              <a:rPr lang="en-IE" b="0" dirty="0">
-                <a:solidFill>
-                  <a:srgbClr val="D4D4D4"/>
-                </a:solidFill>
-                <a:effectLst/>
-                <a:latin typeface="Consolas" panose="020B0609020204030204" pitchFamily="49" charset="0"/>
-              </a:rPr>
-              <a:t> =</a:t>
-            </a:r>
-            <a:r>
-              <a:rPr lang="en-IE" b="0" dirty="0">
-                <a:solidFill>
-                  <a:srgbClr val="9CDCFE"/>
-                </a:solidFill>
-                <a:effectLst/>
-                <a:latin typeface="Consolas" panose="020B0609020204030204" pitchFamily="49" charset="0"/>
-              </a:rPr>
-              <a:t> </a:t>
-            </a:r>
-            <a:r>
-              <a:rPr lang="en-IE" b="0" dirty="0" err="1">
-                <a:solidFill>
-                  <a:srgbClr val="DCDCAA"/>
-                </a:solidFill>
-                <a:effectLst/>
-                <a:latin typeface="Consolas" panose="020B0609020204030204" pitchFamily="49" charset="0"/>
-              </a:rPr>
-              <a:t>express</a:t>
-            </a:r>
-            <a:r>
-              <a:rPr lang="en-IE" b="0" dirty="0" err="1">
-                <a:solidFill>
-                  <a:srgbClr val="D4D4D4"/>
-                </a:solidFill>
-                <a:effectLst/>
-                <a:latin typeface="Consolas" panose="020B0609020204030204" pitchFamily="49" charset="0"/>
-              </a:rPr>
-              <a:t>.</a:t>
-            </a:r>
-            <a:r>
-              <a:rPr lang="en-IE" b="0" dirty="0" err="1">
-                <a:solidFill>
-                  <a:srgbClr val="DCDCAA"/>
-                </a:solidFill>
-                <a:effectLst/>
-                <a:latin typeface="Consolas" panose="020B0609020204030204" pitchFamily="49" charset="0"/>
-              </a:rPr>
-              <a:t>Router</a:t>
-            </a:r>
-            <a:r>
-              <a:rPr lang="en-IE" b="0" dirty="0">
-                <a:solidFill>
-                  <a:srgbClr val="D4D4D4"/>
-                </a:solidFill>
-                <a:effectLst/>
-                <a:latin typeface="Consolas" panose="020B0609020204030204" pitchFamily="49" charset="0"/>
-              </a:rPr>
-              <a:t>();</a:t>
-            </a:r>
-          </a:p>
-          <a:p>
-            <a:br>
-              <a:rPr lang="en-IE" b="0" dirty="0">
-                <a:solidFill>
-                  <a:srgbClr val="D4D4D4"/>
-                </a:solidFill>
-                <a:effectLst/>
-                <a:latin typeface="Consolas" panose="020B0609020204030204" pitchFamily="49" charset="0"/>
-              </a:rPr>
-            </a:br>
-            <a:r>
-              <a:rPr lang="en-IE" b="0" dirty="0">
-                <a:solidFill>
-                  <a:srgbClr val="6A9955"/>
-                </a:solidFill>
-                <a:effectLst/>
-                <a:latin typeface="Consolas" panose="020B0609020204030204" pitchFamily="49" charset="0"/>
-              </a:rPr>
-              <a:t>// Get all users</a:t>
-            </a:r>
-            <a:endParaRPr lang="en-IE" b="0" dirty="0">
-              <a:solidFill>
-                <a:srgbClr val="D4D4D4"/>
-              </a:solidFill>
-              <a:effectLst/>
-              <a:latin typeface="Consolas" panose="020B0609020204030204" pitchFamily="49" charset="0"/>
-            </a:endParaRPr>
-          </a:p>
-          <a:p>
-            <a:r>
-              <a:rPr lang="en-IE" b="0" dirty="0" err="1">
-                <a:solidFill>
-                  <a:srgbClr val="4FC1FF"/>
-                </a:solidFill>
-                <a:effectLst/>
-                <a:latin typeface="Consolas" panose="020B0609020204030204" pitchFamily="49" charset="0"/>
-              </a:rPr>
-              <a:t>router</a:t>
-            </a:r>
-            <a:r>
-              <a:rPr lang="en-IE" b="0" dirty="0" err="1">
-                <a:solidFill>
-                  <a:srgbClr val="D4D4D4"/>
-                </a:solidFill>
-                <a:effectLst/>
-                <a:latin typeface="Consolas" panose="020B0609020204030204" pitchFamily="49" charset="0"/>
-              </a:rPr>
-              <a:t>.</a:t>
-            </a:r>
-            <a:r>
-              <a:rPr lang="en-IE" b="0" dirty="0" err="1">
-                <a:solidFill>
-                  <a:srgbClr val="DCDCAA"/>
-                </a:solidFill>
-                <a:effectLst/>
-                <a:latin typeface="Consolas" panose="020B0609020204030204" pitchFamily="49" charset="0"/>
-              </a:rPr>
-              <a:t>get</a:t>
-            </a:r>
-            <a:r>
-              <a:rPr lang="en-IE" b="0" dirty="0">
-                <a:solidFill>
-                  <a:srgbClr val="D4D4D4"/>
-                </a:solidFill>
-                <a:effectLst/>
-                <a:latin typeface="Consolas" panose="020B0609020204030204" pitchFamily="49" charset="0"/>
-              </a:rPr>
-              <a:t>(</a:t>
-            </a:r>
-            <a:r>
-              <a:rPr lang="en-IE" b="0" dirty="0">
-                <a:solidFill>
-                  <a:srgbClr val="CE9178"/>
-                </a:solidFill>
-                <a:effectLst/>
-                <a:latin typeface="Consolas" panose="020B0609020204030204" pitchFamily="49" charset="0"/>
-              </a:rPr>
-              <a:t>'/'</a:t>
-            </a:r>
-            <a:r>
-              <a:rPr lang="en-IE" b="0" dirty="0">
-                <a:solidFill>
-                  <a:srgbClr val="D4D4D4"/>
-                </a:solidFill>
-                <a:effectLst/>
-                <a:latin typeface="Consolas" panose="020B0609020204030204" pitchFamily="49" charset="0"/>
-              </a:rPr>
-              <a:t>, </a:t>
-            </a:r>
-            <a:r>
-              <a:rPr lang="en-IE" b="0" dirty="0" err="1">
-                <a:solidFill>
-                  <a:srgbClr val="DCDCAA"/>
-                </a:solidFill>
-                <a:effectLst/>
-                <a:latin typeface="Consolas" panose="020B0609020204030204" pitchFamily="49" charset="0"/>
-              </a:rPr>
-              <a:t>asyncHandler</a:t>
-            </a:r>
-            <a:r>
-              <a:rPr lang="en-IE" b="0" dirty="0">
-                <a:solidFill>
-                  <a:srgbClr val="D4D4D4"/>
-                </a:solidFill>
-                <a:effectLst/>
-                <a:latin typeface="Consolas" panose="020B0609020204030204" pitchFamily="49" charset="0"/>
-              </a:rPr>
-              <a:t>(</a:t>
-            </a:r>
-            <a:r>
-              <a:rPr lang="en-IE" b="0" dirty="0">
-                <a:solidFill>
-                  <a:srgbClr val="569CD6"/>
-                </a:solidFill>
-                <a:effectLst/>
-                <a:latin typeface="Consolas" panose="020B0609020204030204" pitchFamily="49" charset="0"/>
-              </a:rPr>
-              <a:t>async</a:t>
-            </a:r>
-            <a:r>
-              <a:rPr lang="en-IE" b="0" dirty="0">
-                <a:solidFill>
-                  <a:srgbClr val="D4D4D4"/>
-                </a:solidFill>
-                <a:effectLst/>
-                <a:latin typeface="Consolas" panose="020B0609020204030204" pitchFamily="49" charset="0"/>
-              </a:rPr>
-              <a:t> (</a:t>
-            </a:r>
-            <a:r>
-              <a:rPr lang="en-IE" b="0" dirty="0" err="1">
-                <a:solidFill>
-                  <a:srgbClr val="9CDCFE"/>
-                </a:solidFill>
-                <a:effectLst/>
-                <a:latin typeface="Consolas" panose="020B0609020204030204" pitchFamily="49" charset="0"/>
-              </a:rPr>
-              <a:t>req</a:t>
-            </a:r>
-            <a:r>
-              <a:rPr lang="en-IE" b="0" dirty="0">
-                <a:solidFill>
-                  <a:srgbClr val="D4D4D4"/>
-                </a:solidFill>
-                <a:effectLst/>
-                <a:latin typeface="Consolas" panose="020B0609020204030204" pitchFamily="49" charset="0"/>
-              </a:rPr>
-              <a:t>, </a:t>
-            </a:r>
-            <a:r>
-              <a:rPr lang="en-IE" b="0" dirty="0">
-                <a:solidFill>
-                  <a:srgbClr val="9CDCFE"/>
-                </a:solidFill>
-                <a:effectLst/>
-                <a:latin typeface="Consolas" panose="020B0609020204030204" pitchFamily="49" charset="0"/>
-              </a:rPr>
-              <a:t>res</a:t>
-            </a:r>
-            <a:r>
-              <a:rPr lang="en-IE" b="0" dirty="0">
-                <a:solidFill>
-                  <a:srgbClr val="D4D4D4"/>
-                </a:solidFill>
-                <a:effectLst/>
-                <a:latin typeface="Consolas" panose="020B0609020204030204" pitchFamily="49" charset="0"/>
-              </a:rPr>
-              <a:t>) </a:t>
-            </a:r>
-            <a:r>
-              <a:rPr lang="en-IE" b="0" dirty="0">
-                <a:solidFill>
-                  <a:srgbClr val="569CD6"/>
-                </a:solidFill>
-                <a:effectLst/>
-                <a:latin typeface="Consolas" panose="020B0609020204030204" pitchFamily="49" charset="0"/>
-              </a:rPr>
-              <a:t>=&gt;</a:t>
-            </a:r>
-            <a:r>
-              <a:rPr lang="en-IE" b="0" dirty="0">
-                <a:solidFill>
-                  <a:srgbClr val="D4D4D4"/>
-                </a:solidFill>
-                <a:effectLst/>
-                <a:latin typeface="Consolas" panose="020B0609020204030204" pitchFamily="49" charset="0"/>
-              </a:rPr>
-              <a:t> {</a:t>
-            </a:r>
-          </a:p>
-          <a:p>
-            <a:r>
-              <a:rPr lang="en-IE" b="0" dirty="0">
-                <a:solidFill>
-                  <a:srgbClr val="D4D4D4"/>
-                </a:solidFill>
-                <a:effectLst/>
-                <a:latin typeface="Consolas" panose="020B0609020204030204" pitchFamily="49" charset="0"/>
-              </a:rPr>
-              <a:t>    </a:t>
-            </a:r>
-            <a:r>
-              <a:rPr lang="en-IE" b="0" dirty="0" err="1">
-                <a:solidFill>
-                  <a:srgbClr val="569CD6"/>
-                </a:solidFill>
-                <a:effectLst/>
-                <a:latin typeface="Consolas" panose="020B0609020204030204" pitchFamily="49" charset="0"/>
-              </a:rPr>
-              <a:t>const</a:t>
-            </a:r>
-            <a:r>
-              <a:rPr lang="en-IE" b="0" dirty="0">
-                <a:solidFill>
-                  <a:srgbClr val="D4D4D4"/>
-                </a:solidFill>
-                <a:effectLst/>
-                <a:latin typeface="Consolas" panose="020B0609020204030204" pitchFamily="49" charset="0"/>
-              </a:rPr>
-              <a:t> </a:t>
-            </a:r>
-            <a:r>
-              <a:rPr lang="en-IE" b="0" dirty="0">
-                <a:solidFill>
-                  <a:srgbClr val="4FC1FF"/>
-                </a:solidFill>
-                <a:effectLst/>
-                <a:latin typeface="Consolas" panose="020B0609020204030204" pitchFamily="49" charset="0"/>
-              </a:rPr>
-              <a:t>users</a:t>
-            </a:r>
-            <a:r>
-              <a:rPr lang="en-IE" b="0" dirty="0">
-                <a:solidFill>
-                  <a:srgbClr val="D4D4D4"/>
-                </a:solidFill>
-                <a:effectLst/>
-                <a:latin typeface="Consolas" panose="020B0609020204030204" pitchFamily="49" charset="0"/>
-              </a:rPr>
-              <a:t> = </a:t>
-            </a:r>
-            <a:r>
-              <a:rPr lang="en-IE" b="0" dirty="0">
-                <a:solidFill>
-                  <a:srgbClr val="C586C0"/>
-                </a:solidFill>
-                <a:effectLst/>
-                <a:latin typeface="Consolas" panose="020B0609020204030204" pitchFamily="49" charset="0"/>
-              </a:rPr>
-              <a:t>await</a:t>
-            </a:r>
-            <a:r>
-              <a:rPr lang="en-IE" b="0" dirty="0">
-                <a:solidFill>
-                  <a:srgbClr val="D4D4D4"/>
-                </a:solidFill>
-                <a:effectLst/>
-                <a:latin typeface="Consolas" panose="020B0609020204030204" pitchFamily="49" charset="0"/>
-              </a:rPr>
-              <a:t> </a:t>
-            </a:r>
-            <a:r>
-              <a:rPr lang="en-IE" b="0" dirty="0" err="1">
-                <a:solidFill>
-                  <a:srgbClr val="9CDCFE"/>
-                </a:solidFill>
-                <a:effectLst/>
-                <a:latin typeface="Consolas" panose="020B0609020204030204" pitchFamily="49" charset="0"/>
-              </a:rPr>
-              <a:t>User</a:t>
-            </a:r>
-            <a:r>
-              <a:rPr lang="en-IE" b="0" dirty="0" err="1">
-                <a:solidFill>
-                  <a:srgbClr val="D4D4D4"/>
-                </a:solidFill>
-                <a:effectLst/>
-                <a:latin typeface="Consolas" panose="020B0609020204030204" pitchFamily="49" charset="0"/>
-              </a:rPr>
-              <a:t>.</a:t>
-            </a:r>
-            <a:r>
-              <a:rPr lang="en-IE" b="0" dirty="0" err="1">
-                <a:solidFill>
-                  <a:srgbClr val="DCDCAA"/>
-                </a:solidFill>
-                <a:effectLst/>
-                <a:latin typeface="Consolas" panose="020B0609020204030204" pitchFamily="49" charset="0"/>
-              </a:rPr>
-              <a:t>find</a:t>
-            </a:r>
-            <a:r>
-              <a:rPr lang="en-IE" b="0" dirty="0">
-                <a:solidFill>
-                  <a:srgbClr val="D4D4D4"/>
-                </a:solidFill>
-                <a:effectLst/>
-                <a:latin typeface="Consolas" panose="020B0609020204030204" pitchFamily="49" charset="0"/>
-              </a:rPr>
-              <a:t>();</a:t>
-            </a:r>
-          </a:p>
-          <a:p>
-            <a:r>
-              <a:rPr lang="en-IE" b="0" dirty="0">
-                <a:solidFill>
-                  <a:srgbClr val="9CDCFE"/>
-                </a:solidFill>
-                <a:effectLst/>
-                <a:latin typeface="Consolas" panose="020B0609020204030204" pitchFamily="49" charset="0"/>
-              </a:rPr>
-              <a:t>    </a:t>
-            </a:r>
-            <a:r>
-              <a:rPr lang="en-IE" b="0" dirty="0" err="1">
-                <a:solidFill>
-                  <a:srgbClr val="9CDCFE"/>
-                </a:solidFill>
-                <a:effectLst/>
-                <a:latin typeface="Consolas" panose="020B0609020204030204" pitchFamily="49" charset="0"/>
-              </a:rPr>
-              <a:t>res</a:t>
-            </a:r>
-            <a:r>
-              <a:rPr lang="en-IE" b="0" dirty="0" err="1">
-                <a:solidFill>
-                  <a:srgbClr val="D4D4D4"/>
-                </a:solidFill>
-                <a:effectLst/>
-                <a:latin typeface="Consolas" panose="020B0609020204030204" pitchFamily="49" charset="0"/>
-              </a:rPr>
-              <a:t>.</a:t>
-            </a:r>
-            <a:r>
-              <a:rPr lang="en-IE" b="0" dirty="0" err="1">
-                <a:solidFill>
-                  <a:srgbClr val="DCDCAA"/>
-                </a:solidFill>
-                <a:effectLst/>
-                <a:latin typeface="Consolas" panose="020B0609020204030204" pitchFamily="49" charset="0"/>
-              </a:rPr>
-              <a:t>status</a:t>
-            </a:r>
-            <a:r>
-              <a:rPr lang="en-IE" b="0" dirty="0">
-                <a:solidFill>
-                  <a:srgbClr val="D4D4D4"/>
-                </a:solidFill>
-                <a:effectLst/>
-                <a:latin typeface="Consolas" panose="020B0609020204030204" pitchFamily="49" charset="0"/>
-              </a:rPr>
-              <a:t>(</a:t>
-            </a:r>
-            <a:r>
-              <a:rPr lang="en-IE" b="0" dirty="0">
-                <a:solidFill>
-                  <a:srgbClr val="B5CEA8"/>
-                </a:solidFill>
-                <a:effectLst/>
-                <a:latin typeface="Consolas" panose="020B0609020204030204" pitchFamily="49" charset="0"/>
-              </a:rPr>
-              <a:t>200</a:t>
-            </a:r>
-            <a:r>
-              <a:rPr lang="en-IE" b="0" dirty="0">
-                <a:solidFill>
-                  <a:srgbClr val="D4D4D4"/>
-                </a:solidFill>
-                <a:effectLst/>
-                <a:latin typeface="Consolas" panose="020B0609020204030204" pitchFamily="49" charset="0"/>
-              </a:rPr>
-              <a:t>).</a:t>
-            </a:r>
-            <a:r>
-              <a:rPr lang="en-IE" b="0" dirty="0">
-                <a:solidFill>
-                  <a:srgbClr val="DCDCAA"/>
-                </a:solidFill>
-                <a:effectLst/>
-                <a:latin typeface="Consolas" panose="020B0609020204030204" pitchFamily="49" charset="0"/>
-              </a:rPr>
-              <a:t>json</a:t>
-            </a:r>
-            <a:r>
-              <a:rPr lang="en-IE" b="0" dirty="0">
-                <a:solidFill>
-                  <a:srgbClr val="D4D4D4"/>
-                </a:solidFill>
-                <a:effectLst/>
-                <a:latin typeface="Consolas" panose="020B0609020204030204" pitchFamily="49" charset="0"/>
-              </a:rPr>
-              <a:t>(</a:t>
-            </a:r>
-            <a:r>
-              <a:rPr lang="en-IE" b="0" dirty="0">
-                <a:solidFill>
-                  <a:srgbClr val="4FC1FF"/>
-                </a:solidFill>
-                <a:effectLst/>
-                <a:latin typeface="Consolas" panose="020B0609020204030204" pitchFamily="49" charset="0"/>
-              </a:rPr>
-              <a:t>users</a:t>
-            </a:r>
-            <a:r>
-              <a:rPr lang="en-IE" b="0" dirty="0">
-                <a:solidFill>
-                  <a:srgbClr val="D4D4D4"/>
-                </a:solidFill>
-                <a:effectLst/>
-                <a:latin typeface="Consolas" panose="020B0609020204030204" pitchFamily="49" charset="0"/>
-              </a:rPr>
-              <a:t>);</a:t>
-            </a:r>
-          </a:p>
-          <a:p>
-            <a:r>
-              <a:rPr lang="en-IE" b="0" dirty="0">
-                <a:solidFill>
-                  <a:srgbClr val="D4D4D4"/>
-                </a:solidFill>
-                <a:effectLst/>
-                <a:latin typeface="Consolas" panose="020B0609020204030204" pitchFamily="49" charset="0"/>
-              </a:rPr>
-              <a:t>}));</a:t>
-            </a:r>
-          </a:p>
-          <a:p>
-            <a:pPr>
-              <a:lnSpc>
-                <a:spcPct val="90000"/>
-              </a:lnSpc>
-              <a:spcBef>
-                <a:spcPts val="1000"/>
-              </a:spcBef>
-            </a:pPr>
-            <a:endParaRPr lang="en-US" dirty="0">
-              <a:cs typeface="Calibri"/>
-            </a:endParaRPr>
-          </a:p>
-        </p:txBody>
-      </p:sp>
+      </p:pic>
+      <p:pic>
+        <p:nvPicPr>
+          <p:cNvPr id="10" name="Picture 9">
+            <a:extLst>
+              <a:ext uri="{FF2B5EF4-FFF2-40B4-BE49-F238E27FC236}">
+                <a16:creationId xmlns:a16="http://schemas.microsoft.com/office/drawing/2014/main" id="{E4F17334-CFA0-F244-2972-09A8BF60F8E8}"/>
+              </a:ext>
+            </a:extLst>
+          </p:cNvPr>
+          <p:cNvPicPr>
+            <a:picLocks noChangeAspect="1"/>
+          </p:cNvPicPr>
+          <p:nvPr/>
+        </p:nvPicPr>
+        <p:blipFill>
+          <a:blip r:embed="rId3"/>
+          <a:stretch>
+            <a:fillRect/>
+          </a:stretch>
+        </p:blipFill>
+        <p:spPr>
+          <a:xfrm>
+            <a:off x="5594761" y="4022160"/>
+            <a:ext cx="4572396" cy="1295512"/>
+          </a:xfrm>
+          <a:prstGeom prst="rect">
+            <a:avLst/>
+          </a:prstGeom>
+        </p:spPr>
+      </p:pic>
+      <p:grpSp>
+        <p:nvGrpSpPr>
+          <p:cNvPr id="17" name="Group 16">
+            <a:extLst>
+              <a:ext uri="{FF2B5EF4-FFF2-40B4-BE49-F238E27FC236}">
+                <a16:creationId xmlns:a16="http://schemas.microsoft.com/office/drawing/2014/main" id="{E188618D-BD00-6666-FD1F-3968EF55238A}"/>
+              </a:ext>
+            </a:extLst>
+          </p:cNvPr>
+          <p:cNvGrpSpPr/>
+          <p:nvPr/>
+        </p:nvGrpSpPr>
+        <p:grpSpPr>
+          <a:xfrm>
+            <a:off x="4422186" y="4169037"/>
+            <a:ext cx="5078520" cy="838080"/>
+            <a:chOff x="4422186" y="4169037"/>
+            <a:chExt cx="5078520" cy="838080"/>
+          </a:xfrm>
+        </p:grpSpPr>
+        <mc:AlternateContent xmlns:mc="http://schemas.openxmlformats.org/markup-compatibility/2006">
+          <mc:Choice xmlns:p14="http://schemas.microsoft.com/office/powerpoint/2010/main" Requires="p14">
+            <p:contentPart p14:bwMode="auto" r:id="rId4">
+              <p14:nvContentPartPr>
+                <p14:cNvPr id="13" name="Ink 12">
+                  <a:extLst>
+                    <a:ext uri="{FF2B5EF4-FFF2-40B4-BE49-F238E27FC236}">
+                      <a16:creationId xmlns:a16="http://schemas.microsoft.com/office/drawing/2014/main" id="{041CB5B8-529C-B1BB-7960-E0D94E4376DD}"/>
+                    </a:ext>
+                  </a:extLst>
+                </p14:cNvPr>
+                <p14:cNvContentPartPr/>
+                <p14:nvPr/>
+              </p14:nvContentPartPr>
+              <p14:xfrm>
+                <a:off x="4422186" y="4246797"/>
+                <a:ext cx="1428120" cy="709560"/>
+              </p14:xfrm>
+            </p:contentPart>
+          </mc:Choice>
+          <mc:Fallback>
+            <p:pic>
+              <p:nvPicPr>
+                <p:cNvPr id="13" name="Ink 12">
+                  <a:extLst>
+                    <a:ext uri="{FF2B5EF4-FFF2-40B4-BE49-F238E27FC236}">
+                      <a16:creationId xmlns:a16="http://schemas.microsoft.com/office/drawing/2014/main" id="{041CB5B8-529C-B1BB-7960-E0D94E4376DD}"/>
+                    </a:ext>
+                  </a:extLst>
+                </p:cNvPr>
+                <p:cNvPicPr/>
+                <p:nvPr/>
+              </p:nvPicPr>
+              <p:blipFill>
+                <a:blip r:embed="rId5"/>
+                <a:stretch>
+                  <a:fillRect/>
+                </a:stretch>
+              </p:blipFill>
+              <p:spPr>
+                <a:xfrm>
+                  <a:off x="4404186" y="4229157"/>
+                  <a:ext cx="1463760" cy="745200"/>
+                </a:xfrm>
+                <a:prstGeom prst="rect">
+                  <a:avLst/>
+                </a:prstGeom>
+              </p:spPr>
+            </p:pic>
+          </mc:Fallback>
+        </mc:AlternateContent>
+        <mc:AlternateContent xmlns:mc="http://schemas.openxmlformats.org/markup-compatibility/2006">
+          <mc:Choice xmlns:p14="http://schemas.microsoft.com/office/powerpoint/2010/main" Requires="p14">
+            <p:contentPart p14:bwMode="auto" r:id="rId6">
+              <p14:nvContentPartPr>
+                <p14:cNvPr id="14" name="Ink 13">
+                  <a:extLst>
+                    <a:ext uri="{FF2B5EF4-FFF2-40B4-BE49-F238E27FC236}">
+                      <a16:creationId xmlns:a16="http://schemas.microsoft.com/office/drawing/2014/main" id="{865CF19F-C13F-483F-9EF0-6272B65304ED}"/>
+                    </a:ext>
+                  </a:extLst>
+                </p14:cNvPr>
+                <p14:cNvContentPartPr/>
+                <p14:nvPr/>
+              </p14:nvContentPartPr>
+              <p14:xfrm>
+                <a:off x="5613066" y="4169037"/>
+                <a:ext cx="235080" cy="212760"/>
+              </p14:xfrm>
+            </p:contentPart>
+          </mc:Choice>
+          <mc:Fallback>
+            <p:pic>
+              <p:nvPicPr>
+                <p:cNvPr id="14" name="Ink 13">
+                  <a:extLst>
+                    <a:ext uri="{FF2B5EF4-FFF2-40B4-BE49-F238E27FC236}">
+                      <a16:creationId xmlns:a16="http://schemas.microsoft.com/office/drawing/2014/main" id="{865CF19F-C13F-483F-9EF0-6272B65304ED}"/>
+                    </a:ext>
+                  </a:extLst>
+                </p:cNvPr>
+                <p:cNvPicPr/>
+                <p:nvPr/>
+              </p:nvPicPr>
+              <p:blipFill>
+                <a:blip r:embed="rId7"/>
+                <a:stretch>
+                  <a:fillRect/>
+                </a:stretch>
+              </p:blipFill>
+              <p:spPr>
+                <a:xfrm>
+                  <a:off x="5595426" y="4151397"/>
+                  <a:ext cx="270720" cy="248400"/>
+                </a:xfrm>
+                <a:prstGeom prst="rect">
+                  <a:avLst/>
+                </a:prstGeom>
+              </p:spPr>
+            </p:pic>
+          </mc:Fallback>
+        </mc:AlternateContent>
+        <mc:AlternateContent xmlns:mc="http://schemas.openxmlformats.org/markup-compatibility/2006">
+          <mc:Choice xmlns:p14="http://schemas.microsoft.com/office/powerpoint/2010/main" Requires="p14">
+            <p:contentPart p14:bwMode="auto" r:id="rId8">
+              <p14:nvContentPartPr>
+                <p14:cNvPr id="16" name="Ink 15">
+                  <a:extLst>
+                    <a:ext uri="{FF2B5EF4-FFF2-40B4-BE49-F238E27FC236}">
+                      <a16:creationId xmlns:a16="http://schemas.microsoft.com/office/drawing/2014/main" id="{2A32BF1F-7888-91E2-9337-4CE989BC2C21}"/>
+                    </a:ext>
+                  </a:extLst>
+                </p14:cNvPr>
+                <p14:cNvContentPartPr/>
+                <p14:nvPr/>
+              </p14:nvContentPartPr>
+              <p14:xfrm>
+                <a:off x="5793426" y="4599237"/>
+                <a:ext cx="3707280" cy="407880"/>
+              </p14:xfrm>
+            </p:contentPart>
+          </mc:Choice>
+          <mc:Fallback>
+            <p:pic>
+              <p:nvPicPr>
+                <p:cNvPr id="16" name="Ink 15">
+                  <a:extLst>
+                    <a:ext uri="{FF2B5EF4-FFF2-40B4-BE49-F238E27FC236}">
+                      <a16:creationId xmlns:a16="http://schemas.microsoft.com/office/drawing/2014/main" id="{2A32BF1F-7888-91E2-9337-4CE989BC2C21}"/>
+                    </a:ext>
+                  </a:extLst>
+                </p:cNvPr>
+                <p:cNvPicPr/>
+                <p:nvPr/>
+              </p:nvPicPr>
+              <p:blipFill>
+                <a:blip r:embed="rId9"/>
+                <a:stretch>
+                  <a:fillRect/>
+                </a:stretch>
+              </p:blipFill>
+              <p:spPr>
+                <a:xfrm>
+                  <a:off x="5775426" y="4581597"/>
+                  <a:ext cx="3742920" cy="443520"/>
+                </a:xfrm>
+                <a:prstGeom prst="rect">
+                  <a:avLst/>
+                </a:prstGeom>
+              </p:spPr>
+            </p:pic>
+          </mc:Fallback>
+        </mc:AlternateContent>
+      </p:grpSp>
     </p:spTree>
     <p:extLst>
       <p:ext uri="{BB962C8B-B14F-4D97-AF65-F5344CB8AC3E}">
-        <p14:creationId xmlns:p14="http://schemas.microsoft.com/office/powerpoint/2010/main" val="324706302"/>
+        <p14:creationId xmlns:p14="http://schemas.microsoft.com/office/powerpoint/2010/main" val="682806529"/>
       </p:ext>
     </p:extLst>
   </p:cSld>
@@ -5496,741 +4802,6 @@
           <p:cNvPr id="2" name="Title 1">
             <a:extLst>
               <a:ext uri="{FF2B5EF4-FFF2-40B4-BE49-F238E27FC236}">
-                <a16:creationId xmlns:a16="http://schemas.microsoft.com/office/drawing/2014/main" id="{65B4BA7F-3D7F-4438-B80E-8F1485E2748A}"/>
-              </a:ext>
-            </a:extLst>
-          </p:cNvPr>
-          <p:cNvSpPr>
-            <a:spLocks noGrp="1"/>
-          </p:cNvSpPr>
-          <p:nvPr>
-            <p:ph type="title"/>
-          </p:nvPr>
-        </p:nvSpPr>
-        <p:spPr/>
-        <p:txBody>
-          <a:bodyPr/>
-          <a:lstStyle/>
-          <a:p>
-            <a:r>
-              <a:rPr lang="en-US">
-                <a:cs typeface="Calibri Light"/>
-              </a:rPr>
-              <a:t>Parallelism</a:t>
-            </a:r>
-            <a:endParaRPr lang="en-US"/>
-          </a:p>
-        </p:txBody>
-      </p:sp>
-      <p:sp>
-        <p:nvSpPr>
-          <p:cNvPr id="3" name="Content Placeholder 2">
-            <a:extLst>
-              <a:ext uri="{FF2B5EF4-FFF2-40B4-BE49-F238E27FC236}">
-                <a16:creationId xmlns:a16="http://schemas.microsoft.com/office/drawing/2014/main" id="{45392420-C954-4C58-ADB0-517E955D7887}"/>
-              </a:ext>
-            </a:extLst>
-          </p:cNvPr>
-          <p:cNvSpPr>
-            <a:spLocks noGrp="1"/>
-          </p:cNvSpPr>
-          <p:nvPr>
-            <p:ph idx="1"/>
-          </p:nvPr>
-        </p:nvSpPr>
-        <p:spPr>
-          <a:xfrm>
-            <a:off x="838200" y="1825625"/>
-            <a:ext cx="4392771" cy="4351338"/>
-          </a:xfrm>
-        </p:spPr>
-        <p:txBody>
-          <a:bodyPr vert="horz" lIns="91440" tIns="45720" rIns="91440" bIns="45720" rtlCol="0" anchor="t">
-            <a:normAutofit/>
-          </a:bodyPr>
-          <a:lstStyle/>
-          <a:p>
-            <a:r>
-              <a:rPr lang="en-US" dirty="0">
-                <a:cs typeface="Calibri"/>
-              </a:rPr>
-              <a:t>Some processes need to be sequential</a:t>
-            </a:r>
-          </a:p>
-          <a:p>
-            <a:pPr lvl="1"/>
-            <a:r>
-              <a:rPr lang="en-US" dirty="0" err="1">
-                <a:cs typeface="Calibri"/>
-              </a:rPr>
-              <a:t>Eg.</a:t>
-            </a:r>
-            <a:r>
-              <a:rPr lang="en-US" dirty="0">
-                <a:cs typeface="Calibri"/>
-              </a:rPr>
-              <a:t> Had to get data back from API </a:t>
-            </a:r>
-            <a:r>
-              <a:rPr lang="en-US" b="1" dirty="0">
-                <a:cs typeface="Calibri"/>
-              </a:rPr>
-              <a:t>BEFORE</a:t>
-            </a:r>
-            <a:r>
-              <a:rPr lang="en-US" dirty="0">
-                <a:cs typeface="Calibri"/>
-              </a:rPr>
-              <a:t> getting link URL</a:t>
-            </a:r>
-          </a:p>
-          <a:p>
-            <a:r>
-              <a:rPr lang="en-US" dirty="0">
-                <a:cs typeface="Calibri"/>
-              </a:rPr>
-              <a:t>REMEMBER: Should only be sequential if you need to be... </a:t>
-            </a:r>
-          </a:p>
-        </p:txBody>
-      </p:sp>
-      <p:sp>
-        <p:nvSpPr>
-          <p:cNvPr id="4" name="TextBox 3">
-            <a:extLst>
-              <a:ext uri="{FF2B5EF4-FFF2-40B4-BE49-F238E27FC236}">
-                <a16:creationId xmlns:a16="http://schemas.microsoft.com/office/drawing/2014/main" id="{08792E23-446C-45F6-A7B9-506858A62613}"/>
-              </a:ext>
-            </a:extLst>
-          </p:cNvPr>
-          <p:cNvSpPr txBox="1"/>
-          <p:nvPr/>
-        </p:nvSpPr>
-        <p:spPr>
-          <a:xfrm>
-            <a:off x="5906024" y="1152525"/>
-            <a:ext cx="6096000" cy="1477328"/>
-          </a:xfrm>
-          <a:prstGeom prst="rect">
-            <a:avLst/>
-          </a:prstGeom>
-        </p:spPr>
-        <p:style>
-          <a:lnRef idx="1">
-            <a:schemeClr val="accent1"/>
-          </a:lnRef>
-          <a:fillRef idx="2">
-            <a:schemeClr val="accent1"/>
-          </a:fillRef>
-          <a:effectRef idx="1">
-            <a:schemeClr val="accent1"/>
-          </a:effectRef>
-          <a:fontRef idx="minor">
-            <a:schemeClr val="dk1"/>
-          </a:fontRef>
-        </p:style>
-        <p:txBody>
-          <a:bodyPr rot="0" spcFirstLastPara="0" vertOverflow="overflow" horzOverflow="overflow" vert="horz" wrap="square" lIns="91440" tIns="45720" rIns="91440" bIns="45720" numCol="1" spcCol="0" rtlCol="0" fromWordArt="0" anchor="t" anchorCtr="0" forceAA="0" compatLnSpc="1">
-            <a:prstTxWarp prst="textNoShape">
-              <a:avLst/>
-            </a:prstTxWarp>
-            <a:spAutoFit/>
-          </a:bodyPr>
-          <a:lstStyle/>
-          <a:p>
-            <a:r>
-              <a:rPr lang="en-US" dirty="0"/>
-              <a:t>async function series() {</a:t>
-            </a:r>
-            <a:br>
-              <a:rPr lang="en-US" dirty="0"/>
-            </a:br>
-            <a:r>
-              <a:rPr lang="en-US" dirty="0"/>
-              <a:t>  await wait(500); // Wait 500ms…</a:t>
-            </a:r>
-            <a:br>
-              <a:rPr lang="en-US" dirty="0"/>
-            </a:br>
-            <a:r>
-              <a:rPr lang="en-US" dirty="0"/>
-              <a:t>  await wait(500); // …then wait another 500ms.</a:t>
-            </a:r>
-            <a:br>
-              <a:rPr lang="en-US" dirty="0"/>
-            </a:br>
-            <a:r>
-              <a:rPr lang="en-US" dirty="0"/>
-              <a:t>  return "done!";</a:t>
-            </a:r>
-            <a:br>
-              <a:rPr lang="en-US" dirty="0"/>
-            </a:br>
-            <a:r>
-              <a:rPr lang="en-US" dirty="0"/>
-              <a:t>}</a:t>
-            </a:r>
-          </a:p>
-        </p:txBody>
-      </p:sp>
-      <p:sp>
-        <p:nvSpPr>
-          <p:cNvPr id="5" name="TextBox 4">
-            <a:extLst>
-              <a:ext uri="{FF2B5EF4-FFF2-40B4-BE49-F238E27FC236}">
-                <a16:creationId xmlns:a16="http://schemas.microsoft.com/office/drawing/2014/main" id="{F2C665FA-E1F4-494C-A095-1D782D13C48B}"/>
-              </a:ext>
-            </a:extLst>
-          </p:cNvPr>
-          <p:cNvSpPr txBox="1"/>
-          <p:nvPr/>
-        </p:nvSpPr>
-        <p:spPr>
-          <a:xfrm>
-            <a:off x="5906024" y="3436210"/>
-            <a:ext cx="6425804" cy="2031325"/>
-          </a:xfrm>
-          <a:prstGeom prst="rect">
-            <a:avLst/>
-          </a:prstGeom>
-        </p:spPr>
-        <p:style>
-          <a:lnRef idx="1">
-            <a:schemeClr val="accent1"/>
-          </a:lnRef>
-          <a:fillRef idx="2">
-            <a:schemeClr val="accent1"/>
-          </a:fillRef>
-          <a:effectRef idx="1">
-            <a:schemeClr val="accent1"/>
-          </a:effectRef>
-          <a:fontRef idx="minor">
-            <a:schemeClr val="dk1"/>
-          </a:fontRef>
-        </p:style>
-        <p:txBody>
-          <a:bodyPr rot="0" spcFirstLastPara="0" vertOverflow="overflow" horzOverflow="overflow" vert="horz" wrap="square" lIns="91440" tIns="45720" rIns="91440" bIns="45720" numCol="1" spcCol="0" rtlCol="0" fromWordArt="0" anchor="t" anchorCtr="0" forceAA="0" compatLnSpc="1">
-            <a:prstTxWarp prst="textNoShape">
-              <a:avLst/>
-            </a:prstTxWarp>
-            <a:spAutoFit/>
-          </a:bodyPr>
-          <a:lstStyle/>
-          <a:p>
-            <a:r>
-              <a:rPr lang="en-US" dirty="0"/>
-              <a:t>async function parallel() {</a:t>
-            </a:r>
-            <a:br>
-              <a:rPr lang="en-US" dirty="0"/>
-            </a:br>
-            <a:r>
-              <a:rPr lang="en-US" dirty="0"/>
-              <a:t>  const wait1 = wait(500); // Start a 500ms timer asynchronously…</a:t>
-            </a:r>
-            <a:br>
-              <a:rPr lang="en-US" dirty="0"/>
-            </a:br>
-            <a:r>
-              <a:rPr lang="en-US" dirty="0"/>
-              <a:t>  const wait2 = wait(500); // this timer happens in parallel.</a:t>
-            </a:r>
-            <a:br>
-              <a:rPr lang="en-US" dirty="0"/>
-            </a:br>
-            <a:r>
-              <a:rPr lang="en-US" dirty="0"/>
-              <a:t>  await wait1; // Wait 500ms for the first timer…</a:t>
-            </a:r>
-            <a:br>
-              <a:rPr lang="en-US" dirty="0"/>
-            </a:br>
-            <a:r>
-              <a:rPr lang="en-US" dirty="0"/>
-              <a:t>  await wait2; // …by which time this timer has already finished.</a:t>
-            </a:r>
-            <a:br>
-              <a:rPr lang="en-US" dirty="0"/>
-            </a:br>
-            <a:r>
-              <a:rPr lang="en-US" dirty="0"/>
-              <a:t>  return "done!";</a:t>
-            </a:r>
-            <a:br>
-              <a:rPr lang="en-US" dirty="0"/>
-            </a:br>
-            <a:r>
-              <a:rPr lang="en-US" dirty="0"/>
-              <a:t>}</a:t>
-            </a:r>
-          </a:p>
-        </p:txBody>
-      </p:sp>
-      <p:sp>
-        <p:nvSpPr>
-          <p:cNvPr id="6" name="TextBox 5">
-            <a:extLst>
-              <a:ext uri="{FF2B5EF4-FFF2-40B4-BE49-F238E27FC236}">
-                <a16:creationId xmlns:a16="http://schemas.microsoft.com/office/drawing/2014/main" id="{3E66AE92-61AB-43FC-831A-00F457CB7B24}"/>
-              </a:ext>
-            </a:extLst>
-          </p:cNvPr>
-          <p:cNvSpPr txBox="1"/>
-          <p:nvPr/>
-        </p:nvSpPr>
-        <p:spPr>
-          <a:xfrm>
-            <a:off x="5305895" y="638175"/>
-            <a:ext cx="2743200" cy="369332"/>
-          </a:xfrm>
-          <a:prstGeom prst="rect">
-            <a:avLst/>
-          </a:prstGeom>
-        </p:spPr>
-        <p:txBody>
-          <a:bodyPr rot="0" spcFirstLastPara="0" vertOverflow="overflow" horzOverflow="overflow" vert="horz" wrap="square" lIns="91440" tIns="45720" rIns="91440" bIns="45720" numCol="1" spcCol="0" rtlCol="0" fromWordArt="0" anchor="t" anchorCtr="0" forceAA="0" compatLnSpc="1">
-            <a:prstTxWarp prst="textNoShape">
-              <a:avLst/>
-            </a:prstTxWarp>
-            <a:spAutoFit/>
-          </a:bodyPr>
-          <a:lstStyle/>
-          <a:p>
-            <a:pPr algn="ctr"/>
-            <a:r>
-              <a:rPr lang="en-US"/>
-              <a:t>Takes </a:t>
-            </a:r>
-            <a:r>
-              <a:rPr lang="en-US">
-                <a:cs typeface="Calibri"/>
-              </a:rPr>
-              <a:t>1000ms</a:t>
-            </a:r>
-            <a:endParaRPr lang="en-US"/>
-          </a:p>
-        </p:txBody>
-      </p:sp>
-      <p:sp>
-        <p:nvSpPr>
-          <p:cNvPr id="7" name="TextBox 6">
-            <a:extLst>
-              <a:ext uri="{FF2B5EF4-FFF2-40B4-BE49-F238E27FC236}">
-                <a16:creationId xmlns:a16="http://schemas.microsoft.com/office/drawing/2014/main" id="{309B80CE-F548-4B36-8885-B5F7D38F71C4}"/>
-              </a:ext>
-            </a:extLst>
-          </p:cNvPr>
-          <p:cNvSpPr txBox="1"/>
-          <p:nvPr/>
-        </p:nvSpPr>
-        <p:spPr>
-          <a:xfrm>
-            <a:off x="5334472" y="3067050"/>
-            <a:ext cx="2743200" cy="369332"/>
-          </a:xfrm>
-          <a:prstGeom prst="rect">
-            <a:avLst/>
-          </a:prstGeom>
-        </p:spPr>
-        <p:txBody>
-          <a:bodyPr rot="0" spcFirstLastPara="0" vertOverflow="overflow" horzOverflow="overflow" vert="horz" wrap="square" lIns="91440" tIns="45720" rIns="91440" bIns="45720" numCol="1" spcCol="0" rtlCol="0" fromWordArt="0" anchor="t" anchorCtr="0" forceAA="0" compatLnSpc="1">
-            <a:prstTxWarp prst="textNoShape">
-              <a:avLst/>
-            </a:prstTxWarp>
-            <a:spAutoFit/>
-          </a:bodyPr>
-          <a:lstStyle/>
-          <a:p>
-            <a:pPr algn="ctr"/>
-            <a:r>
-              <a:rPr lang="en-US"/>
-              <a:t>Takes </a:t>
-            </a:r>
-            <a:r>
-              <a:rPr lang="en-US">
-                <a:cs typeface="Calibri"/>
-              </a:rPr>
-              <a:t>~500ms</a:t>
-            </a:r>
-            <a:endParaRPr lang="en-US"/>
-          </a:p>
-        </p:txBody>
-      </p:sp>
-      <p:pic>
-        <p:nvPicPr>
-          <p:cNvPr id="9" name="Picture 8" descr="A picture containing shape&#10;&#10;Description automatically generated">
-            <a:extLst>
-              <a:ext uri="{FF2B5EF4-FFF2-40B4-BE49-F238E27FC236}">
-                <a16:creationId xmlns:a16="http://schemas.microsoft.com/office/drawing/2014/main" id="{6DF4C7A1-B6B2-408B-A9D9-E105150E6F9B}"/>
-              </a:ext>
-            </a:extLst>
-          </p:cNvPr>
-          <p:cNvPicPr>
-            <a:picLocks noChangeAspect="1"/>
-          </p:cNvPicPr>
-          <p:nvPr/>
-        </p:nvPicPr>
-        <p:blipFill>
-          <a:blip r:embed="rId2" cstate="print">
-            <a:extLst>
-              <a:ext uri="{28A0092B-C50C-407E-A947-70E740481C1C}">
-                <a14:useLocalDpi xmlns:a14="http://schemas.microsoft.com/office/drawing/2010/main" val="0"/>
-              </a:ext>
-              <a:ext uri="{837473B0-CC2E-450A-ABE3-18F120FF3D39}">
-                <a1611:picAttrSrcUrl xmlns:a1611="http://schemas.microsoft.com/office/drawing/2016/11/main" r:id="rId3"/>
-              </a:ext>
-            </a:extLst>
-          </a:blip>
-          <a:stretch>
-            <a:fillRect/>
-          </a:stretch>
-        </p:blipFill>
-        <p:spPr>
-          <a:xfrm>
-            <a:off x="3587568" y="671609"/>
-            <a:ext cx="787400" cy="787400"/>
-          </a:xfrm>
-          <a:prstGeom prst="rect">
-            <a:avLst/>
-          </a:prstGeom>
-        </p:spPr>
-      </p:pic>
-    </p:spTree>
-    <p:extLst>
-      <p:ext uri="{BB962C8B-B14F-4D97-AF65-F5344CB8AC3E}">
-        <p14:creationId xmlns:p14="http://schemas.microsoft.com/office/powerpoint/2010/main" val="209867619"/>
-      </p:ext>
-    </p:extLst>
-  </p:cSld>
-  <p:clrMapOvr>
-    <a:masterClrMapping/>
-  </p:clrMapOvr>
-</p:sld>
-</file>
-
-<file path=ppt/slides/slide16.xml><?xml version="1.0" encoding="utf-8"?>
-<p:sld xmlns:a="http://schemas.openxmlformats.org/drawingml/2006/main" xmlns:r="http://schemas.openxmlformats.org/officeDocument/2006/relationships" xmlns:p="http://schemas.openxmlformats.org/presentationml/2006/main">
-  <p:cSld>
-    <p:spTree>
-      <p:nvGrpSpPr>
-        <p:cNvPr id="1" name=""/>
-        <p:cNvGrpSpPr/>
-        <p:nvPr/>
-      </p:nvGrpSpPr>
-      <p:grpSpPr>
-        <a:xfrm>
-          <a:off x="0" y="0"/>
-          <a:ext cx="0" cy="0"/>
-          <a:chOff x="0" y="0"/>
-          <a:chExt cx="0" cy="0"/>
-        </a:xfrm>
-      </p:grpSpPr>
-      <p:sp>
-        <p:nvSpPr>
-          <p:cNvPr id="2" name="Title 1">
-            <a:extLst>
-              <a:ext uri="{FF2B5EF4-FFF2-40B4-BE49-F238E27FC236}">
-                <a16:creationId xmlns:a16="http://schemas.microsoft.com/office/drawing/2014/main" id="{59349BAF-CE7E-473C-AFB7-06E3BB602428}"/>
-              </a:ext>
-            </a:extLst>
-          </p:cNvPr>
-          <p:cNvSpPr>
-            <a:spLocks noGrp="1"/>
-          </p:cNvSpPr>
-          <p:nvPr>
-            <p:ph type="title"/>
-          </p:nvPr>
-        </p:nvSpPr>
-        <p:spPr/>
-        <p:txBody>
-          <a:bodyPr/>
-          <a:lstStyle/>
-          <a:p>
-            <a:r>
-              <a:rPr lang="en-IE" dirty="0"/>
-              <a:t>ES6 Classes</a:t>
-            </a:r>
-          </a:p>
-        </p:txBody>
-      </p:sp>
-      <p:sp>
-        <p:nvSpPr>
-          <p:cNvPr id="3" name="Text Placeholder 2">
-            <a:extLst>
-              <a:ext uri="{FF2B5EF4-FFF2-40B4-BE49-F238E27FC236}">
-                <a16:creationId xmlns:a16="http://schemas.microsoft.com/office/drawing/2014/main" id="{4BCB3672-63E4-46D8-A083-14CD010D2A3E}"/>
-              </a:ext>
-            </a:extLst>
-          </p:cNvPr>
-          <p:cNvSpPr>
-            <a:spLocks noGrp="1"/>
-          </p:cNvSpPr>
-          <p:nvPr>
-            <p:ph type="body" idx="1"/>
-          </p:nvPr>
-        </p:nvSpPr>
-        <p:spPr/>
-        <p:txBody>
-          <a:bodyPr/>
-          <a:lstStyle/>
-          <a:p>
-            <a:endParaRPr lang="en-IE"/>
-          </a:p>
-        </p:txBody>
-      </p:sp>
-    </p:spTree>
-    <p:extLst>
-      <p:ext uri="{BB962C8B-B14F-4D97-AF65-F5344CB8AC3E}">
-        <p14:creationId xmlns:p14="http://schemas.microsoft.com/office/powerpoint/2010/main" val="2672116004"/>
-      </p:ext>
-    </p:extLst>
-  </p:cSld>
-  <p:clrMapOvr>
-    <a:masterClrMapping/>
-  </p:clrMapOvr>
-</p:sld>
-</file>
-
-<file path=ppt/slides/slide17.xml><?xml version="1.0" encoding="utf-8"?>
-<p:sld xmlns:a="http://schemas.openxmlformats.org/drawingml/2006/main" xmlns:r="http://schemas.openxmlformats.org/officeDocument/2006/relationships" xmlns:p="http://schemas.openxmlformats.org/presentationml/2006/main">
-  <p:cSld>
-    <p:spTree>
-      <p:nvGrpSpPr>
-        <p:cNvPr id="1" name=""/>
-        <p:cNvGrpSpPr/>
-        <p:nvPr/>
-      </p:nvGrpSpPr>
-      <p:grpSpPr>
-        <a:xfrm>
-          <a:off x="0" y="0"/>
-          <a:ext cx="0" cy="0"/>
-          <a:chOff x="0" y="0"/>
-          <a:chExt cx="0" cy="0"/>
-        </a:xfrm>
-      </p:grpSpPr>
-      <p:sp>
-        <p:nvSpPr>
-          <p:cNvPr id="2" name="Title 1">
-            <a:extLst>
-              <a:ext uri="{FF2B5EF4-FFF2-40B4-BE49-F238E27FC236}">
-                <a16:creationId xmlns:a16="http://schemas.microsoft.com/office/drawing/2014/main" id="{14679FB4-375B-4370-852D-55AC6FD6F8A9}"/>
-              </a:ext>
-            </a:extLst>
-          </p:cNvPr>
-          <p:cNvSpPr>
-            <a:spLocks noGrp="1"/>
-          </p:cNvSpPr>
-          <p:nvPr>
-            <p:ph type="title"/>
-          </p:nvPr>
-        </p:nvSpPr>
-        <p:spPr/>
-        <p:txBody>
-          <a:bodyPr/>
-          <a:lstStyle/>
-          <a:p>
-            <a:r>
-              <a:rPr lang="en-IE" dirty="0"/>
-              <a:t>JavaScript Classes</a:t>
-            </a:r>
-          </a:p>
-        </p:txBody>
-      </p:sp>
-      <p:sp>
-        <p:nvSpPr>
-          <p:cNvPr id="3" name="Content Placeholder 2">
-            <a:extLst>
-              <a:ext uri="{FF2B5EF4-FFF2-40B4-BE49-F238E27FC236}">
-                <a16:creationId xmlns:a16="http://schemas.microsoft.com/office/drawing/2014/main" id="{4C1A38BE-0A42-4906-AC67-AC32E8470A71}"/>
-              </a:ext>
-            </a:extLst>
-          </p:cNvPr>
-          <p:cNvSpPr>
-            <a:spLocks noGrp="1"/>
-          </p:cNvSpPr>
-          <p:nvPr>
-            <p:ph idx="1"/>
-          </p:nvPr>
-        </p:nvSpPr>
-        <p:spPr>
-          <a:xfrm>
-            <a:off x="790074" y="1825624"/>
-            <a:ext cx="10515600" cy="4351338"/>
-          </a:xfrm>
-        </p:spPr>
-        <p:txBody>
-          <a:bodyPr/>
-          <a:lstStyle/>
-          <a:p>
-            <a:r>
-              <a:rPr lang="en-GB" dirty="0"/>
-              <a:t>ECMAScript 2015, also known as ES6, introduced JavaScript Classes.</a:t>
-            </a:r>
-          </a:p>
-          <a:p>
-            <a:r>
-              <a:rPr lang="en-GB" dirty="0"/>
-              <a:t>Classes are special functions that facilitate the creation of constructors and prototype-based inheritance. Just like in functions, you can declare a class or express it:</a:t>
-            </a:r>
-            <a:endParaRPr lang="en-IE" dirty="0"/>
-          </a:p>
-        </p:txBody>
-      </p:sp>
-      <p:pic>
-        <p:nvPicPr>
-          <p:cNvPr id="5" name="Picture 4">
-            <a:extLst>
-              <a:ext uri="{FF2B5EF4-FFF2-40B4-BE49-F238E27FC236}">
-                <a16:creationId xmlns:a16="http://schemas.microsoft.com/office/drawing/2014/main" id="{8406D04D-7212-4610-A652-4FA146238272}"/>
-              </a:ext>
-            </a:extLst>
-          </p:cNvPr>
-          <p:cNvPicPr>
-            <a:picLocks noChangeAspect="1"/>
-          </p:cNvPicPr>
-          <p:nvPr/>
-        </p:nvPicPr>
-        <p:blipFill>
-          <a:blip r:embed="rId2"/>
-          <a:stretch>
-            <a:fillRect/>
-          </a:stretch>
-        </p:blipFill>
-        <p:spPr>
-          <a:xfrm>
-            <a:off x="1996391" y="4001294"/>
-            <a:ext cx="3397425" cy="1187511"/>
-          </a:xfrm>
-          <a:prstGeom prst="rect">
-            <a:avLst/>
-          </a:prstGeom>
-        </p:spPr>
-      </p:pic>
-      <p:pic>
-        <p:nvPicPr>
-          <p:cNvPr id="7" name="Picture 6">
-            <a:extLst>
-              <a:ext uri="{FF2B5EF4-FFF2-40B4-BE49-F238E27FC236}">
-                <a16:creationId xmlns:a16="http://schemas.microsoft.com/office/drawing/2014/main" id="{10EBBB43-E270-4BDB-8E1A-42AEB23E6599}"/>
-              </a:ext>
-            </a:extLst>
-          </p:cNvPr>
-          <p:cNvPicPr>
-            <a:picLocks noChangeAspect="1"/>
-          </p:cNvPicPr>
-          <p:nvPr/>
-        </p:nvPicPr>
-        <p:blipFill>
-          <a:blip r:embed="rId3"/>
-          <a:stretch>
-            <a:fillRect/>
-          </a:stretch>
-        </p:blipFill>
-        <p:spPr>
-          <a:xfrm>
-            <a:off x="3838090" y="6211816"/>
-            <a:ext cx="4007056" cy="292115"/>
-          </a:xfrm>
-          <a:prstGeom prst="rect">
-            <a:avLst/>
-          </a:prstGeom>
-        </p:spPr>
-      </p:pic>
-      <p:pic>
-        <p:nvPicPr>
-          <p:cNvPr id="9" name="Picture 8">
-            <a:extLst>
-              <a:ext uri="{FF2B5EF4-FFF2-40B4-BE49-F238E27FC236}">
-                <a16:creationId xmlns:a16="http://schemas.microsoft.com/office/drawing/2014/main" id="{51A40018-44A3-4FE2-B011-66E32C21F4A7}"/>
-              </a:ext>
-            </a:extLst>
-          </p:cNvPr>
-          <p:cNvPicPr>
-            <a:picLocks noChangeAspect="1"/>
-          </p:cNvPicPr>
-          <p:nvPr/>
-        </p:nvPicPr>
-        <p:blipFill>
-          <a:blip r:embed="rId4"/>
-          <a:stretch>
-            <a:fillRect/>
-          </a:stretch>
-        </p:blipFill>
-        <p:spPr>
-          <a:xfrm>
-            <a:off x="6552007" y="4001293"/>
-            <a:ext cx="4629388" cy="1187511"/>
-          </a:xfrm>
-          <a:prstGeom prst="rect">
-            <a:avLst/>
-          </a:prstGeom>
-        </p:spPr>
-      </p:pic>
-      <p:pic>
-        <p:nvPicPr>
-          <p:cNvPr id="11" name="Picture 10">
-            <a:extLst>
-              <a:ext uri="{FF2B5EF4-FFF2-40B4-BE49-F238E27FC236}">
-                <a16:creationId xmlns:a16="http://schemas.microsoft.com/office/drawing/2014/main" id="{96C21580-A1A6-47CD-B47A-B98FD0205E96}"/>
-              </a:ext>
-            </a:extLst>
-          </p:cNvPr>
-          <p:cNvPicPr>
-            <a:picLocks noChangeAspect="1"/>
-          </p:cNvPicPr>
-          <p:nvPr/>
-        </p:nvPicPr>
-        <p:blipFill>
-          <a:blip r:embed="rId5"/>
-          <a:stretch>
-            <a:fillRect/>
-          </a:stretch>
-        </p:blipFill>
-        <p:spPr>
-          <a:xfrm>
-            <a:off x="4088145" y="6505838"/>
-            <a:ext cx="2349621" cy="228612"/>
-          </a:xfrm>
-          <a:prstGeom prst="rect">
-            <a:avLst/>
-          </a:prstGeom>
-        </p:spPr>
-      </p:pic>
-    </p:spTree>
-    <p:extLst>
-      <p:ext uri="{BB962C8B-B14F-4D97-AF65-F5344CB8AC3E}">
-        <p14:creationId xmlns:p14="http://schemas.microsoft.com/office/powerpoint/2010/main" val="682806529"/>
-      </p:ext>
-    </p:extLst>
-  </p:cSld>
-  <p:clrMapOvr>
-    <a:masterClrMapping/>
-  </p:clrMapOvr>
-</p:sld>
-</file>
-
-<file path=ppt/slides/slide18.xml><?xml version="1.0" encoding="utf-8"?>
-<p:sld xmlns:a="http://schemas.openxmlformats.org/drawingml/2006/main" xmlns:r="http://schemas.openxmlformats.org/officeDocument/2006/relationships" xmlns:p="http://schemas.openxmlformats.org/presentationml/2006/main">
-  <p:cSld>
-    <p:spTree>
-      <p:nvGrpSpPr>
-        <p:cNvPr id="1" name=""/>
-        <p:cNvGrpSpPr/>
-        <p:nvPr/>
-      </p:nvGrpSpPr>
-      <p:grpSpPr>
-        <a:xfrm>
-          <a:off x="0" y="0"/>
-          <a:ext cx="0" cy="0"/>
-          <a:chOff x="0" y="0"/>
-          <a:chExt cx="0" cy="0"/>
-        </a:xfrm>
-      </p:grpSpPr>
-      <p:sp>
-        <p:nvSpPr>
-          <p:cNvPr id="2" name="Title 1">
-            <a:extLst>
-              <a:ext uri="{FF2B5EF4-FFF2-40B4-BE49-F238E27FC236}">
                 <a16:creationId xmlns:a16="http://schemas.microsoft.com/office/drawing/2014/main" id="{27F6665F-3698-4D11-A222-9EC02E17F4F4}"/>
               </a:ext>
             </a:extLst>
@@ -6248,12 +4819,8 @@
           <a:lstStyle/>
           <a:p>
             <a:r>
-              <a:rPr lang="en-IE" dirty="0" err="1"/>
-              <a:t>Javascript</a:t>
-            </a:r>
-            <a:r>
               <a:rPr lang="en-IE" dirty="0"/>
-              <a:t> Classes - inheritance</a:t>
+              <a:t>JavaScript Classes - inheritance</a:t>
             </a:r>
           </a:p>
         </p:txBody>
@@ -6396,8 +4963,8 @@
           </a:p>
         </p:txBody>
       </p:sp>
-      <mc:AlternateContent xmlns:mc="http://schemas.openxmlformats.org/markup-compatibility/2006">
-        <mc:Choice xmlns:p14="http://schemas.microsoft.com/office/powerpoint/2010/main" Requires="p14">
+      <mc:AlternateContent xmlns:mc="http://schemas.openxmlformats.org/markup-compatibility/2006" xmlns:p14="http://schemas.microsoft.com/office/powerpoint/2010/main">
+        <mc:Choice Requires="p14">
           <p:contentPart p14:bwMode="auto" r:id="rId4">
             <p14:nvContentPartPr>
               <p14:cNvPr id="10" name="Ink 9">
@@ -6416,7 +4983,7 @@
             </p14:xfrm>
           </p:contentPart>
         </mc:Choice>
-        <mc:Fallback>
+        <mc:Fallback xmlns="">
           <p:pic>
             <p:nvPicPr>
               <p:cNvPr id="10" name="Ink 9">
@@ -6467,8 +5034,8 @@
             <a:chExt cx="4533120" cy="677160"/>
           </a:xfrm>
         </p:grpSpPr>
-        <mc:AlternateContent xmlns:mc="http://schemas.openxmlformats.org/markup-compatibility/2006">
-          <mc:Choice xmlns:p14="http://schemas.microsoft.com/office/powerpoint/2010/main" Requires="p14">
+        <mc:AlternateContent xmlns:mc="http://schemas.openxmlformats.org/markup-compatibility/2006" xmlns:p14="http://schemas.microsoft.com/office/powerpoint/2010/main">
+          <mc:Choice Requires="p14">
             <p:contentPart p14:bwMode="auto" r:id="rId6">
               <p14:nvContentPartPr>
                 <p14:cNvPr id="11" name="Ink 10">
@@ -6487,7 +5054,7 @@
               </p14:xfrm>
             </p:contentPart>
           </mc:Choice>
-          <mc:Fallback>
+          <mc:Fallback xmlns="">
             <p:pic>
               <p:nvPicPr>
                 <p:cNvPr id="11" name="Ink 10">
@@ -6518,8 +5085,8 @@
             </p:pic>
           </mc:Fallback>
         </mc:AlternateContent>
-        <mc:AlternateContent xmlns:mc="http://schemas.openxmlformats.org/markup-compatibility/2006">
-          <mc:Choice xmlns:p14="http://schemas.microsoft.com/office/powerpoint/2010/main" Requires="p14">
+        <mc:AlternateContent xmlns:mc="http://schemas.openxmlformats.org/markup-compatibility/2006" xmlns:p14="http://schemas.microsoft.com/office/powerpoint/2010/main">
+          <mc:Choice Requires="p14">
             <p:contentPart p14:bwMode="auto" r:id="rId8">
               <p14:nvContentPartPr>
                 <p14:cNvPr id="12" name="Ink 11">
@@ -6538,7 +5105,7 @@
               </p14:xfrm>
             </p:contentPart>
           </mc:Choice>
-          <mc:Fallback>
+          <mc:Fallback xmlns="">
             <p:pic>
               <p:nvPicPr>
                 <p:cNvPr id="12" name="Ink 11">
@@ -6583,7 +5150,7 @@
 </p:sld>
 </file>
 
-<file path=ppt/slides/slide19.xml><?xml version="1.0" encoding="utf-8"?>
+<file path=ppt/slides/slide16.xml><?xml version="1.0" encoding="utf-8"?>
 <p:sld xmlns:a="http://schemas.openxmlformats.org/drawingml/2006/main" xmlns:r="http://schemas.openxmlformats.org/officeDocument/2006/relationships" xmlns:p="http://schemas.openxmlformats.org/presentationml/2006/main">
   <p:cSld>
     <p:spTree>
@@ -6605,7 +5172,7 @@
           <p:cNvPr id="2" name="Title 1">
             <a:extLst>
               <a:ext uri="{FF2B5EF4-FFF2-40B4-BE49-F238E27FC236}">
-                <a16:creationId xmlns:a16="http://schemas.microsoft.com/office/drawing/2014/main" id="{20D119D3-B3C2-4794-9D9B-D21D4DD1B406}"/>
+                <a16:creationId xmlns:a16="http://schemas.microsoft.com/office/drawing/2014/main" id="{5D08C5FC-A9B8-4F00-950E-81E9EEF39F63}"/>
               </a:ext>
             </a:extLst>
           </p:cNvPr>
@@ -6622,26 +5189,21 @@
           <a:lstStyle/>
           <a:p>
             <a:r>
-              <a:rPr lang="en-IE" dirty="0"/>
-              <a:t>Express Project </a:t>
-            </a:r>
-            <a:r>
-              <a:rPr lang="en-IE" dirty="0" err="1"/>
-              <a:t>Strucure</a:t>
-            </a:r>
-            <a:r>
-              <a:rPr lang="en-IE" dirty="0"/>
-              <a:t>/Architecture</a:t>
-            </a:r>
-          </a:p>
-        </p:txBody>
-      </p:sp>
-      <p:sp>
-        <p:nvSpPr>
-          <p:cNvPr id="3" name="Text Placeholder 2">
+              <a:rPr lang="en-US">
+                <a:cs typeface="Calibri Light"/>
+              </a:rPr>
+              <a:t>Sources</a:t>
+            </a:r>
+            <a:endParaRPr lang="en-US"/>
+          </a:p>
+        </p:txBody>
+      </p:sp>
+      <p:sp>
+        <p:nvSpPr>
+          <p:cNvPr id="3" name="Content Placeholder 2">
             <a:extLst>
               <a:ext uri="{FF2B5EF4-FFF2-40B4-BE49-F238E27FC236}">
-                <a16:creationId xmlns:a16="http://schemas.microsoft.com/office/drawing/2014/main" id="{EB705025-F629-43F7-99CC-621E85529C6F}"/>
+                <a16:creationId xmlns:a16="http://schemas.microsoft.com/office/drawing/2014/main" id="{A9331B36-4EAC-409A-8951-169E2024B9A4}"/>
               </a:ext>
             </a:extLst>
           </p:cNvPr>
@@ -6649,22 +5211,58 @@
             <a:spLocks noGrp="1"/>
           </p:cNvSpPr>
           <p:nvPr>
-            <p:ph type="body" idx="1"/>
+            <p:ph idx="1"/>
           </p:nvPr>
         </p:nvSpPr>
         <p:spPr/>
         <p:txBody>
-          <a:bodyPr/>
+          <a:bodyPr vert="horz" lIns="91440" tIns="45720" rIns="91440" bIns="45720" rtlCol="0" anchor="t">
+            <a:normAutofit/>
+          </a:bodyPr>
           <a:lstStyle/>
           <a:p>
-            <a:endParaRPr lang="en-IE" dirty="0"/>
+            <a:r>
+              <a:rPr lang="en-US">
+                <a:cs typeface="Calibri"/>
+                <a:hlinkClick r:id="rId2"/>
+              </a:rPr>
+              <a:t>https://developers.google.com/web/fundamentals/primers/promises</a:t>
+            </a:r>
+          </a:p>
+          <a:p>
+            <a:r>
+              <a:rPr lang="en-US">
+                <a:cs typeface="Calibri"/>
+                <a:hlinkClick r:id="rId3"/>
+              </a:rPr>
+              <a:t>https://stackoverflow.com/questions/2069763/difference-between-event-handlers-and-callbacks</a:t>
+            </a:r>
+          </a:p>
+          <a:p>
+            <a:r>
+              <a:rPr lang="en-US">
+                <a:cs typeface="Calibri"/>
+                <a:hlinkClick r:id="rId4"/>
+              </a:rPr>
+              <a:t>https://medium.com/@Abazhenov/using-async-await-in-express-with-node-8-b8af872c0016</a:t>
+            </a:r>
+          </a:p>
+          <a:p>
+            <a:endParaRPr lang="en-US">
+              <a:cs typeface="Calibri"/>
+            </a:endParaRPr>
+          </a:p>
+          <a:p>
+            <a:endParaRPr lang="en-US">
+              <a:cs typeface="Calibri"/>
+            </a:endParaRPr>
           </a:p>
         </p:txBody>
       </p:sp>
     </p:spTree>
     <p:extLst>
       <p:ext uri="{BB962C8B-B14F-4D97-AF65-F5344CB8AC3E}">
-        <p14:creationId xmlns:p14="http://schemas.microsoft.com/office/powerpoint/2010/main" val="1502972771"/>
+        <p14:creationId xmlns:p14="http://schemas.microsoft.com/office/powerpoint/2010/main" val="3255514823"/>
       </p:ext>
     </p:extLst>
   </p:cSld>
@@ -7220,472 +5818,6 @@
       </p:par>
     </p:tnLst>
   </p:timing>
-</p:sld>
-</file>
-
-<file path=ppt/slides/slide20.xml><?xml version="1.0" encoding="utf-8"?>
-<p:sld xmlns:a="http://schemas.openxmlformats.org/drawingml/2006/main" xmlns:r="http://schemas.openxmlformats.org/officeDocument/2006/relationships" xmlns:p="http://schemas.openxmlformats.org/presentationml/2006/main">
-  <p:cSld>
-    <p:spTree>
-      <p:nvGrpSpPr>
-        <p:cNvPr id="1" name=""/>
-        <p:cNvGrpSpPr/>
-        <p:nvPr/>
-      </p:nvGrpSpPr>
-      <p:grpSpPr>
-        <a:xfrm>
-          <a:off x="0" y="0"/>
-          <a:ext cx="0" cy="0"/>
-          <a:chOff x="0" y="0"/>
-          <a:chExt cx="0" cy="0"/>
-        </a:xfrm>
-      </p:grpSpPr>
-      <p:sp>
-        <p:nvSpPr>
-          <p:cNvPr id="2" name="Title 1">
-            <a:extLst>
-              <a:ext uri="{FF2B5EF4-FFF2-40B4-BE49-F238E27FC236}">
-                <a16:creationId xmlns:a16="http://schemas.microsoft.com/office/drawing/2014/main" id="{EB39335A-8197-46ED-BEE6-F64EF206EA86}"/>
-              </a:ext>
-            </a:extLst>
-          </p:cNvPr>
-          <p:cNvSpPr>
-            <a:spLocks noGrp="1"/>
-          </p:cNvSpPr>
-          <p:nvPr>
-            <p:ph type="title"/>
-          </p:nvPr>
-        </p:nvSpPr>
-        <p:spPr/>
-        <p:txBody>
-          <a:bodyPr/>
-          <a:lstStyle/>
-          <a:p>
-            <a:r>
-              <a:rPr lang="en-IE" dirty="0"/>
-              <a:t>Express Project Structure</a:t>
-            </a:r>
-          </a:p>
-        </p:txBody>
-      </p:sp>
-      <p:sp>
-        <p:nvSpPr>
-          <p:cNvPr id="3" name="Content Placeholder 2">
-            <a:extLst>
-              <a:ext uri="{FF2B5EF4-FFF2-40B4-BE49-F238E27FC236}">
-                <a16:creationId xmlns:a16="http://schemas.microsoft.com/office/drawing/2014/main" id="{05A5E786-3611-4199-8015-408A4350E951}"/>
-              </a:ext>
-            </a:extLst>
-          </p:cNvPr>
-          <p:cNvSpPr>
-            <a:spLocks noGrp="1"/>
-          </p:cNvSpPr>
-          <p:nvPr>
-            <p:ph idx="1"/>
-          </p:nvPr>
-        </p:nvSpPr>
-        <p:spPr>
-          <a:xfrm>
-            <a:off x="1173457" y="1690688"/>
-            <a:ext cx="10515600" cy="4351338"/>
-          </a:xfrm>
-        </p:spPr>
-        <p:txBody>
-          <a:bodyPr/>
-          <a:lstStyle/>
-          <a:p>
-            <a:r>
-              <a:rPr lang="en-IE" dirty="0"/>
-              <a:t>Lots of different architectures/project Structures</a:t>
-            </a:r>
-          </a:p>
-          <a:p>
-            <a:pPr lvl="1"/>
-            <a:r>
-              <a:rPr lang="en-IE" dirty="0"/>
-              <a:t>Clean, Model/View/Controller, Domain Driven Dev.</a:t>
-            </a:r>
-          </a:p>
-          <a:p>
-            <a:r>
-              <a:rPr lang="en-IE" dirty="0"/>
-              <a:t>Our Rest API will follow this Layered </a:t>
-            </a:r>
-            <a:r>
-              <a:rPr lang="en-IE" dirty="0" err="1"/>
-              <a:t>Arcgitecure</a:t>
-            </a:r>
-            <a:endParaRPr lang="en-IE" dirty="0"/>
-          </a:p>
-        </p:txBody>
-      </p:sp>
-      <p:pic>
-        <p:nvPicPr>
-          <p:cNvPr id="1026" name="Picture 2">
-            <a:extLst>
-              <a:ext uri="{FF2B5EF4-FFF2-40B4-BE49-F238E27FC236}">
-                <a16:creationId xmlns:a16="http://schemas.microsoft.com/office/drawing/2014/main" id="{15804A96-AB39-4E82-91FE-1428D8143B65}"/>
-              </a:ext>
-            </a:extLst>
-          </p:cNvPr>
-          <p:cNvPicPr>
-            <a:picLocks noChangeAspect="1" noChangeArrowheads="1"/>
-          </p:cNvPicPr>
-          <p:nvPr/>
-        </p:nvPicPr>
-        <p:blipFill>
-          <a:blip r:embed="rId3">
-            <a:extLst>
-              <a:ext uri="{28A0092B-C50C-407E-A947-70E740481C1C}">
-                <a14:useLocalDpi xmlns:a14="http://schemas.microsoft.com/office/drawing/2010/main" val="0"/>
-              </a:ext>
-            </a:extLst>
-          </a:blip>
-          <a:srcRect/>
-          <a:stretch>
-            <a:fillRect/>
-          </a:stretch>
-        </p:blipFill>
-        <p:spPr bwMode="auto">
-          <a:xfrm>
-            <a:off x="2182398" y="3143626"/>
-            <a:ext cx="7058025" cy="3448050"/>
-          </a:xfrm>
-          <a:prstGeom prst="rect">
-            <a:avLst/>
-          </a:prstGeom>
-          <a:noFill/>
-          <a:extLst>
-            <a:ext uri="{909E8E84-426E-40DD-AFC4-6F175D3DCCD1}">
-              <a14:hiddenFill xmlns:a14="http://schemas.microsoft.com/office/drawing/2010/main">
-                <a:solidFill>
-                  <a:srgbClr val="FFFFFF"/>
-                </a:solidFill>
-              </a14:hiddenFill>
-            </a:ext>
-          </a:extLst>
-        </p:spPr>
-      </p:pic>
-    </p:spTree>
-    <p:extLst>
-      <p:ext uri="{BB962C8B-B14F-4D97-AF65-F5344CB8AC3E}">
-        <p14:creationId xmlns:p14="http://schemas.microsoft.com/office/powerpoint/2010/main" val="3216833401"/>
-      </p:ext>
-    </p:extLst>
-  </p:cSld>
-  <p:clrMapOvr>
-    <a:masterClrMapping/>
-  </p:clrMapOvr>
-</p:sld>
-</file>
-
-<file path=ppt/slides/slide21.xml><?xml version="1.0" encoding="utf-8"?>
-<p:sld xmlns:a="http://schemas.openxmlformats.org/drawingml/2006/main" xmlns:r="http://schemas.openxmlformats.org/officeDocument/2006/relationships" xmlns:p="http://schemas.openxmlformats.org/presentationml/2006/main">
-  <p:cSld>
-    <p:spTree>
-      <p:nvGrpSpPr>
-        <p:cNvPr id="1" name=""/>
-        <p:cNvGrpSpPr/>
-        <p:nvPr/>
-      </p:nvGrpSpPr>
-      <p:grpSpPr>
-        <a:xfrm>
-          <a:off x="0" y="0"/>
-          <a:ext cx="0" cy="0"/>
-          <a:chOff x="0" y="0"/>
-          <a:chExt cx="0" cy="0"/>
-        </a:xfrm>
-      </p:grpSpPr>
-      <p:sp>
-        <p:nvSpPr>
-          <p:cNvPr id="2" name="Title 1">
-            <a:extLst>
-              <a:ext uri="{FF2B5EF4-FFF2-40B4-BE49-F238E27FC236}">
-                <a16:creationId xmlns:a16="http://schemas.microsoft.com/office/drawing/2014/main" id="{C9D06E09-D2AC-4D5C-8D43-A2A7681CFAFA}"/>
-              </a:ext>
-            </a:extLst>
-          </p:cNvPr>
-          <p:cNvSpPr>
-            <a:spLocks noGrp="1"/>
-          </p:cNvSpPr>
-          <p:nvPr>
-            <p:ph type="title"/>
-          </p:nvPr>
-        </p:nvSpPr>
-        <p:spPr/>
-        <p:txBody>
-          <a:bodyPr/>
-          <a:lstStyle/>
-          <a:p>
-            <a:r>
-              <a:rPr lang="en-IE" dirty="0"/>
-              <a:t>Simple Layered Approach</a:t>
-            </a:r>
-          </a:p>
-        </p:txBody>
-      </p:sp>
-      <p:sp>
-        <p:nvSpPr>
-          <p:cNvPr id="3" name="Content Placeholder 2">
-            <a:extLst>
-              <a:ext uri="{FF2B5EF4-FFF2-40B4-BE49-F238E27FC236}">
-                <a16:creationId xmlns:a16="http://schemas.microsoft.com/office/drawing/2014/main" id="{B671D15F-08F1-4721-B02A-1F2BA7E5FBBF}"/>
-              </a:ext>
-            </a:extLst>
-          </p:cNvPr>
-          <p:cNvSpPr>
-            <a:spLocks noGrp="1"/>
-          </p:cNvSpPr>
-          <p:nvPr>
-            <p:ph idx="1"/>
-          </p:nvPr>
-        </p:nvSpPr>
-        <p:spPr/>
-        <p:txBody>
-          <a:bodyPr/>
-          <a:lstStyle/>
-          <a:p>
-            <a:r>
-              <a:rPr lang="en-IE" b="0" i="0" dirty="0">
-                <a:solidFill>
-                  <a:srgbClr val="374151"/>
-                </a:solidFill>
-                <a:effectLst/>
-                <a:latin typeface="Inter var"/>
-              </a:rPr>
-              <a:t>HTTP logic layer</a:t>
-            </a:r>
-          </a:p>
-          <a:p>
-            <a:pPr lvl="1"/>
-            <a:r>
-              <a:rPr lang="en-IE" dirty="0">
-                <a:solidFill>
-                  <a:srgbClr val="374151"/>
-                </a:solidFill>
-                <a:latin typeface="Inter var"/>
-              </a:rPr>
-              <a:t>Routers:</a:t>
-            </a:r>
-          </a:p>
-          <a:p>
-            <a:pPr lvl="2"/>
-            <a:r>
-              <a:rPr lang="en-GB" b="0" i="0" dirty="0">
-                <a:solidFill>
-                  <a:srgbClr val="374151"/>
-                </a:solidFill>
-                <a:effectLst/>
-                <a:latin typeface="Inter var"/>
-              </a:rPr>
-              <a:t>handle the HTTP requests that hits the API and route them to appropriate controller</a:t>
-            </a:r>
-          </a:p>
-          <a:p>
-            <a:pPr lvl="1"/>
-            <a:r>
-              <a:rPr lang="en-IE" b="0" i="0" dirty="0">
-                <a:solidFill>
-                  <a:srgbClr val="374151"/>
-                </a:solidFill>
-                <a:effectLst/>
-                <a:latin typeface="Inter var"/>
-              </a:rPr>
-              <a:t>Controllers: </a:t>
-            </a:r>
-          </a:p>
-          <a:p>
-            <a:pPr lvl="2"/>
-            <a:r>
-              <a:rPr lang="en-GB" b="0" i="0" dirty="0">
-                <a:solidFill>
-                  <a:srgbClr val="374151"/>
-                </a:solidFill>
-                <a:effectLst/>
-                <a:latin typeface="Inter var"/>
-              </a:rPr>
-              <a:t>Processes request object, pull out data from request, validate, then send to service(s)</a:t>
-            </a:r>
-          </a:p>
-          <a:p>
-            <a:r>
-              <a:rPr lang="en-GB" dirty="0">
-                <a:solidFill>
-                  <a:srgbClr val="374151"/>
-                </a:solidFill>
-                <a:latin typeface="Inter var"/>
-              </a:rPr>
-              <a:t>Business logic Layer</a:t>
-            </a:r>
-          </a:p>
-          <a:p>
-            <a:pPr lvl="1"/>
-            <a:r>
-              <a:rPr lang="en-GB" dirty="0">
-                <a:solidFill>
-                  <a:srgbClr val="374151"/>
-                </a:solidFill>
-                <a:latin typeface="Inter var"/>
-              </a:rPr>
-              <a:t>Services: derived from use cases/business  requirements</a:t>
-            </a:r>
-          </a:p>
-          <a:p>
-            <a:pPr lvl="1"/>
-            <a:r>
-              <a:rPr lang="en-GB" dirty="0">
-                <a:solidFill>
-                  <a:srgbClr val="374151"/>
-                </a:solidFill>
-                <a:latin typeface="Inter var"/>
-              </a:rPr>
-              <a:t>Data Access: Repository/data store access</a:t>
-            </a:r>
-            <a:endParaRPr lang="en-IE" dirty="0">
-              <a:solidFill>
-                <a:srgbClr val="374151"/>
-              </a:solidFill>
-              <a:latin typeface="Inter var"/>
-            </a:endParaRPr>
-          </a:p>
-          <a:p>
-            <a:pPr lvl="2"/>
-            <a:endParaRPr lang="en-IE" dirty="0"/>
-          </a:p>
-        </p:txBody>
-      </p:sp>
-    </p:spTree>
-    <p:extLst>
-      <p:ext uri="{BB962C8B-B14F-4D97-AF65-F5344CB8AC3E}">
-        <p14:creationId xmlns:p14="http://schemas.microsoft.com/office/powerpoint/2010/main" val="2205828418"/>
-      </p:ext>
-    </p:extLst>
-  </p:cSld>
-  <p:clrMapOvr>
-    <a:masterClrMapping/>
-  </p:clrMapOvr>
-</p:sld>
-</file>
-
-<file path=ppt/slides/slide22.xml><?xml version="1.0" encoding="utf-8"?>
-<p:sld xmlns:a="http://schemas.openxmlformats.org/drawingml/2006/main" xmlns:r="http://schemas.openxmlformats.org/officeDocument/2006/relationships" xmlns:p="http://schemas.openxmlformats.org/presentationml/2006/main">
-  <p:cSld>
-    <p:spTree>
-      <p:nvGrpSpPr>
-        <p:cNvPr id="1" name=""/>
-        <p:cNvGrpSpPr/>
-        <p:nvPr/>
-      </p:nvGrpSpPr>
-      <p:grpSpPr>
-        <a:xfrm>
-          <a:off x="0" y="0"/>
-          <a:ext cx="0" cy="0"/>
-          <a:chOff x="0" y="0"/>
-          <a:chExt cx="0" cy="0"/>
-        </a:xfrm>
-      </p:grpSpPr>
-      <p:sp>
-        <p:nvSpPr>
-          <p:cNvPr id="2" name="Title 1">
-            <a:extLst>
-              <a:ext uri="{FF2B5EF4-FFF2-40B4-BE49-F238E27FC236}">
-                <a16:creationId xmlns:a16="http://schemas.microsoft.com/office/drawing/2014/main" id="{5D08C5FC-A9B8-4F00-950E-81E9EEF39F63}"/>
-              </a:ext>
-            </a:extLst>
-          </p:cNvPr>
-          <p:cNvSpPr>
-            <a:spLocks noGrp="1"/>
-          </p:cNvSpPr>
-          <p:nvPr>
-            <p:ph type="title"/>
-          </p:nvPr>
-        </p:nvSpPr>
-        <p:spPr/>
-        <p:txBody>
-          <a:bodyPr/>
-          <a:lstStyle/>
-          <a:p>
-            <a:r>
-              <a:rPr lang="en-US">
-                <a:cs typeface="Calibri Light"/>
-              </a:rPr>
-              <a:t>Sources</a:t>
-            </a:r>
-            <a:endParaRPr lang="en-US"/>
-          </a:p>
-        </p:txBody>
-      </p:sp>
-      <p:sp>
-        <p:nvSpPr>
-          <p:cNvPr id="3" name="Content Placeholder 2">
-            <a:extLst>
-              <a:ext uri="{FF2B5EF4-FFF2-40B4-BE49-F238E27FC236}">
-                <a16:creationId xmlns:a16="http://schemas.microsoft.com/office/drawing/2014/main" id="{A9331B36-4EAC-409A-8951-169E2024B9A4}"/>
-              </a:ext>
-            </a:extLst>
-          </p:cNvPr>
-          <p:cNvSpPr>
-            <a:spLocks noGrp="1"/>
-          </p:cNvSpPr>
-          <p:nvPr>
-            <p:ph idx="1"/>
-          </p:nvPr>
-        </p:nvSpPr>
-        <p:spPr/>
-        <p:txBody>
-          <a:bodyPr vert="horz" lIns="91440" tIns="45720" rIns="91440" bIns="45720" rtlCol="0" anchor="t">
-            <a:normAutofit/>
-          </a:bodyPr>
-          <a:lstStyle/>
-          <a:p>
-            <a:r>
-              <a:rPr lang="en-US">
-                <a:cs typeface="Calibri"/>
-                <a:hlinkClick r:id="rId2"/>
-              </a:rPr>
-              <a:t>https://developers.google.com/web/fundamentals/primers/promises</a:t>
-            </a:r>
-          </a:p>
-          <a:p>
-            <a:r>
-              <a:rPr lang="en-US">
-                <a:cs typeface="Calibri"/>
-                <a:hlinkClick r:id="rId3"/>
-              </a:rPr>
-              <a:t>https://stackoverflow.com/questions/2069763/difference-between-event-handlers-and-callbacks</a:t>
-            </a:r>
-          </a:p>
-          <a:p>
-            <a:r>
-              <a:rPr lang="en-US">
-                <a:cs typeface="Calibri"/>
-                <a:hlinkClick r:id="rId4"/>
-              </a:rPr>
-              <a:t>https://medium.com/@Abazhenov/using-async-await-in-express-with-node-8-b8af872c0016</a:t>
-            </a:r>
-          </a:p>
-          <a:p>
-            <a:endParaRPr lang="en-US">
-              <a:cs typeface="Calibri"/>
-            </a:endParaRPr>
-          </a:p>
-          <a:p>
-            <a:endParaRPr lang="en-US">
-              <a:cs typeface="Calibri"/>
-            </a:endParaRPr>
-          </a:p>
-        </p:txBody>
-      </p:sp>
-    </p:spTree>
-    <p:extLst>
-      <p:ext uri="{BB962C8B-B14F-4D97-AF65-F5344CB8AC3E}">
-        <p14:creationId xmlns:p14="http://schemas.microsoft.com/office/powerpoint/2010/main" val="3255514823"/>
-      </p:ext>
-    </p:extLst>
-  </p:cSld>
-  <p:clrMapOvr>
-    <a:masterClrMapping/>
-  </p:clrMapOvr>
 </p:sld>
 </file>
 

--- a/topic09/talk-2/Promises.pptx
+++ b/topic09/talk-2/Promises.pptx
@@ -3870,7 +3870,7 @@
         </p:spPr>
         <p:txBody>
           <a:bodyPr vert="horz" lIns="91440" tIns="45720" rIns="91440" bIns="45720" rtlCol="0">
-            <a:normAutofit fontScale="85000" lnSpcReduction="20000"/>
+            <a:normAutofit/>
           </a:bodyPr>
           <a:lstStyle/>
           <a:p>
@@ -3894,44 +3894,6 @@
               </a:rPr>
               <a:t>Classes</a:t>
             </a:r>
-          </a:p>
-          <a:p>
-            <a:r>
-              <a:rPr lang="en-US" sz="2000" dirty="0">
-                <a:solidFill>
-                  <a:schemeClr val="bg2"/>
-                </a:solidFill>
-                <a:cs typeface="Calibri"/>
-              </a:rPr>
-              <a:t>Objects</a:t>
-            </a:r>
-          </a:p>
-          <a:p>
-            <a:r>
-              <a:rPr lang="en-US" sz="2000" dirty="0">
-                <a:solidFill>
-                  <a:schemeClr val="bg2"/>
-                </a:solidFill>
-                <a:cs typeface="Calibri"/>
-              </a:rPr>
-              <a:t>Dependency Injection</a:t>
-            </a:r>
-          </a:p>
-          <a:p>
-            <a:r>
-              <a:rPr lang="en-US" sz="2000" dirty="0">
-                <a:solidFill>
-                  <a:schemeClr val="bg2"/>
-                </a:solidFill>
-                <a:cs typeface="Calibri"/>
-              </a:rPr>
-              <a:t>Inversion of Control</a:t>
-            </a:r>
-            <a:endParaRPr lang="en-US" sz="2000" dirty="0">
-              <a:solidFill>
-                <a:schemeClr val="bg2"/>
-              </a:solidFill>
-            </a:endParaRPr>
           </a:p>
         </p:txBody>
       </p:sp>
@@ -4613,8 +4575,8 @@
             <a:chExt cx="5078520" cy="838080"/>
           </a:xfrm>
         </p:grpSpPr>
-        <mc:AlternateContent xmlns:mc="http://schemas.openxmlformats.org/markup-compatibility/2006">
-          <mc:Choice xmlns:p14="http://schemas.microsoft.com/office/powerpoint/2010/main" Requires="p14">
+        <mc:AlternateContent xmlns:mc="http://schemas.openxmlformats.org/markup-compatibility/2006" xmlns:p14="http://schemas.microsoft.com/office/powerpoint/2010/main">
+          <mc:Choice Requires="p14">
             <p:contentPart p14:bwMode="auto" r:id="rId4">
               <p14:nvContentPartPr>
                 <p14:cNvPr id="13" name="Ink 12">
@@ -4633,7 +4595,7 @@
               </p14:xfrm>
             </p:contentPart>
           </mc:Choice>
-          <mc:Fallback>
+          <mc:Fallback xmlns="">
             <p:pic>
               <p:nvPicPr>
                 <p:cNvPr id="13" name="Ink 12">
@@ -4664,8 +4626,8 @@
             </p:pic>
           </mc:Fallback>
         </mc:AlternateContent>
-        <mc:AlternateContent xmlns:mc="http://schemas.openxmlformats.org/markup-compatibility/2006">
-          <mc:Choice xmlns:p14="http://schemas.microsoft.com/office/powerpoint/2010/main" Requires="p14">
+        <mc:AlternateContent xmlns:mc="http://schemas.openxmlformats.org/markup-compatibility/2006" xmlns:p14="http://schemas.microsoft.com/office/powerpoint/2010/main">
+          <mc:Choice Requires="p14">
             <p:contentPart p14:bwMode="auto" r:id="rId6">
               <p14:nvContentPartPr>
                 <p14:cNvPr id="14" name="Ink 13">
@@ -4684,7 +4646,7 @@
               </p14:xfrm>
             </p:contentPart>
           </mc:Choice>
-          <mc:Fallback>
+          <mc:Fallback xmlns="">
             <p:pic>
               <p:nvPicPr>
                 <p:cNvPr id="14" name="Ink 13">
@@ -4715,8 +4677,8 @@
             </p:pic>
           </mc:Fallback>
         </mc:AlternateContent>
-        <mc:AlternateContent xmlns:mc="http://schemas.openxmlformats.org/markup-compatibility/2006">
-          <mc:Choice xmlns:p14="http://schemas.microsoft.com/office/powerpoint/2010/main" Requires="p14">
+        <mc:AlternateContent xmlns:mc="http://schemas.openxmlformats.org/markup-compatibility/2006" xmlns:p14="http://schemas.microsoft.com/office/powerpoint/2010/main">
+          <mc:Choice Requires="p14">
             <p:contentPart p14:bwMode="auto" r:id="rId8">
               <p14:nvContentPartPr>
                 <p14:cNvPr id="16" name="Ink 15">
@@ -4735,7 +4697,7 @@
               </p14:xfrm>
             </p:contentPart>
           </mc:Choice>
-          <mc:Fallback>
+          <mc:Fallback xmlns="">
             <p:pic>
               <p:nvPicPr>
                 <p:cNvPr id="16" name="Ink 15">
